--- a/ORPPT.pptx
+++ b/ORPPT.pptx
@@ -17,11 +17,11 @@
     <p:sldId id="3087" r:id="rId5"/>
     <p:sldId id="3150" r:id="rId6"/>
     <p:sldId id="3147" r:id="rId7"/>
-    <p:sldId id="3153" r:id="rId8"/>
-    <p:sldId id="3149" r:id="rId9"/>
-    <p:sldId id="3158" r:id="rId10"/>
-    <p:sldId id="3156" r:id="rId11"/>
-    <p:sldId id="3157" r:id="rId12"/>
+    <p:sldId id="3149" r:id="rId8"/>
+    <p:sldId id="3160" r:id="rId9"/>
+    <p:sldId id="3161" r:id="rId10"/>
+    <p:sldId id="3158" r:id="rId11"/>
+    <p:sldId id="3156" r:id="rId12"/>
     <p:sldId id="3148" r:id="rId13"/>
     <p:sldId id="3155" r:id="rId14"/>
     <p:sldId id="3145" r:id="rId15"/>
@@ -930,7 +930,7 @@
     </p:spTree>
     <p:extLst>
       <p:ext uri="{BB962C8B-B14F-4D97-AF65-F5344CB8AC3E}">
-        <p14:creationId xmlns:p14="http://schemas.microsoft.com/office/powerpoint/2010/main" val="2548595181"/>
+        <p14:creationId xmlns:p14="http://schemas.microsoft.com/office/powerpoint/2010/main" val="188631625"/>
       </p:ext>
     </p:extLst>
   </p:cSld>
@@ -1020,7 +1020,7 @@
     </p:spTree>
     <p:extLst>
       <p:ext uri="{BB962C8B-B14F-4D97-AF65-F5344CB8AC3E}">
-        <p14:creationId xmlns:p14="http://schemas.microsoft.com/office/powerpoint/2010/main" val="3688203418"/>
+        <p14:creationId xmlns:p14="http://schemas.microsoft.com/office/powerpoint/2010/main" val="2548595181"/>
       </p:ext>
     </p:extLst>
   </p:cSld>
@@ -1744,7 +1744,7 @@
       </p:grpSpPr>
       <p:sp>
         <p:nvSpPr>
-          <p:cNvPr id="2" name="Slide Image Placeholder 1"/>
+          <p:cNvPr id="2" name="幻灯片图像占位符 1"/>
           <p:cNvSpPr>
             <a:spLocks noGrp="1" noRot="1" noChangeAspect="1"/>
           </p:cNvSpPr>
@@ -1752,16 +1752,11 @@
             <p:ph type="sldImg"/>
           </p:nvPr>
         </p:nvSpPr>
-        <p:spPr>
-          <a:xfrm>
-            <a:off x="685800" y="1143000"/>
-            <a:ext cx="5486400" cy="3086100"/>
-          </a:xfrm>
-        </p:spPr>
-      </p:sp>
-      <p:sp>
-        <p:nvSpPr>
-          <p:cNvPr id="3" name="Notes Placeholder 2"/>
+        <p:spPr/>
+      </p:sp>
+      <p:sp>
+        <p:nvSpPr>
+          <p:cNvPr id="3" name="备注占位符 2"/>
           <p:cNvSpPr>
             <a:spLocks noGrp="1"/>
           </p:cNvSpPr>
@@ -1774,13 +1769,13 @@
           <a:bodyPr/>
           <a:lstStyle/>
           <a:p>
-            <a:endParaRPr lang="id-ID"/>
-          </a:p>
-        </p:txBody>
-      </p:sp>
-      <p:sp>
-        <p:nvSpPr>
-          <p:cNvPr id="4" name="Slide Number Placeholder 3"/>
+            <a:endParaRPr lang="zh-CN" altLang="en-US"/>
+          </a:p>
+        </p:txBody>
+      </p:sp>
+      <p:sp>
+        <p:nvSpPr>
+          <p:cNvPr id="4" name="灯片编号占位符 3"/>
           <p:cNvSpPr>
             <a:spLocks noGrp="1"/>
           </p:cNvSpPr>
@@ -1793,19 +1788,19 @@
           <a:bodyPr/>
           <a:lstStyle/>
           <a:p>
-            <a:fld id="{74D1495A-DD81-44F4-9F54-1F39867BF2D9}" type="slidenum">
-              <a:rPr lang="en-US" smtClean="0"/>
+            <a:fld id="{418F03C3-53C1-4F10-8DAF-D1F318E96C6E}" type="slidenum">
+              <a:rPr lang="zh-CN" altLang="en-US" smtClean="0"/>
               <a:pPr/>
               <a:t>7</a:t>
             </a:fld>
-            <a:endParaRPr lang="en-US"/>
+            <a:endParaRPr lang="zh-CN" altLang="en-US"/>
           </a:p>
         </p:txBody>
       </p:sp>
     </p:spTree>
     <p:extLst>
       <p:ext uri="{BB962C8B-B14F-4D97-AF65-F5344CB8AC3E}">
-        <p14:creationId xmlns:p14="http://schemas.microsoft.com/office/powerpoint/2010/main" val="3961170132"/>
+        <p14:creationId xmlns:p14="http://schemas.microsoft.com/office/powerpoint/2010/main" val="1025049496"/>
       </p:ext>
     </p:extLst>
   </p:cSld>
@@ -1834,7 +1829,7 @@
       </p:grpSpPr>
       <p:sp>
         <p:nvSpPr>
-          <p:cNvPr id="2" name="幻灯片图像占位符 1"/>
+          <p:cNvPr id="2" name="Slide Image Placeholder 1"/>
           <p:cNvSpPr>
             <a:spLocks noGrp="1" noRot="1" noChangeAspect="1"/>
           </p:cNvSpPr>
@@ -1842,11 +1837,16 @@
             <p:ph type="sldImg"/>
           </p:nvPr>
         </p:nvSpPr>
-        <p:spPr/>
-      </p:sp>
-      <p:sp>
-        <p:nvSpPr>
-          <p:cNvPr id="3" name="备注占位符 2"/>
+        <p:spPr>
+          <a:xfrm>
+            <a:off x="685800" y="1143000"/>
+            <a:ext cx="5486400" cy="3086100"/>
+          </a:xfrm>
+        </p:spPr>
+      </p:sp>
+      <p:sp>
+        <p:nvSpPr>
+          <p:cNvPr id="3" name="Notes Placeholder 2"/>
           <p:cNvSpPr>
             <a:spLocks noGrp="1"/>
           </p:cNvSpPr>
@@ -1859,13 +1859,13 @@
           <a:bodyPr/>
           <a:lstStyle/>
           <a:p>
-            <a:endParaRPr lang="zh-CN" altLang="en-US"/>
-          </a:p>
-        </p:txBody>
-      </p:sp>
-      <p:sp>
-        <p:nvSpPr>
-          <p:cNvPr id="4" name="灯片编号占位符 3"/>
+            <a:endParaRPr lang="id-ID"/>
+          </a:p>
+        </p:txBody>
+      </p:sp>
+      <p:sp>
+        <p:nvSpPr>
+          <p:cNvPr id="4" name="Slide Number Placeholder 3"/>
           <p:cNvSpPr>
             <a:spLocks noGrp="1"/>
           </p:cNvSpPr>
@@ -1878,19 +1878,19 @@
           <a:bodyPr/>
           <a:lstStyle/>
           <a:p>
-            <a:fld id="{418F03C3-53C1-4F10-8DAF-D1F318E96C6E}" type="slidenum">
-              <a:rPr lang="zh-CN" altLang="en-US" smtClean="0"/>
+            <a:fld id="{74D1495A-DD81-44F4-9F54-1F39867BF2D9}" type="slidenum">
+              <a:rPr lang="en-US" smtClean="0"/>
               <a:pPr/>
               <a:t>8</a:t>
             </a:fld>
-            <a:endParaRPr lang="zh-CN" altLang="en-US"/>
+            <a:endParaRPr lang="en-US"/>
           </a:p>
         </p:txBody>
       </p:sp>
     </p:spTree>
     <p:extLst>
       <p:ext uri="{BB962C8B-B14F-4D97-AF65-F5344CB8AC3E}">
-        <p14:creationId xmlns:p14="http://schemas.microsoft.com/office/powerpoint/2010/main" val="1025049496"/>
+        <p14:creationId xmlns:p14="http://schemas.microsoft.com/office/powerpoint/2010/main" val="188631625"/>
       </p:ext>
     </p:extLst>
   </p:cSld>
@@ -3705,6 +3705,13 @@
       <p:transition advTm="0"/>
     </mc:Fallback>
   </mc:AlternateContent>
+  <p:timing>
+    <p:tnLst>
+      <p:par>
+        <p:cTn id="1" dur="indefinite" restart="never" nodeType="tmRoot"/>
+      </p:par>
+    </p:tnLst>
+  </p:timing>
 </p:sld>
 </file>
 
@@ -3765,7 +3772,7 @@
           <a:p>
             <a:pPr algn="l"/>
             <a:r>
-              <a:rPr lang="zh-CN" altLang="en-US" sz="3600" dirty="0">
+              <a:rPr lang="en-US" altLang="zh-CN" sz="3600" dirty="0" smtClean="0">
                 <a:solidFill>
                   <a:schemeClr val="accent6">
                     <a:lumMod val="90000"/>
@@ -3777,7 +3784,22 @@
                 <a:cs typeface="+mn-ea"/>
                 <a:sym typeface="+mn-lt"/>
               </a:rPr>
-              <a:t>本课题的主要研究内容</a:t>
+              <a:t>3.3 </a:t>
+            </a:r>
+            <a:r>
+              <a:rPr lang="zh-CN" altLang="en-US" sz="3600" dirty="0" smtClean="0">
+                <a:solidFill>
+                  <a:schemeClr val="accent6">
+                    <a:lumMod val="90000"/>
+                    <a:lumOff val="10000"/>
+                  </a:schemeClr>
+                </a:solidFill>
+                <a:latin typeface="微软雅黑" panose="020B0503020204020204" pitchFamily="34" charset="-122"/>
+                <a:ea typeface="微软雅黑" panose="020B0503020204020204" pitchFamily="34" charset="-122"/>
+                <a:cs typeface="+mn-ea"/>
+                <a:sym typeface="+mn-lt"/>
+              </a:rPr>
+              <a:t>控制策略实现</a:t>
             </a:r>
             <a:endParaRPr lang="en-US" altLang="zh-CN" sz="3600" dirty="0">
               <a:solidFill>
@@ -3886,257 +3908,739 @@
           </a:p>
         </p:txBody>
       </p:sp>
-      <p:pic>
-        <p:nvPicPr>
-          <p:cNvPr id="2" name="图片 1">
-            <a:extLst>
-              <a:ext uri="{FF2B5EF4-FFF2-40B4-BE49-F238E27FC236}">
-                <a16:creationId xmlns="" xmlns:a16="http://schemas.microsoft.com/office/drawing/2014/main" id="{C1EE8012-88F6-4DAE-81D1-151D281C44D0}"/>
-              </a:ext>
-            </a:extLst>
-          </p:cNvPr>
-          <p:cNvPicPr>
-            <a:picLocks noChangeAspect="1"/>
-          </p:cNvPicPr>
+      <p:grpSp>
+        <p:nvGrpSpPr>
+          <p:cNvPr id="11" name="组合 10"/>
+          <p:cNvGrpSpPr/>
           <p:nvPr/>
-        </p:nvPicPr>
-        <p:blipFill>
-          <a:blip r:embed="rId3"/>
-          <a:stretch>
-            <a:fillRect/>
-          </a:stretch>
-        </p:blipFill>
-        <p:spPr>
+        </p:nvGrpSpPr>
+        <p:grpSpPr>
           <a:xfrm>
-            <a:off x="668735" y="1168053"/>
-            <a:ext cx="6223381" cy="5462346"/>
+            <a:off x="92670" y="1204927"/>
+            <a:ext cx="7776864" cy="4750787"/>
+            <a:chOff x="884758" y="1528093"/>
+            <a:chExt cx="7776864" cy="4750787"/>
           </a:xfrm>
-          <a:prstGeom prst="rect">
-            <a:avLst/>
-          </a:prstGeom>
-        </p:spPr>
-      </p:pic>
-      <p:sp>
-        <p:nvSpPr>
-          <p:cNvPr id="3" name="矩形 2">
-            <a:extLst>
-              <a:ext uri="{FF2B5EF4-FFF2-40B4-BE49-F238E27FC236}">
-                <a16:creationId xmlns="" xmlns:a16="http://schemas.microsoft.com/office/drawing/2014/main" id="{B7383B8B-AB7E-446B-B921-EADB92FE354B}"/>
-              </a:ext>
-            </a:extLst>
-          </p:cNvPr>
-          <p:cNvSpPr/>
+        </p:grpSpPr>
+        <p:graphicFrame>
+          <p:nvGraphicFramePr>
+            <p:cNvPr id="2" name="对象 1"/>
+            <p:cNvGraphicFramePr>
+              <a:graphicFrameLocks noChangeAspect="1"/>
+            </p:cNvGraphicFramePr>
+            <p:nvPr>
+              <p:extLst>
+                <p:ext uri="{D42A27DB-BD31-4B8C-83A1-F6EECF244321}">
+                  <p14:modId xmlns:p14="http://schemas.microsoft.com/office/powerpoint/2010/main" val="4021722748"/>
+                </p:ext>
+              </p:extLst>
+            </p:nvPr>
+          </p:nvGraphicFramePr>
+          <p:xfrm>
+            <a:off x="884758" y="1528093"/>
+            <a:ext cx="7415906" cy="3714962"/>
+          </p:xfrm>
+          <a:graphic>
+            <a:graphicData uri="http://schemas.openxmlformats.org/presentationml/2006/ole">
+              <mc:AlternateContent xmlns:mc="http://schemas.openxmlformats.org/markup-compatibility/2006">
+                <mc:Choice xmlns:v="urn:schemas-microsoft-com:vml" Requires="v">
+                  <p:oleObj spid="_x0000_s2057" name="Visio" r:id="rId4" imgW="5038238" imgH="2524557" progId="Visio.Drawing.11">
+                    <p:embed/>
+                  </p:oleObj>
+                </mc:Choice>
+                <mc:Fallback>
+                  <p:oleObj name="Visio" r:id="rId4" imgW="5038238" imgH="2524557" progId="Visio.Drawing.11">
+                    <p:embed/>
+                    <p:pic>
+                      <p:nvPicPr>
+                        <p:cNvPr id="0" name=""/>
+                        <p:cNvPicPr/>
+                        <p:nvPr/>
+                      </p:nvPicPr>
+                      <p:blipFill>
+                        <a:blip r:embed="rId5"/>
+                        <a:stretch>
+                          <a:fillRect/>
+                        </a:stretch>
+                      </p:blipFill>
+                      <p:spPr>
+                        <a:xfrm>
+                          <a:off x="884758" y="1528093"/>
+                          <a:ext cx="7415906" cy="3714962"/>
+                        </a:xfrm>
+                        <a:prstGeom prst="rect">
+                          <a:avLst/>
+                        </a:prstGeom>
+                      </p:spPr>
+                    </p:pic>
+                  </p:oleObj>
+                </mc:Fallback>
+              </mc:AlternateContent>
+            </a:graphicData>
+          </a:graphic>
+        </p:graphicFrame>
+        <p:sp>
+          <p:nvSpPr>
+            <p:cNvPr id="3" name="TextBox 2"/>
+            <p:cNvSpPr txBox="1"/>
+            <p:nvPr/>
+          </p:nvSpPr>
+          <p:spPr>
+            <a:xfrm>
+              <a:off x="3549054" y="5632549"/>
+              <a:ext cx="5112568" cy="646331"/>
+            </a:xfrm>
+            <a:prstGeom prst="rect">
+              <a:avLst/>
+            </a:prstGeom>
+            <a:noFill/>
+          </p:spPr>
+          <p:txBody>
+            <a:bodyPr wrap="square" rtlCol="0">
+              <a:spAutoFit/>
+            </a:bodyPr>
+            <a:lstStyle/>
+            <a:p>
+              <a:r>
+                <a:rPr lang="zh-CN" altLang="zh-CN" dirty="0">
+                  <a:latin typeface="黑体" pitchFamily="49" charset="-122"/>
+                  <a:ea typeface="黑体" pitchFamily="49" charset="-122"/>
+                </a:rPr>
+                <a:t>多元数据融合控制电机状态</a:t>
+              </a:r>
+            </a:p>
+            <a:p>
+              <a:endParaRPr lang="zh-CN" altLang="en-US" dirty="0">
+                <a:latin typeface="黑体" pitchFamily="49" charset="-122"/>
+                <a:ea typeface="黑体" pitchFamily="49" charset="-122"/>
+              </a:endParaRPr>
+            </a:p>
+          </p:txBody>
+        </p:sp>
+      </p:grpSp>
+      <p:grpSp>
+        <p:nvGrpSpPr>
+          <p:cNvPr id="21" name="组合 20"/>
+          <p:cNvGrpSpPr/>
           <p:nvPr/>
-        </p:nvSpPr>
-        <p:spPr>
+        </p:nvGrpSpPr>
+        <p:grpSpPr>
           <a:xfrm>
-            <a:off x="8373591" y="1528093"/>
-            <a:ext cx="4176464" cy="3628044"/>
+            <a:off x="8380960" y="1908006"/>
+            <a:ext cx="4285539" cy="2223061"/>
+            <a:chOff x="6933431" y="5344517"/>
+            <a:chExt cx="5216132" cy="2951770"/>
           </a:xfrm>
-          <a:prstGeom prst="rect">
-            <a:avLst/>
-          </a:prstGeom>
-        </p:spPr>
-        <p:txBody>
-          <a:bodyPr wrap="square">
-            <a:spAutoFit/>
-          </a:bodyPr>
-          <a:lstStyle/>
-          <a:p>
-            <a:pPr>
-              <a:lnSpc>
-                <a:spcPts val="4000"/>
-              </a:lnSpc>
-            </a:pPr>
-            <a:r>
-              <a:rPr lang="zh-CN" altLang="en-US" sz="2400" kern="100" dirty="0">
-                <a:solidFill>
-                  <a:schemeClr val="accent6"/>
-                </a:solidFill>
-                <a:latin typeface="微软雅黑" panose="020B0503020204020204" pitchFamily="34" charset="-122"/>
-                <a:ea typeface="微软雅黑" panose="020B0503020204020204" pitchFamily="34" charset="-122"/>
-                <a:cs typeface="Calibri" panose="020F0502020204030204" pitchFamily="34" charset="0"/>
-              </a:rPr>
-              <a:t>本课题拟为双向潮流区域配置提取正序阻抗电气量构造保护判据的正序阻抗差动保护。基于 </a:t>
-            </a:r>
-            <a:r>
-              <a:rPr lang="en-US" altLang="zh-CN" sz="2400" kern="100" dirty="0">
-                <a:solidFill>
-                  <a:schemeClr val="accent6"/>
-                </a:solidFill>
-                <a:latin typeface="微软雅黑" panose="020B0503020204020204" pitchFamily="34" charset="-122"/>
-                <a:ea typeface="微软雅黑" panose="020B0503020204020204" pitchFamily="34" charset="-122"/>
-                <a:cs typeface="Calibri" panose="020F0502020204030204" pitchFamily="34" charset="0"/>
-              </a:rPr>
-              <a:t>PSCAD</a:t>
-            </a:r>
-            <a:r>
-              <a:rPr lang="zh-CN" altLang="en-US" sz="2400" kern="100" dirty="0">
-                <a:solidFill>
-                  <a:schemeClr val="accent6"/>
-                </a:solidFill>
-                <a:latin typeface="微软雅黑" panose="020B0503020204020204" pitchFamily="34" charset="-122"/>
-                <a:ea typeface="微软雅黑" panose="020B0503020204020204" pitchFamily="34" charset="-122"/>
-                <a:cs typeface="Calibri" panose="020F0502020204030204" pitchFamily="34" charset="0"/>
-              </a:rPr>
-              <a:t>仿真平台搭建含多个</a:t>
-            </a:r>
-            <a:r>
-              <a:rPr lang="en-US" altLang="zh-CN" sz="2400" kern="100" dirty="0">
-                <a:solidFill>
-                  <a:schemeClr val="accent6"/>
-                </a:solidFill>
-                <a:latin typeface="微软雅黑" panose="020B0503020204020204" pitchFamily="34" charset="-122"/>
-                <a:ea typeface="微软雅黑" panose="020B0503020204020204" pitchFamily="34" charset="-122"/>
-                <a:cs typeface="Calibri" panose="020F0502020204030204" pitchFamily="34" charset="0"/>
-              </a:rPr>
-              <a:t>IIDG</a:t>
-            </a:r>
-            <a:r>
-              <a:rPr lang="zh-CN" altLang="en-US" sz="2400" kern="100" dirty="0">
-                <a:solidFill>
-                  <a:schemeClr val="accent6"/>
-                </a:solidFill>
-                <a:latin typeface="微软雅黑" panose="020B0503020204020204" pitchFamily="34" charset="-122"/>
-                <a:ea typeface="微软雅黑" panose="020B0503020204020204" pitchFamily="34" charset="-122"/>
-                <a:cs typeface="Calibri" panose="020F0502020204030204" pitchFamily="34" charset="0"/>
-              </a:rPr>
-              <a:t>的</a:t>
-            </a:r>
-            <a:r>
-              <a:rPr lang="en-US" altLang="zh-CN" sz="2400" kern="100" dirty="0">
-                <a:solidFill>
-                  <a:schemeClr val="accent6"/>
-                </a:solidFill>
-                <a:latin typeface="微软雅黑" panose="020B0503020204020204" pitchFamily="34" charset="-122"/>
-                <a:ea typeface="微软雅黑" panose="020B0503020204020204" pitchFamily="34" charset="-122"/>
-                <a:cs typeface="Calibri" panose="020F0502020204030204" pitchFamily="34" charset="0"/>
-              </a:rPr>
-              <a:t>IEEE14</a:t>
-            </a:r>
-            <a:r>
-              <a:rPr lang="zh-CN" altLang="en-US" sz="2400" kern="100" dirty="0">
-                <a:solidFill>
-                  <a:schemeClr val="accent6"/>
-                </a:solidFill>
-                <a:latin typeface="微软雅黑" panose="020B0503020204020204" pitchFamily="34" charset="-122"/>
-                <a:ea typeface="微软雅黑" panose="020B0503020204020204" pitchFamily="34" charset="-122"/>
-                <a:cs typeface="Calibri" panose="020F0502020204030204" pitchFamily="34" charset="0"/>
-              </a:rPr>
-              <a:t>节点标准配电网，验证该保护原理的正确性。</a:t>
-            </a:r>
-            <a:endParaRPr lang="zh-CN" altLang="en-US" sz="2400" dirty="0">
-              <a:solidFill>
-                <a:schemeClr val="accent6"/>
-              </a:solidFill>
-              <a:latin typeface="微软雅黑" panose="020B0503020204020204" pitchFamily="34" charset="-122"/>
-              <a:ea typeface="微软雅黑" panose="020B0503020204020204" pitchFamily="34" charset="-122"/>
-            </a:endParaRPr>
-          </a:p>
-        </p:txBody>
-      </p:sp>
-      <p:sp>
-        <p:nvSpPr>
-          <p:cNvPr id="16" name="Oval 108">
-            <a:extLst>
-              <a:ext uri="{FF2B5EF4-FFF2-40B4-BE49-F238E27FC236}">
-                <a16:creationId xmlns="" xmlns:a16="http://schemas.microsoft.com/office/drawing/2014/main" id="{C3B39858-B2D1-47F4-AECC-D7778C33087B}"/>
-              </a:ext>
-            </a:extLst>
-          </p:cNvPr>
-          <p:cNvSpPr>
-            <a:spLocks noChangeAspect="1"/>
-          </p:cNvSpPr>
-          <p:nvPr/>
-        </p:nvSpPr>
-        <p:spPr>
-          <a:xfrm>
-            <a:off x="7506947" y="1525545"/>
-            <a:ext cx="578612" cy="578612"/>
-          </a:xfrm>
-          <a:prstGeom prst="ellipse">
-            <a:avLst/>
-          </a:prstGeom>
-          <a:solidFill>
-            <a:schemeClr val="accent4"/>
-          </a:solidFill>
-          <a:ln w="38100">
+        </p:grpSpPr>
+        <p:sp>
+          <p:nvSpPr>
+            <p:cNvPr id="14" name="椭圆 13">
+              <a:extLst>
+                <a:ext uri="{FF2B5EF4-FFF2-40B4-BE49-F238E27FC236}">
+                  <a16:creationId xmlns:a16="http://schemas.microsoft.com/office/drawing/2014/main" xmlns="" id="{73084343-2799-445B-B759-EFC6EAE38533}"/>
+                </a:ext>
+              </a:extLst>
+            </p:cNvPr>
+            <p:cNvSpPr/>
+            <p:nvPr/>
+          </p:nvSpPr>
+          <p:spPr>
+            <a:xfrm>
+              <a:off x="7068500" y="5416812"/>
+              <a:ext cx="620170" cy="669576"/>
+            </a:xfrm>
+            <a:prstGeom prst="ellipse">
+              <a:avLst/>
+            </a:prstGeom>
+            <a:solidFill>
+              <a:schemeClr val="accent1"/>
+            </a:solidFill>
+            <a:ln>
+              <a:noFill/>
+            </a:ln>
+            <a:effectLst>
+              <a:outerShdw blurRad="101600" dist="101600" dir="5400000" algn="t" rotWithShape="0">
+                <a:prstClr val="black">
+                  <a:alpha val="40000"/>
+                </a:prstClr>
+              </a:outerShdw>
+            </a:effectLst>
+          </p:spPr>
+          <p:style>
+            <a:lnRef idx="2">
+              <a:schemeClr val="accent1">
+                <a:shade val="50000"/>
+              </a:schemeClr>
+            </a:lnRef>
+            <a:fillRef idx="1">
+              <a:schemeClr val="accent1"/>
+            </a:fillRef>
+            <a:effectRef idx="0">
+              <a:schemeClr val="accent1"/>
+            </a:effectRef>
+            <a:fontRef idx="minor">
+              <a:schemeClr val="lt1"/>
+            </a:fontRef>
+          </p:style>
+          <p:txBody>
+            <a:bodyPr rot="0" spcFirstLastPara="0" vertOverflow="overflow" horzOverflow="overflow" vert="horz" wrap="square" lIns="91440" tIns="45720" rIns="91440" bIns="45720" numCol="1" spcCol="0" rtlCol="0" fromWordArt="0" anchor="ctr" anchorCtr="0" forceAA="0" compatLnSpc="1">
+              <a:prstTxWarp prst="textNoShape">
+                <a:avLst/>
+              </a:prstTxWarp>
+              <a:noAutofit/>
+            </a:bodyPr>
+            <a:lstStyle/>
+            <a:p>
+              <a:pPr algn="ctr"/>
+              <a:endParaRPr lang="zh-CN" altLang="en-US"/>
+            </a:p>
+          </p:txBody>
+        </p:sp>
+        <p:sp>
+          <p:nvSpPr>
+            <p:cNvPr id="15" name="矩形: 圆角 63">
+              <a:extLst>
+                <a:ext uri="{FF2B5EF4-FFF2-40B4-BE49-F238E27FC236}">
+                  <a16:creationId xmlns:a16="http://schemas.microsoft.com/office/drawing/2014/main" xmlns="" id="{BCD2B3CC-3858-4463-8607-1A02323512F4}"/>
+                </a:ext>
+              </a:extLst>
+            </p:cNvPr>
+            <p:cNvSpPr/>
+            <p:nvPr/>
+          </p:nvSpPr>
+          <p:spPr>
+            <a:xfrm>
+              <a:off x="6933431" y="5344517"/>
+              <a:ext cx="5216132" cy="814167"/>
+            </a:xfrm>
+            <a:prstGeom prst="roundRect">
+              <a:avLst>
+                <a:gd name="adj" fmla="val 50000"/>
+              </a:avLst>
+            </a:prstGeom>
             <a:noFill/>
-          </a:ln>
-        </p:spPr>
-        <p:style>
-          <a:lnRef idx="2">
-            <a:schemeClr val="accent1">
-              <a:shade val="50000"/>
-            </a:schemeClr>
-          </a:lnRef>
-          <a:fillRef idx="1">
-            <a:schemeClr val="accent1"/>
-          </a:fillRef>
-          <a:effectRef idx="0">
-            <a:schemeClr val="accent1"/>
-          </a:effectRef>
-          <a:fontRef idx="minor">
-            <a:schemeClr val="lt1"/>
-          </a:fontRef>
-        </p:style>
-        <p:txBody>
-          <a:bodyPr lIns="0" tIns="0" rIns="0" bIns="0" rtlCol="0" anchor="ctr"/>
-          <a:lstStyle/>
-          <a:p>
-            <a:pPr algn="ctr">
-              <a:lnSpc>
-                <a:spcPct val="120000"/>
-              </a:lnSpc>
-              <a:spcBef>
-                <a:spcPts val="0"/>
-              </a:spcBef>
-              <a:spcAft>
-                <a:spcPts val="0"/>
-              </a:spcAft>
-            </a:pPr>
-            <a:r>
-              <a:rPr lang="en-US" altLang="zh-CN" dirty="0">
-                <a:solidFill>
-                  <a:schemeClr val="bg1"/>
-                </a:solidFill>
-                <a:latin typeface="Arial" panose="020B0604020202020204" pitchFamily="34" charset="0"/>
-                <a:ea typeface="微软雅黑" panose="020B0503020204020204" pitchFamily="34" charset="-122"/>
-                <a:cs typeface="+mn-ea"/>
-                <a:sym typeface="Arial" panose="020B0604020202020204" pitchFamily="34" charset="0"/>
-              </a:rPr>
-              <a:t>3</a:t>
-            </a:r>
-            <a:endParaRPr lang="en-US" dirty="0">
-              <a:solidFill>
-                <a:schemeClr val="bg1"/>
-              </a:solidFill>
-              <a:latin typeface="Arial" panose="020B0604020202020204" pitchFamily="34" charset="0"/>
-              <a:ea typeface="微软雅黑" panose="020B0503020204020204" pitchFamily="34" charset="-122"/>
-              <a:cs typeface="+mn-ea"/>
-              <a:sym typeface="Arial" panose="020B0604020202020204" pitchFamily="34" charset="0"/>
-            </a:endParaRPr>
-          </a:p>
-        </p:txBody>
-      </p:sp>
+            <a:ln w="19050"/>
+          </p:spPr>
+          <p:style>
+            <a:lnRef idx="2">
+              <a:schemeClr val="accent1">
+                <a:shade val="50000"/>
+              </a:schemeClr>
+            </a:lnRef>
+            <a:fillRef idx="1">
+              <a:schemeClr val="accent1"/>
+            </a:fillRef>
+            <a:effectRef idx="0">
+              <a:schemeClr val="accent1"/>
+            </a:effectRef>
+            <a:fontRef idx="minor">
+              <a:schemeClr val="lt1"/>
+            </a:fontRef>
+          </p:style>
+          <p:txBody>
+            <a:bodyPr rtlCol="0" anchor="ctr"/>
+            <a:lstStyle/>
+            <a:p>
+              <a:pPr algn="ctr"/>
+              <a:endParaRPr lang="zh-CN" altLang="en-US"/>
+            </a:p>
+          </p:txBody>
+        </p:sp>
+        <p:sp>
+          <p:nvSpPr>
+            <p:cNvPr id="16" name="矩形 15">
+              <a:extLst>
+                <a:ext uri="{FF2B5EF4-FFF2-40B4-BE49-F238E27FC236}">
+                  <a16:creationId xmlns:a16="http://schemas.microsoft.com/office/drawing/2014/main" xmlns="" id="{17DE5808-A425-4D3A-8D7F-57C5727C7CE5}"/>
+                </a:ext>
+              </a:extLst>
+            </p:cNvPr>
+            <p:cNvSpPr/>
+            <p:nvPr/>
+          </p:nvSpPr>
+          <p:spPr>
+            <a:xfrm>
+              <a:off x="7760459" y="5391625"/>
+              <a:ext cx="2406843" cy="408665"/>
+            </a:xfrm>
+            <a:prstGeom prst="rect">
+              <a:avLst/>
+            </a:prstGeom>
+          </p:spPr>
+          <p:txBody>
+            <a:bodyPr wrap="square">
+              <a:spAutoFit/>
+            </a:bodyPr>
+            <a:lstStyle/>
+            <a:p>
+              <a:pPr>
+                <a:spcAft>
+                  <a:spcPts val="0"/>
+                </a:spcAft>
+              </a:pPr>
+              <a:r>
+                <a:rPr lang="en-US" altLang="zh-CN" sz="1400" kern="100" dirty="0">
+                  <a:solidFill>
+                    <a:schemeClr val="accent1"/>
+                  </a:solidFill>
+                  <a:latin typeface="+mj-lt"/>
+                  <a:cs typeface="Times New Roman" panose="02020603050405020304" pitchFamily="18" charset="0"/>
+                </a:rPr>
+                <a:t>Research Contents</a:t>
+              </a:r>
+            </a:p>
+          </p:txBody>
+        </p:sp>
+        <p:grpSp>
+          <p:nvGrpSpPr>
+            <p:cNvPr id="18" name="组合 17">
+              <a:extLst>
+                <a:ext uri="{FF2B5EF4-FFF2-40B4-BE49-F238E27FC236}">
+                  <a16:creationId xmlns:a16="http://schemas.microsoft.com/office/drawing/2014/main" xmlns="" id="{F69654B9-54B0-48E4-A873-115B1E6B084A}"/>
+                </a:ext>
+              </a:extLst>
+            </p:cNvPr>
+            <p:cNvGrpSpPr/>
+            <p:nvPr/>
+          </p:nvGrpSpPr>
+          <p:grpSpPr>
+            <a:xfrm>
+              <a:off x="7257325" y="5584268"/>
+              <a:ext cx="242519" cy="381687"/>
+              <a:chOff x="2528974" y="2863357"/>
+              <a:chExt cx="246811" cy="359779"/>
+            </a:xfrm>
+            <a:solidFill>
+              <a:sysClr val="window" lastClr="FFFFFF"/>
+            </a:solidFill>
+          </p:grpSpPr>
+          <p:sp>
+            <p:nvSpPr>
+              <p:cNvPr id="19" name="AutoShape 113">
+                <a:extLst>
+                  <a:ext uri="{FF2B5EF4-FFF2-40B4-BE49-F238E27FC236}">
+                    <a16:creationId xmlns:a16="http://schemas.microsoft.com/office/drawing/2014/main" xmlns="" id="{762A4469-ED62-403E-BACD-2BFF1C474814}"/>
+                  </a:ext>
+                </a:extLst>
+              </p:cNvPr>
+              <p:cNvSpPr>
+                <a:spLocks/>
+              </p:cNvSpPr>
+              <p:nvPr/>
+            </p:nvSpPr>
+            <p:spPr bwMode="auto">
+              <a:xfrm>
+                <a:off x="2528974" y="2863357"/>
+                <a:ext cx="246811" cy="359779"/>
+              </a:xfrm>
+              <a:custGeom>
+                <a:avLst/>
+                <a:gdLst>
+                  <a:gd name="T0" fmla="*/ 10800 w 21600"/>
+                  <a:gd name="T1" fmla="*/ 10800 h 21600"/>
+                  <a:gd name="T2" fmla="*/ 10800 w 21600"/>
+                  <a:gd name="T3" fmla="*/ 10800 h 21600"/>
+                  <a:gd name="T4" fmla="*/ 10800 w 21600"/>
+                  <a:gd name="T5" fmla="*/ 10800 h 21600"/>
+                  <a:gd name="T6" fmla="*/ 10800 w 21600"/>
+                  <a:gd name="T7" fmla="*/ 10800 h 21600"/>
+                </a:gdLst>
+                <a:ahLst/>
+                <a:cxnLst>
+                  <a:cxn ang="0">
+                    <a:pos x="T0" y="T1"/>
+                  </a:cxn>
+                  <a:cxn ang="0">
+                    <a:pos x="T2" y="T3"/>
+                  </a:cxn>
+                  <a:cxn ang="0">
+                    <a:pos x="T4" y="T5"/>
+                  </a:cxn>
+                  <a:cxn ang="0">
+                    <a:pos x="T6" y="T7"/>
+                  </a:cxn>
+                </a:cxnLst>
+                <a:rect l="0" t="0" r="r" b="b"/>
+                <a:pathLst>
+                  <a:path w="21600" h="21600">
+                    <a:moveTo>
+                      <a:pt x="15386" y="14175"/>
+                    </a:moveTo>
+                    <a:lnTo>
+                      <a:pt x="6223" y="14175"/>
+                    </a:lnTo>
+                    <a:cubicBezTo>
+                      <a:pt x="5734" y="13446"/>
+                      <a:pt x="5147" y="12716"/>
+                      <a:pt x="4568" y="12003"/>
+                    </a:cubicBezTo>
+                    <a:cubicBezTo>
+                      <a:pt x="3287" y="10427"/>
+                      <a:pt x="1963" y="8797"/>
+                      <a:pt x="1963" y="7425"/>
+                    </a:cubicBezTo>
+                    <a:cubicBezTo>
+                      <a:pt x="1963" y="4075"/>
+                      <a:pt x="5927" y="1350"/>
+                      <a:pt x="10800" y="1350"/>
+                    </a:cubicBezTo>
+                    <a:cubicBezTo>
+                      <a:pt x="15672" y="1350"/>
+                      <a:pt x="19636" y="4075"/>
+                      <a:pt x="19636" y="7425"/>
+                    </a:cubicBezTo>
+                    <a:cubicBezTo>
+                      <a:pt x="19636" y="8787"/>
+                      <a:pt x="18312" y="10425"/>
+                      <a:pt x="17029" y="12011"/>
+                    </a:cubicBezTo>
+                    <a:cubicBezTo>
+                      <a:pt x="16455" y="12723"/>
+                      <a:pt x="15873" y="13449"/>
+                      <a:pt x="15386" y="14175"/>
+                    </a:cubicBezTo>
+                    <a:moveTo>
+                      <a:pt x="10800" y="20249"/>
+                    </a:moveTo>
+                    <a:cubicBezTo>
+                      <a:pt x="9805" y="20249"/>
+                      <a:pt x="9347" y="20171"/>
+                      <a:pt x="8839" y="19406"/>
+                    </a:cubicBezTo>
+                    <a:lnTo>
+                      <a:pt x="13000" y="19048"/>
+                    </a:lnTo>
+                    <a:cubicBezTo>
+                      <a:pt x="12398" y="20164"/>
+                      <a:pt x="11959" y="20249"/>
+                      <a:pt x="10800" y="20249"/>
+                    </a:cubicBezTo>
+                    <a:moveTo>
+                      <a:pt x="7595" y="16813"/>
+                    </a:moveTo>
+                    <a:cubicBezTo>
+                      <a:pt x="7417" y="16407"/>
+                      <a:pt x="7215" y="15978"/>
+                      <a:pt x="6991" y="15525"/>
+                    </a:cubicBezTo>
+                    <a:lnTo>
+                      <a:pt x="14616" y="15525"/>
+                    </a:lnTo>
+                    <a:cubicBezTo>
+                      <a:pt x="14496" y="15767"/>
+                      <a:pt x="14375" y="16010"/>
+                      <a:pt x="14270" y="16239"/>
+                    </a:cubicBezTo>
+                    <a:cubicBezTo>
+                      <a:pt x="14270" y="16239"/>
+                      <a:pt x="7595" y="16813"/>
+                      <a:pt x="7595" y="16813"/>
+                    </a:cubicBezTo>
+                    <a:close/>
+                    <a:moveTo>
+                      <a:pt x="13345" y="18343"/>
+                    </a:moveTo>
+                    <a:lnTo>
+                      <a:pt x="8476" y="18762"/>
+                    </a:lnTo>
+                    <a:cubicBezTo>
+                      <a:pt x="8303" y="18416"/>
+                      <a:pt x="8116" y="18011"/>
+                      <a:pt x="7890" y="17483"/>
+                    </a:cubicBezTo>
+                    <a:cubicBezTo>
+                      <a:pt x="7887" y="17477"/>
+                      <a:pt x="7883" y="17469"/>
+                      <a:pt x="7881" y="17462"/>
+                    </a:cubicBezTo>
+                    <a:lnTo>
+                      <a:pt x="13957" y="16941"/>
+                    </a:lnTo>
+                    <a:cubicBezTo>
+                      <a:pt x="13871" y="17140"/>
+                      <a:pt x="13778" y="17350"/>
+                      <a:pt x="13698" y="17537"/>
+                    </a:cubicBezTo>
+                    <a:cubicBezTo>
+                      <a:pt x="13569" y="17841"/>
+                      <a:pt x="13453" y="18104"/>
+                      <a:pt x="13345" y="18343"/>
+                    </a:cubicBezTo>
+                    <a:moveTo>
+                      <a:pt x="10800" y="0"/>
+                    </a:moveTo>
+                    <a:cubicBezTo>
+                      <a:pt x="4835" y="0"/>
+                      <a:pt x="0" y="3324"/>
+                      <a:pt x="0" y="7425"/>
+                    </a:cubicBezTo>
+                    <a:cubicBezTo>
+                      <a:pt x="0" y="10146"/>
+                      <a:pt x="3621" y="13029"/>
+                      <a:pt x="4939" y="15562"/>
+                    </a:cubicBezTo>
+                    <a:cubicBezTo>
+                      <a:pt x="6906" y="19339"/>
+                      <a:pt x="6688" y="21599"/>
+                      <a:pt x="10800" y="21599"/>
+                    </a:cubicBezTo>
+                    <a:cubicBezTo>
+                      <a:pt x="14972" y="21599"/>
+                      <a:pt x="14692" y="19349"/>
+                      <a:pt x="16660" y="15577"/>
+                    </a:cubicBezTo>
+                    <a:cubicBezTo>
+                      <a:pt x="17983" y="13039"/>
+                      <a:pt x="21600" y="10124"/>
+                      <a:pt x="21600" y="7425"/>
+                    </a:cubicBezTo>
+                    <a:cubicBezTo>
+                      <a:pt x="21600" y="3324"/>
+                      <a:pt x="16764" y="0"/>
+                      <a:pt x="10800" y="0"/>
+                    </a:cubicBezTo>
+                  </a:path>
+                </a:pathLst>
+              </a:custGeom>
+              <a:grpFill/>
+              <a:ln>
+                <a:noFill/>
+              </a:ln>
+              <a:effectLst/>
+              <a:extLst/>
+            </p:spPr>
+            <p:txBody>
+              <a:bodyPr lIns="19050" tIns="19050" rIns="19050" bIns="19050" anchor="ctr"/>
+              <a:lstStyle/>
+              <a:p>
+                <a:pPr algn="ctr" defTabSz="228600" fontAlgn="base" hangingPunct="0">
+                  <a:spcBef>
+                    <a:spcPct val="0"/>
+                  </a:spcBef>
+                  <a:spcAft>
+                    <a:spcPct val="0"/>
+                  </a:spcAft>
+                  <a:defRPr/>
+                </a:pPr>
+                <a:endParaRPr lang="en-US" sz="1500" kern="0">
+                  <a:solidFill>
+                    <a:srgbClr val="FFFFFF"/>
+                  </a:solidFill>
+                  <a:effectLst>
+                    <a:outerShdw blurRad="38100" dist="38100" dir="2700000" algn="tl">
+                      <a:srgbClr val="000000"/>
+                    </a:outerShdw>
+                  </a:effectLst>
+                  <a:latin typeface="Gill Sans" charset="0"/>
+                  <a:ea typeface="宋体"/>
+                  <a:sym typeface="Gill Sans" charset="0"/>
+                </a:endParaRPr>
+              </a:p>
+            </p:txBody>
+          </p:sp>
+          <p:sp>
+            <p:nvSpPr>
+              <p:cNvPr id="20" name="AutoShape 114">
+                <a:extLst>
+                  <a:ext uri="{FF2B5EF4-FFF2-40B4-BE49-F238E27FC236}">
+                    <a16:creationId xmlns:a16="http://schemas.microsoft.com/office/drawing/2014/main" xmlns="" id="{C7427E8C-4C72-4C41-A4D8-8C831C0A6335}"/>
+                  </a:ext>
+                </a:extLst>
+              </p:cNvPr>
+              <p:cNvSpPr>
+                <a:spLocks/>
+              </p:cNvSpPr>
+              <p:nvPr/>
+            </p:nvSpPr>
+            <p:spPr bwMode="auto">
+              <a:xfrm>
+                <a:off x="2584843" y="2919841"/>
+                <a:ext cx="73061" cy="73061"/>
+              </a:xfrm>
+              <a:custGeom>
+                <a:avLst/>
+                <a:gdLst>
+                  <a:gd name="T0" fmla="*/ 10800 w 21600"/>
+                  <a:gd name="T1" fmla="*/ 10800 h 21600"/>
+                  <a:gd name="T2" fmla="*/ 10800 w 21600"/>
+                  <a:gd name="T3" fmla="*/ 10800 h 21600"/>
+                  <a:gd name="T4" fmla="*/ 10800 w 21600"/>
+                  <a:gd name="T5" fmla="*/ 10800 h 21600"/>
+                  <a:gd name="T6" fmla="*/ 10800 w 21600"/>
+                  <a:gd name="T7" fmla="*/ 10800 h 21600"/>
+                </a:gdLst>
+                <a:ahLst/>
+                <a:cxnLst>
+                  <a:cxn ang="0">
+                    <a:pos x="T0" y="T1"/>
+                  </a:cxn>
+                  <a:cxn ang="0">
+                    <a:pos x="T2" y="T3"/>
+                  </a:cxn>
+                  <a:cxn ang="0">
+                    <a:pos x="T4" y="T5"/>
+                  </a:cxn>
+                  <a:cxn ang="0">
+                    <a:pos x="T6" y="T7"/>
+                  </a:cxn>
+                </a:cxnLst>
+                <a:rect l="0" t="0" r="r" b="b"/>
+                <a:pathLst>
+                  <a:path w="21600" h="21600">
+                    <a:moveTo>
+                      <a:pt x="19938" y="0"/>
+                    </a:moveTo>
+                    <a:cubicBezTo>
+                      <a:pt x="8943" y="0"/>
+                      <a:pt x="0" y="8942"/>
+                      <a:pt x="0" y="19938"/>
+                    </a:cubicBezTo>
+                    <a:cubicBezTo>
+                      <a:pt x="0" y="20855"/>
+                      <a:pt x="743" y="21600"/>
+                      <a:pt x="1661" y="21600"/>
+                    </a:cubicBezTo>
+                    <a:cubicBezTo>
+                      <a:pt x="2579" y="21600"/>
+                      <a:pt x="3323" y="20855"/>
+                      <a:pt x="3323" y="19938"/>
+                    </a:cubicBezTo>
+                    <a:cubicBezTo>
+                      <a:pt x="3323" y="10777"/>
+                      <a:pt x="10777" y="3323"/>
+                      <a:pt x="19938" y="3323"/>
+                    </a:cubicBezTo>
+                    <a:cubicBezTo>
+                      <a:pt x="20856" y="3323"/>
+                      <a:pt x="21600" y="2578"/>
+                      <a:pt x="21600" y="1661"/>
+                    </a:cubicBezTo>
+                    <a:cubicBezTo>
+                      <a:pt x="21600" y="744"/>
+                      <a:pt x="20856" y="0"/>
+                      <a:pt x="19938" y="0"/>
+                    </a:cubicBezTo>
+                  </a:path>
+                </a:pathLst>
+              </a:custGeom>
+              <a:grpFill/>
+              <a:ln>
+                <a:noFill/>
+              </a:ln>
+              <a:effectLst/>
+              <a:extLst/>
+            </p:spPr>
+            <p:txBody>
+              <a:bodyPr lIns="19050" tIns="19050" rIns="19050" bIns="19050" anchor="ctr"/>
+              <a:lstStyle/>
+              <a:p>
+                <a:pPr algn="ctr" defTabSz="228600" fontAlgn="base" hangingPunct="0">
+                  <a:spcBef>
+                    <a:spcPct val="0"/>
+                  </a:spcBef>
+                  <a:spcAft>
+                    <a:spcPct val="0"/>
+                  </a:spcAft>
+                  <a:defRPr/>
+                </a:pPr>
+                <a:endParaRPr lang="en-US" sz="1500" kern="0">
+                  <a:solidFill>
+                    <a:srgbClr val="FFFFFF"/>
+                  </a:solidFill>
+                  <a:effectLst>
+                    <a:outerShdw blurRad="38100" dist="38100" dir="2700000" algn="tl">
+                      <a:srgbClr val="000000"/>
+                    </a:outerShdw>
+                  </a:effectLst>
+                  <a:latin typeface="Gill Sans" charset="0"/>
+                  <a:ea typeface="宋体"/>
+                  <a:sym typeface="Gill Sans" charset="0"/>
+                </a:endParaRPr>
+              </a:p>
+            </p:txBody>
+          </p:sp>
+        </p:grpSp>
+        <p:sp>
+          <p:nvSpPr>
+            <p:cNvPr id="12" name="TextBox 11"/>
+            <p:cNvSpPr txBox="1"/>
+            <p:nvPr/>
+          </p:nvSpPr>
+          <p:spPr>
+            <a:xfrm>
+              <a:off x="7731626" y="6334698"/>
+              <a:ext cx="4247374" cy="1961589"/>
+            </a:xfrm>
+            <a:prstGeom prst="rect">
+              <a:avLst/>
+            </a:prstGeom>
+            <a:noFill/>
+          </p:spPr>
+          <p:txBody>
+            <a:bodyPr wrap="square" rtlCol="0">
+              <a:spAutoFit/>
+            </a:bodyPr>
+            <a:lstStyle/>
+            <a:p>
+              <a:r>
+                <a:rPr lang="zh-CN" altLang="en-US" dirty="0" smtClean="0"/>
+                <a:t>人体数据融合后的指标</a:t>
+              </a:r>
+              <a:r>
+                <a:rPr lang="en-US" altLang="zh-CN" dirty="0" smtClean="0"/>
+                <a:t>—</a:t>
+              </a:r>
+              <a:r>
+                <a:rPr lang="zh-CN" altLang="en-US" dirty="0" smtClean="0"/>
+                <a:t>疲劳度</a:t>
+              </a:r>
+              <a:endParaRPr lang="en-US" altLang="zh-CN" dirty="0" smtClean="0"/>
+            </a:p>
+            <a:p>
+              <a:r>
+                <a:rPr lang="zh-CN" altLang="en-US" dirty="0" smtClean="0"/>
+                <a:t>作为运动强度依据</a:t>
+              </a:r>
+              <a:endParaRPr lang="en-US" altLang="zh-CN" dirty="0" smtClean="0"/>
+            </a:p>
+            <a:p>
+              <a:endParaRPr lang="en-US" altLang="zh-CN" dirty="0"/>
+            </a:p>
+            <a:p>
+              <a:r>
+                <a:rPr lang="zh-CN" altLang="en-US" dirty="0" smtClean="0"/>
+                <a:t>神经网络模型根据疲劳度输入，给定跑步机转速和坡度</a:t>
+              </a:r>
+              <a:endParaRPr lang="en-US" altLang="zh-CN" dirty="0" smtClean="0"/>
+            </a:p>
+          </p:txBody>
+        </p:sp>
+      </p:grpSp>
     </p:spTree>
     <p:extLst>
       <p:ext uri="{BB962C8B-B14F-4D97-AF65-F5344CB8AC3E}">
-        <p14:creationId xmlns:p14="http://schemas.microsoft.com/office/powerpoint/2010/main" val="1187514749"/>
+        <p14:creationId xmlns:p14="http://schemas.microsoft.com/office/powerpoint/2010/main" val="1624636801"/>
       </p:ext>
     </p:extLst>
   </p:cSld>
   <p:clrMapOvr>
     <a:masterClrMapping/>
   </p:clrMapOvr>
-  <mc:AlternateContent xmlns:mc="http://schemas.openxmlformats.org/markup-compatibility/2006" xmlns:p14="http://schemas.microsoft.com/office/powerpoint/2010/main">
-    <mc:Choice Requires="p14">
-      <p:transition p14:dur="0" advTm="0"/>
+  <mc:AlternateContent xmlns:mc="http://schemas.openxmlformats.org/markup-compatibility/2006">
+    <mc:Choice xmlns:p14="http://schemas.microsoft.com/office/powerpoint/2010/main" Requires="p14">
+      <p:transition p14:dur="10" advTm="0"/>
     </mc:Choice>
-    <mc:Fallback xmlns="">
+    <mc:Fallback>
       <p:transition advTm="0"/>
     </mc:Fallback>
   </mc:AlternateContent>
+  <p:timing>
+    <p:tnLst>
+      <p:par>
+        <p:cTn id="1" dur="indefinite" restart="never" nodeType="tmRoot"/>
+      </p:par>
+    </p:tnLst>
+  </p:timing>
 </p:sld>
 </file>
 
@@ -4197,7 +4701,7 @@
           <a:p>
             <a:pPr algn="l"/>
             <a:r>
-              <a:rPr lang="zh-CN" altLang="en-US" sz="3600" dirty="0">
+              <a:rPr lang="en-US" altLang="zh-CN" sz="3600" dirty="0" smtClean="0">
                 <a:solidFill>
                   <a:schemeClr val="accent6">
                     <a:lumMod val="90000"/>
@@ -4209,7 +4713,22 @@
                 <a:cs typeface="+mn-ea"/>
                 <a:sym typeface="+mn-lt"/>
               </a:rPr>
-              <a:t>本课题的主要研究内容</a:t>
+              <a:t>3.3 </a:t>
+            </a:r>
+            <a:r>
+              <a:rPr lang="zh-CN" altLang="en-US" sz="3600" dirty="0" smtClean="0">
+                <a:solidFill>
+                  <a:schemeClr val="accent6">
+                    <a:lumMod val="90000"/>
+                    <a:lumOff val="10000"/>
+                  </a:schemeClr>
+                </a:solidFill>
+                <a:latin typeface="微软雅黑" panose="020B0503020204020204" pitchFamily="34" charset="-122"/>
+                <a:ea typeface="微软雅黑" panose="020B0503020204020204" pitchFamily="34" charset="-122"/>
+                <a:cs typeface="+mn-ea"/>
+                <a:sym typeface="+mn-lt"/>
+              </a:rPr>
+              <a:t>控制策略实现</a:t>
             </a:r>
             <a:endParaRPr lang="en-US" altLang="zh-CN" sz="3600" dirty="0">
               <a:solidFill>
@@ -4318,216 +4837,805 @@
           </a:p>
         </p:txBody>
       </p:sp>
-      <p:pic>
-        <p:nvPicPr>
-          <p:cNvPr id="5" name="图片 4">
-            <a:extLst>
-              <a:ext uri="{FF2B5EF4-FFF2-40B4-BE49-F238E27FC236}">
-                <a16:creationId xmlns="" xmlns:a16="http://schemas.microsoft.com/office/drawing/2014/main" id="{BD16DE35-36FD-4C0B-96D8-6E095DE66B66}"/>
-              </a:ext>
-            </a:extLst>
-          </p:cNvPr>
-          <p:cNvPicPr>
-            <a:picLocks noChangeAspect="1"/>
-          </p:cNvPicPr>
+      <p:sp>
+        <p:nvSpPr>
+          <p:cNvPr id="5" name="Rectangle 2"/>
+          <p:cNvSpPr>
+            <a:spLocks noChangeArrowheads="1"/>
+          </p:cNvSpPr>
           <p:nvPr/>
-        </p:nvPicPr>
-        <p:blipFill>
-          <a:blip r:embed="rId3"/>
-          <a:stretch>
-            <a:fillRect/>
-          </a:stretch>
-        </p:blipFill>
-        <p:spPr>
+        </p:nvSpPr>
+        <p:spPr bwMode="auto">
           <a:xfrm>
-            <a:off x="1892870" y="1024037"/>
-            <a:ext cx="7920881" cy="3312368"/>
+            <a:off x="0" y="0"/>
+            <a:ext cx="12858750" cy="457200"/>
           </a:xfrm>
           <a:prstGeom prst="rect">
             <a:avLst/>
           </a:prstGeom>
-        </p:spPr>
-      </p:pic>
-      <p:sp>
-        <p:nvSpPr>
-          <p:cNvPr id="9" name="Oval 108">
-            <a:extLst>
-              <a:ext uri="{FF2B5EF4-FFF2-40B4-BE49-F238E27FC236}">
-                <a16:creationId xmlns="" xmlns:a16="http://schemas.microsoft.com/office/drawing/2014/main" id="{4BC68676-16D6-4DF0-AA8A-97B129336B97}"/>
-              </a:ext>
-            </a:extLst>
-          </p:cNvPr>
-          <p:cNvSpPr>
-            <a:spLocks noChangeAspect="1"/>
-          </p:cNvSpPr>
-          <p:nvPr/>
-        </p:nvSpPr>
-        <p:spPr>
-          <a:xfrm>
-            <a:off x="810203" y="4765905"/>
-            <a:ext cx="578612" cy="578612"/>
-          </a:xfrm>
-          <a:prstGeom prst="ellipse">
-            <a:avLst/>
-          </a:prstGeom>
-          <a:solidFill>
-            <a:schemeClr val="accent4"/>
-          </a:solidFill>
-          <a:ln w="38100">
+          <a:noFill/>
+          <a:ln>
             <a:noFill/>
           </a:ln>
+          <a:effectLst/>
+          <a:extLst>
+            <a:ext uri="{909E8E84-426E-40DD-AFC4-6F175D3DCCD1}">
+              <a14:hiddenFill xmlns:a14="http://schemas.microsoft.com/office/drawing/2010/main">
+                <a:solidFill>
+                  <a:schemeClr val="accent1"/>
+                </a:solidFill>
+              </a14:hiddenFill>
+            </a:ext>
+            <a:ext uri="{91240B29-F687-4F45-9708-019B960494DF}">
+              <a14:hiddenLine xmlns:a14="http://schemas.microsoft.com/office/drawing/2010/main" w="9525">
+                <a:solidFill>
+                  <a:schemeClr val="tx1"/>
+                </a:solidFill>
+                <a:miter lim="800000"/>
+                <a:headEnd/>
+                <a:tailEnd/>
+              </a14:hiddenLine>
+            </a:ext>
+            <a:ext uri="{AF507438-7753-43E0-B8FC-AC1667EBCBE1}">
+              <a14:hiddenEffects xmlns:a14="http://schemas.microsoft.com/office/drawing/2010/main">
+                <a:effectLst>
+                  <a:outerShdw dist="35921" dir="2700000" algn="ctr" rotWithShape="0">
+                    <a:schemeClr val="bg2"/>
+                  </a:outerShdw>
+                </a:effectLst>
+              </a14:hiddenEffects>
+            </a:ext>
+          </a:extLst>
         </p:spPr>
-        <p:style>
-          <a:lnRef idx="2">
-            <a:schemeClr val="accent1">
-              <a:shade val="50000"/>
-            </a:schemeClr>
-          </a:lnRef>
-          <a:fillRef idx="1">
-            <a:schemeClr val="accent1"/>
-          </a:fillRef>
-          <a:effectRef idx="0">
-            <a:schemeClr val="accent1"/>
-          </a:effectRef>
-          <a:fontRef idx="minor">
-            <a:schemeClr val="lt1"/>
-          </a:fontRef>
-        </p:style>
-        <p:txBody>
-          <a:bodyPr lIns="0" tIns="0" rIns="0" bIns="0" rtlCol="0" anchor="ctr"/>
-          <a:lstStyle/>
-          <a:p>
-            <a:pPr algn="ctr">
-              <a:lnSpc>
-                <a:spcPct val="120000"/>
-              </a:lnSpc>
-              <a:spcBef>
-                <a:spcPts val="0"/>
-              </a:spcBef>
-              <a:spcAft>
-                <a:spcPts val="0"/>
-              </a:spcAft>
-            </a:pPr>
-            <a:r>
-              <a:rPr lang="en-US" altLang="zh-CN" dirty="0">
-                <a:solidFill>
-                  <a:schemeClr val="bg1"/>
-                </a:solidFill>
-                <a:latin typeface="Arial" panose="020B0604020202020204" pitchFamily="34" charset="0"/>
-                <a:ea typeface="微软雅黑" panose="020B0503020204020204" pitchFamily="34" charset="-122"/>
-                <a:cs typeface="+mn-ea"/>
-                <a:sym typeface="Arial" panose="020B0604020202020204" pitchFamily="34" charset="0"/>
-              </a:rPr>
-              <a:t>4</a:t>
-            </a:r>
-            <a:endParaRPr lang="en-US" dirty="0">
-              <a:solidFill>
-                <a:schemeClr val="bg1"/>
-              </a:solidFill>
-              <a:latin typeface="Arial" panose="020B0604020202020204" pitchFamily="34" charset="0"/>
-              <a:ea typeface="微软雅黑" panose="020B0503020204020204" pitchFamily="34" charset="-122"/>
-              <a:cs typeface="+mn-ea"/>
-              <a:sym typeface="Arial" panose="020B0604020202020204" pitchFamily="34" charset="0"/>
-            </a:endParaRPr>
-          </a:p>
-        </p:txBody>
-      </p:sp>
-      <p:sp>
-        <p:nvSpPr>
-          <p:cNvPr id="10" name="矩形 9">
-            <a:extLst>
-              <a:ext uri="{FF2B5EF4-FFF2-40B4-BE49-F238E27FC236}">
-                <a16:creationId xmlns="" xmlns:a16="http://schemas.microsoft.com/office/drawing/2014/main" id="{F37BD7BA-E8C0-4B1E-AC3E-259584A3031F}"/>
-              </a:ext>
-            </a:extLst>
-          </p:cNvPr>
-          <p:cNvSpPr/>
-          <p:nvPr/>
-        </p:nvSpPr>
-        <p:spPr>
-          <a:xfrm>
-            <a:off x="1839630" y="4768453"/>
-            <a:ext cx="10206369" cy="1815882"/>
-          </a:xfrm>
-          <a:prstGeom prst="rect">
-            <a:avLst/>
-          </a:prstGeom>
-        </p:spPr>
-        <p:txBody>
-          <a:bodyPr wrap="square">
+        <p:txBody>
+          <a:bodyPr vert="horz" wrap="none" lIns="91440" tIns="45720" rIns="91440" bIns="45720" numCol="1" anchor="ctr" anchorCtr="0" compatLnSpc="1">
+            <a:prstTxWarp prst="textNoShape">
+              <a:avLst/>
+            </a:prstTxWarp>
             <a:spAutoFit/>
           </a:bodyPr>
           <a:lstStyle/>
           <a:p>
-            <a:r>
-              <a:rPr lang="zh-CN" altLang="en-US" sz="2800" kern="100" dirty="0">
-                <a:solidFill>
-                  <a:schemeClr val="accent6"/>
-                </a:solidFill>
-                <a:latin typeface="微软雅黑" panose="020B0503020204020204" pitchFamily="34" charset="-122"/>
-                <a:ea typeface="微软雅黑" panose="020B0503020204020204" pitchFamily="34" charset="-122"/>
-                <a:cs typeface="Calibri" panose="020F0502020204030204" pitchFamily="34" charset="0"/>
-              </a:rPr>
-              <a:t>本课题拟为单向潮流区域配置基于本地信息的自适应电流保护，根据电网当前的运行方式和故障类型，实时计算整定值并在线整定，降低整个保护方案对通信系统的依赖性。并基于 </a:t>
-            </a:r>
-            <a:r>
-              <a:rPr lang="en-US" altLang="zh-CN" sz="2800" kern="100" dirty="0">
-                <a:solidFill>
-                  <a:schemeClr val="accent6"/>
-                </a:solidFill>
-                <a:latin typeface="微软雅黑" panose="020B0503020204020204" pitchFamily="34" charset="-122"/>
-                <a:ea typeface="微软雅黑" panose="020B0503020204020204" pitchFamily="34" charset="-122"/>
-                <a:cs typeface="Calibri" panose="020F0502020204030204" pitchFamily="34" charset="0"/>
-              </a:rPr>
-              <a:t>PSCAD</a:t>
-            </a:r>
-            <a:r>
-              <a:rPr lang="zh-CN" altLang="en-US" sz="2800" kern="100" dirty="0">
-                <a:solidFill>
-                  <a:schemeClr val="accent6"/>
-                </a:solidFill>
-                <a:latin typeface="微软雅黑" panose="020B0503020204020204" pitchFamily="34" charset="-122"/>
-                <a:ea typeface="微软雅黑" panose="020B0503020204020204" pitchFamily="34" charset="-122"/>
-                <a:cs typeface="Calibri" panose="020F0502020204030204" pitchFamily="34" charset="0"/>
-              </a:rPr>
-              <a:t>仿真平台搭建</a:t>
-            </a:r>
-            <a:r>
-              <a:rPr lang="en-US" altLang="zh-CN" sz="2800" kern="100" dirty="0">
-                <a:solidFill>
-                  <a:schemeClr val="accent6"/>
-                </a:solidFill>
-                <a:latin typeface="微软雅黑" panose="020B0503020204020204" pitchFamily="34" charset="-122"/>
-                <a:ea typeface="微软雅黑" panose="020B0503020204020204" pitchFamily="34" charset="-122"/>
-                <a:cs typeface="Calibri" panose="020F0502020204030204" pitchFamily="34" charset="0"/>
-              </a:rPr>
-              <a:t>10KV</a:t>
-            </a:r>
-            <a:r>
-              <a:rPr lang="zh-CN" altLang="en-US" sz="2800" kern="100" dirty="0">
-                <a:solidFill>
-                  <a:schemeClr val="accent6"/>
-                </a:solidFill>
-                <a:latin typeface="微软雅黑" panose="020B0503020204020204" pitchFamily="34" charset="-122"/>
-                <a:ea typeface="微软雅黑" panose="020B0503020204020204" pitchFamily="34" charset="-122"/>
-                <a:cs typeface="Calibri" panose="020F0502020204030204" pitchFamily="34" charset="0"/>
-              </a:rPr>
-              <a:t>配电网验证该保护方案的可行性。</a:t>
-            </a:r>
-            <a:endParaRPr lang="zh-CN" altLang="en-US" sz="2800" dirty="0">
-              <a:solidFill>
-                <a:schemeClr val="accent6"/>
-              </a:solidFill>
-              <a:latin typeface="微软雅黑" panose="020B0503020204020204" pitchFamily="34" charset="-122"/>
-              <a:ea typeface="微软雅黑" panose="020B0503020204020204" pitchFamily="34" charset="-122"/>
-            </a:endParaRPr>
-          </a:p>
-        </p:txBody>
-      </p:sp>
+            <a:endParaRPr lang="zh-CN" altLang="en-US"/>
+          </a:p>
+        </p:txBody>
+      </p:sp>
+      <p:grpSp>
+        <p:nvGrpSpPr>
+          <p:cNvPr id="10" name="组合 9"/>
+          <p:cNvGrpSpPr/>
+          <p:nvPr/>
+        </p:nvGrpSpPr>
+        <p:grpSpPr>
+          <a:xfrm>
+            <a:off x="380703" y="2061781"/>
+            <a:ext cx="7524836" cy="2425975"/>
+            <a:chOff x="377951" y="1784185"/>
+            <a:chExt cx="8100000" cy="2642314"/>
+          </a:xfrm>
+        </p:grpSpPr>
+        <p:graphicFrame>
+          <p:nvGraphicFramePr>
+            <p:cNvPr id="6" name="对象 5"/>
+            <p:cNvGraphicFramePr>
+              <a:graphicFrameLocks noChangeAspect="1"/>
+            </p:cNvGraphicFramePr>
+            <p:nvPr>
+              <p:extLst>
+                <p:ext uri="{D42A27DB-BD31-4B8C-83A1-F6EECF244321}">
+                  <p14:modId xmlns:p14="http://schemas.microsoft.com/office/powerpoint/2010/main" val="455569571"/>
+                </p:ext>
+              </p:extLst>
+            </p:nvPr>
+          </p:nvGraphicFramePr>
+          <p:xfrm>
+            <a:off x="377951" y="1784185"/>
+            <a:ext cx="8100000" cy="1800000"/>
+          </p:xfrm>
+          <a:graphic>
+            <a:graphicData uri="http://schemas.openxmlformats.org/presentationml/2006/ole">
+              <mc:AlternateContent xmlns:mc="http://schemas.openxmlformats.org/markup-compatibility/2006">
+                <mc:Choice xmlns:v="urn:schemas-microsoft-com:vml" Requires="v">
+                  <p:oleObj spid="_x0000_s1034" name="Visio" r:id="rId4" imgW="5226434" imgH="1160734" progId="Visio.Drawing.11">
+                    <p:embed/>
+                  </p:oleObj>
+                </mc:Choice>
+                <mc:Fallback>
+                  <p:oleObj name="Visio" r:id="rId4" imgW="5226434" imgH="1160734" progId="Visio.Drawing.11">
+                    <p:embed/>
+                    <p:pic>
+                      <p:nvPicPr>
+                        <p:cNvPr id="0" name="Object 1"/>
+                        <p:cNvPicPr>
+                          <a:picLocks noChangeAspect="1" noChangeArrowheads="1"/>
+                        </p:cNvPicPr>
+                        <p:nvPr/>
+                      </p:nvPicPr>
+                      <p:blipFill>
+                        <a:blip r:embed="rId5">
+                          <a:extLst>
+                            <a:ext uri="{28A0092B-C50C-407E-A947-70E740481C1C}">
+                              <a14:useLocalDpi xmlns:a14="http://schemas.microsoft.com/office/drawing/2010/main" val="0"/>
+                            </a:ext>
+                          </a:extLst>
+                        </a:blip>
+                        <a:srcRect/>
+                        <a:stretch>
+                          <a:fillRect/>
+                        </a:stretch>
+                      </p:blipFill>
+                      <p:spPr bwMode="auto">
+                        <a:xfrm>
+                          <a:off x="377951" y="1784185"/>
+                          <a:ext cx="8100000" cy="1800000"/>
+                        </a:xfrm>
+                        <a:prstGeom prst="rect">
+                          <a:avLst/>
+                        </a:prstGeom>
+                        <a:noFill/>
+                        <a:extLst>
+                          <a:ext uri="{909E8E84-426E-40DD-AFC4-6F175D3DCCD1}">
+                            <a14:hiddenFill xmlns:a14="http://schemas.microsoft.com/office/drawing/2010/main">
+                              <a:solidFill>
+                                <a:srgbClr val="FFFFFF"/>
+                              </a:solidFill>
+                            </a14:hiddenFill>
+                          </a:ext>
+                        </a:extLst>
+                      </p:spPr>
+                    </p:pic>
+                  </p:oleObj>
+                </mc:Fallback>
+              </mc:AlternateContent>
+            </a:graphicData>
+          </a:graphic>
+        </p:graphicFrame>
+        <p:sp>
+          <p:nvSpPr>
+            <p:cNvPr id="8" name="TextBox 7"/>
+            <p:cNvSpPr txBox="1"/>
+            <p:nvPr/>
+          </p:nvSpPr>
+          <p:spPr>
+            <a:xfrm>
+              <a:off x="3555941" y="4024231"/>
+              <a:ext cx="2712919" cy="402268"/>
+            </a:xfrm>
+            <a:prstGeom prst="rect">
+              <a:avLst/>
+            </a:prstGeom>
+            <a:noFill/>
+          </p:spPr>
+          <p:txBody>
+            <a:bodyPr wrap="square" rtlCol="0">
+              <a:spAutoFit/>
+            </a:bodyPr>
+            <a:lstStyle/>
+            <a:p>
+              <a:r>
+                <a:rPr lang="zh-CN" altLang="zh-CN" dirty="0">
+                  <a:latin typeface="黑体" pitchFamily="49" charset="-122"/>
+                  <a:ea typeface="黑体" pitchFamily="49" charset="-122"/>
+                </a:rPr>
+                <a:t>跑步机转速控制器</a:t>
+              </a:r>
+              <a:endParaRPr lang="zh-CN" altLang="en-US" dirty="0">
+                <a:latin typeface="黑体" pitchFamily="49" charset="-122"/>
+                <a:ea typeface="黑体" pitchFamily="49" charset="-122"/>
+              </a:endParaRPr>
+            </a:p>
+          </p:txBody>
+        </p:sp>
+      </p:grpSp>
+      <p:grpSp>
+        <p:nvGrpSpPr>
+          <p:cNvPr id="13" name="组合 12"/>
+          <p:cNvGrpSpPr/>
+          <p:nvPr/>
+        </p:nvGrpSpPr>
+        <p:grpSpPr>
+          <a:xfrm>
+            <a:off x="8380960" y="1908006"/>
+            <a:ext cx="4285539" cy="2223061"/>
+            <a:chOff x="6933431" y="5344517"/>
+            <a:chExt cx="5216132" cy="2951770"/>
+          </a:xfrm>
+        </p:grpSpPr>
+        <p:sp>
+          <p:nvSpPr>
+            <p:cNvPr id="14" name="椭圆 13">
+              <a:extLst>
+                <a:ext uri="{FF2B5EF4-FFF2-40B4-BE49-F238E27FC236}">
+                  <a16:creationId xmlns:a16="http://schemas.microsoft.com/office/drawing/2014/main" xmlns="" id="{73084343-2799-445B-B759-EFC6EAE38533}"/>
+                </a:ext>
+              </a:extLst>
+            </p:cNvPr>
+            <p:cNvSpPr/>
+            <p:nvPr/>
+          </p:nvSpPr>
+          <p:spPr>
+            <a:xfrm>
+              <a:off x="7068500" y="5416812"/>
+              <a:ext cx="620170" cy="669576"/>
+            </a:xfrm>
+            <a:prstGeom prst="ellipse">
+              <a:avLst/>
+            </a:prstGeom>
+            <a:solidFill>
+              <a:schemeClr val="accent1"/>
+            </a:solidFill>
+            <a:ln>
+              <a:noFill/>
+            </a:ln>
+            <a:effectLst>
+              <a:outerShdw blurRad="101600" dist="101600" dir="5400000" algn="t" rotWithShape="0">
+                <a:prstClr val="black">
+                  <a:alpha val="40000"/>
+                </a:prstClr>
+              </a:outerShdw>
+            </a:effectLst>
+          </p:spPr>
+          <p:style>
+            <a:lnRef idx="2">
+              <a:schemeClr val="accent1">
+                <a:shade val="50000"/>
+              </a:schemeClr>
+            </a:lnRef>
+            <a:fillRef idx="1">
+              <a:schemeClr val="accent1"/>
+            </a:fillRef>
+            <a:effectRef idx="0">
+              <a:schemeClr val="accent1"/>
+            </a:effectRef>
+            <a:fontRef idx="minor">
+              <a:schemeClr val="lt1"/>
+            </a:fontRef>
+          </p:style>
+          <p:txBody>
+            <a:bodyPr rot="0" spcFirstLastPara="0" vertOverflow="overflow" horzOverflow="overflow" vert="horz" wrap="square" lIns="91440" tIns="45720" rIns="91440" bIns="45720" numCol="1" spcCol="0" rtlCol="0" fromWordArt="0" anchor="ctr" anchorCtr="0" forceAA="0" compatLnSpc="1">
+              <a:prstTxWarp prst="textNoShape">
+                <a:avLst/>
+              </a:prstTxWarp>
+              <a:noAutofit/>
+            </a:bodyPr>
+            <a:lstStyle/>
+            <a:p>
+              <a:pPr algn="ctr"/>
+              <a:endParaRPr lang="zh-CN" altLang="en-US"/>
+            </a:p>
+          </p:txBody>
+        </p:sp>
+        <p:sp>
+          <p:nvSpPr>
+            <p:cNvPr id="15" name="矩形: 圆角 63">
+              <a:extLst>
+                <a:ext uri="{FF2B5EF4-FFF2-40B4-BE49-F238E27FC236}">
+                  <a16:creationId xmlns:a16="http://schemas.microsoft.com/office/drawing/2014/main" xmlns="" id="{BCD2B3CC-3858-4463-8607-1A02323512F4}"/>
+                </a:ext>
+              </a:extLst>
+            </p:cNvPr>
+            <p:cNvSpPr/>
+            <p:nvPr/>
+          </p:nvSpPr>
+          <p:spPr>
+            <a:xfrm>
+              <a:off x="6933431" y="5344517"/>
+              <a:ext cx="5216132" cy="814167"/>
+            </a:xfrm>
+            <a:prstGeom prst="roundRect">
+              <a:avLst>
+                <a:gd name="adj" fmla="val 50000"/>
+              </a:avLst>
+            </a:prstGeom>
+            <a:noFill/>
+            <a:ln w="19050"/>
+          </p:spPr>
+          <p:style>
+            <a:lnRef idx="2">
+              <a:schemeClr val="accent1">
+                <a:shade val="50000"/>
+              </a:schemeClr>
+            </a:lnRef>
+            <a:fillRef idx="1">
+              <a:schemeClr val="accent1"/>
+            </a:fillRef>
+            <a:effectRef idx="0">
+              <a:schemeClr val="accent1"/>
+            </a:effectRef>
+            <a:fontRef idx="minor">
+              <a:schemeClr val="lt1"/>
+            </a:fontRef>
+          </p:style>
+          <p:txBody>
+            <a:bodyPr rtlCol="0" anchor="ctr"/>
+            <a:lstStyle/>
+            <a:p>
+              <a:pPr algn="ctr"/>
+              <a:endParaRPr lang="zh-CN" altLang="en-US"/>
+            </a:p>
+          </p:txBody>
+        </p:sp>
+        <p:sp>
+          <p:nvSpPr>
+            <p:cNvPr id="17" name="矩形 16">
+              <a:extLst>
+                <a:ext uri="{FF2B5EF4-FFF2-40B4-BE49-F238E27FC236}">
+                  <a16:creationId xmlns:a16="http://schemas.microsoft.com/office/drawing/2014/main" xmlns="" id="{17DE5808-A425-4D3A-8D7F-57C5727C7CE5}"/>
+                </a:ext>
+              </a:extLst>
+            </p:cNvPr>
+            <p:cNvSpPr/>
+            <p:nvPr/>
+          </p:nvSpPr>
+          <p:spPr>
+            <a:xfrm>
+              <a:off x="7760459" y="5391625"/>
+              <a:ext cx="2406843" cy="408665"/>
+            </a:xfrm>
+            <a:prstGeom prst="rect">
+              <a:avLst/>
+            </a:prstGeom>
+          </p:spPr>
+          <p:txBody>
+            <a:bodyPr wrap="square">
+              <a:spAutoFit/>
+            </a:bodyPr>
+            <a:lstStyle/>
+            <a:p>
+              <a:pPr>
+                <a:spcAft>
+                  <a:spcPts val="0"/>
+                </a:spcAft>
+              </a:pPr>
+              <a:r>
+                <a:rPr lang="en-US" altLang="zh-CN" sz="1400" kern="100" dirty="0">
+                  <a:solidFill>
+                    <a:schemeClr val="accent1"/>
+                  </a:solidFill>
+                  <a:latin typeface="+mj-lt"/>
+                  <a:cs typeface="Times New Roman" panose="02020603050405020304" pitchFamily="18" charset="0"/>
+                </a:rPr>
+                <a:t>Research Contents</a:t>
+              </a:r>
+            </a:p>
+          </p:txBody>
+        </p:sp>
+        <p:grpSp>
+          <p:nvGrpSpPr>
+            <p:cNvPr id="18" name="组合 17">
+              <a:extLst>
+                <a:ext uri="{FF2B5EF4-FFF2-40B4-BE49-F238E27FC236}">
+                  <a16:creationId xmlns:a16="http://schemas.microsoft.com/office/drawing/2014/main" xmlns="" id="{F69654B9-54B0-48E4-A873-115B1E6B084A}"/>
+                </a:ext>
+              </a:extLst>
+            </p:cNvPr>
+            <p:cNvGrpSpPr/>
+            <p:nvPr/>
+          </p:nvGrpSpPr>
+          <p:grpSpPr>
+            <a:xfrm>
+              <a:off x="7257325" y="5584268"/>
+              <a:ext cx="242519" cy="381687"/>
+              <a:chOff x="2528974" y="2863357"/>
+              <a:chExt cx="246811" cy="359779"/>
+            </a:xfrm>
+            <a:solidFill>
+              <a:sysClr val="window" lastClr="FFFFFF"/>
+            </a:solidFill>
+          </p:grpSpPr>
+          <p:sp>
+            <p:nvSpPr>
+              <p:cNvPr id="20" name="AutoShape 113">
+                <a:extLst>
+                  <a:ext uri="{FF2B5EF4-FFF2-40B4-BE49-F238E27FC236}">
+                    <a16:creationId xmlns:a16="http://schemas.microsoft.com/office/drawing/2014/main" xmlns="" id="{762A4469-ED62-403E-BACD-2BFF1C474814}"/>
+                  </a:ext>
+                </a:extLst>
+              </p:cNvPr>
+              <p:cNvSpPr>
+                <a:spLocks/>
+              </p:cNvSpPr>
+              <p:nvPr/>
+            </p:nvSpPr>
+            <p:spPr bwMode="auto">
+              <a:xfrm>
+                <a:off x="2528974" y="2863357"/>
+                <a:ext cx="246811" cy="359779"/>
+              </a:xfrm>
+              <a:custGeom>
+                <a:avLst/>
+                <a:gdLst>
+                  <a:gd name="T0" fmla="*/ 10800 w 21600"/>
+                  <a:gd name="T1" fmla="*/ 10800 h 21600"/>
+                  <a:gd name="T2" fmla="*/ 10800 w 21600"/>
+                  <a:gd name="T3" fmla="*/ 10800 h 21600"/>
+                  <a:gd name="T4" fmla="*/ 10800 w 21600"/>
+                  <a:gd name="T5" fmla="*/ 10800 h 21600"/>
+                  <a:gd name="T6" fmla="*/ 10800 w 21600"/>
+                  <a:gd name="T7" fmla="*/ 10800 h 21600"/>
+                </a:gdLst>
+                <a:ahLst/>
+                <a:cxnLst>
+                  <a:cxn ang="0">
+                    <a:pos x="T0" y="T1"/>
+                  </a:cxn>
+                  <a:cxn ang="0">
+                    <a:pos x="T2" y="T3"/>
+                  </a:cxn>
+                  <a:cxn ang="0">
+                    <a:pos x="T4" y="T5"/>
+                  </a:cxn>
+                  <a:cxn ang="0">
+                    <a:pos x="T6" y="T7"/>
+                  </a:cxn>
+                </a:cxnLst>
+                <a:rect l="0" t="0" r="r" b="b"/>
+                <a:pathLst>
+                  <a:path w="21600" h="21600">
+                    <a:moveTo>
+                      <a:pt x="15386" y="14175"/>
+                    </a:moveTo>
+                    <a:lnTo>
+                      <a:pt x="6223" y="14175"/>
+                    </a:lnTo>
+                    <a:cubicBezTo>
+                      <a:pt x="5734" y="13446"/>
+                      <a:pt x="5147" y="12716"/>
+                      <a:pt x="4568" y="12003"/>
+                    </a:cubicBezTo>
+                    <a:cubicBezTo>
+                      <a:pt x="3287" y="10427"/>
+                      <a:pt x="1963" y="8797"/>
+                      <a:pt x="1963" y="7425"/>
+                    </a:cubicBezTo>
+                    <a:cubicBezTo>
+                      <a:pt x="1963" y="4075"/>
+                      <a:pt x="5927" y="1350"/>
+                      <a:pt x="10800" y="1350"/>
+                    </a:cubicBezTo>
+                    <a:cubicBezTo>
+                      <a:pt x="15672" y="1350"/>
+                      <a:pt x="19636" y="4075"/>
+                      <a:pt x="19636" y="7425"/>
+                    </a:cubicBezTo>
+                    <a:cubicBezTo>
+                      <a:pt x="19636" y="8787"/>
+                      <a:pt x="18312" y="10425"/>
+                      <a:pt x="17029" y="12011"/>
+                    </a:cubicBezTo>
+                    <a:cubicBezTo>
+                      <a:pt x="16455" y="12723"/>
+                      <a:pt x="15873" y="13449"/>
+                      <a:pt x="15386" y="14175"/>
+                    </a:cubicBezTo>
+                    <a:moveTo>
+                      <a:pt x="10800" y="20249"/>
+                    </a:moveTo>
+                    <a:cubicBezTo>
+                      <a:pt x="9805" y="20249"/>
+                      <a:pt x="9347" y="20171"/>
+                      <a:pt x="8839" y="19406"/>
+                    </a:cubicBezTo>
+                    <a:lnTo>
+                      <a:pt x="13000" y="19048"/>
+                    </a:lnTo>
+                    <a:cubicBezTo>
+                      <a:pt x="12398" y="20164"/>
+                      <a:pt x="11959" y="20249"/>
+                      <a:pt x="10800" y="20249"/>
+                    </a:cubicBezTo>
+                    <a:moveTo>
+                      <a:pt x="7595" y="16813"/>
+                    </a:moveTo>
+                    <a:cubicBezTo>
+                      <a:pt x="7417" y="16407"/>
+                      <a:pt x="7215" y="15978"/>
+                      <a:pt x="6991" y="15525"/>
+                    </a:cubicBezTo>
+                    <a:lnTo>
+                      <a:pt x="14616" y="15525"/>
+                    </a:lnTo>
+                    <a:cubicBezTo>
+                      <a:pt x="14496" y="15767"/>
+                      <a:pt x="14375" y="16010"/>
+                      <a:pt x="14270" y="16239"/>
+                    </a:cubicBezTo>
+                    <a:cubicBezTo>
+                      <a:pt x="14270" y="16239"/>
+                      <a:pt x="7595" y="16813"/>
+                      <a:pt x="7595" y="16813"/>
+                    </a:cubicBezTo>
+                    <a:close/>
+                    <a:moveTo>
+                      <a:pt x="13345" y="18343"/>
+                    </a:moveTo>
+                    <a:lnTo>
+                      <a:pt x="8476" y="18762"/>
+                    </a:lnTo>
+                    <a:cubicBezTo>
+                      <a:pt x="8303" y="18416"/>
+                      <a:pt x="8116" y="18011"/>
+                      <a:pt x="7890" y="17483"/>
+                    </a:cubicBezTo>
+                    <a:cubicBezTo>
+                      <a:pt x="7887" y="17477"/>
+                      <a:pt x="7883" y="17469"/>
+                      <a:pt x="7881" y="17462"/>
+                    </a:cubicBezTo>
+                    <a:lnTo>
+                      <a:pt x="13957" y="16941"/>
+                    </a:lnTo>
+                    <a:cubicBezTo>
+                      <a:pt x="13871" y="17140"/>
+                      <a:pt x="13778" y="17350"/>
+                      <a:pt x="13698" y="17537"/>
+                    </a:cubicBezTo>
+                    <a:cubicBezTo>
+                      <a:pt x="13569" y="17841"/>
+                      <a:pt x="13453" y="18104"/>
+                      <a:pt x="13345" y="18343"/>
+                    </a:cubicBezTo>
+                    <a:moveTo>
+                      <a:pt x="10800" y="0"/>
+                    </a:moveTo>
+                    <a:cubicBezTo>
+                      <a:pt x="4835" y="0"/>
+                      <a:pt x="0" y="3324"/>
+                      <a:pt x="0" y="7425"/>
+                    </a:cubicBezTo>
+                    <a:cubicBezTo>
+                      <a:pt x="0" y="10146"/>
+                      <a:pt x="3621" y="13029"/>
+                      <a:pt x="4939" y="15562"/>
+                    </a:cubicBezTo>
+                    <a:cubicBezTo>
+                      <a:pt x="6906" y="19339"/>
+                      <a:pt x="6688" y="21599"/>
+                      <a:pt x="10800" y="21599"/>
+                    </a:cubicBezTo>
+                    <a:cubicBezTo>
+                      <a:pt x="14972" y="21599"/>
+                      <a:pt x="14692" y="19349"/>
+                      <a:pt x="16660" y="15577"/>
+                    </a:cubicBezTo>
+                    <a:cubicBezTo>
+                      <a:pt x="17983" y="13039"/>
+                      <a:pt x="21600" y="10124"/>
+                      <a:pt x="21600" y="7425"/>
+                    </a:cubicBezTo>
+                    <a:cubicBezTo>
+                      <a:pt x="21600" y="3324"/>
+                      <a:pt x="16764" y="0"/>
+                      <a:pt x="10800" y="0"/>
+                    </a:cubicBezTo>
+                  </a:path>
+                </a:pathLst>
+              </a:custGeom>
+              <a:grpFill/>
+              <a:ln>
+                <a:noFill/>
+              </a:ln>
+              <a:effectLst/>
+              <a:extLst/>
+            </p:spPr>
+            <p:txBody>
+              <a:bodyPr lIns="19050" tIns="19050" rIns="19050" bIns="19050" anchor="ctr"/>
+              <a:lstStyle/>
+              <a:p>
+                <a:pPr algn="ctr" defTabSz="228600" fontAlgn="base" hangingPunct="0">
+                  <a:spcBef>
+                    <a:spcPct val="0"/>
+                  </a:spcBef>
+                  <a:spcAft>
+                    <a:spcPct val="0"/>
+                  </a:spcAft>
+                  <a:defRPr/>
+                </a:pPr>
+                <a:endParaRPr lang="en-US" sz="1500" kern="0">
+                  <a:solidFill>
+                    <a:srgbClr val="FFFFFF"/>
+                  </a:solidFill>
+                  <a:effectLst>
+                    <a:outerShdw blurRad="38100" dist="38100" dir="2700000" algn="tl">
+                      <a:srgbClr val="000000"/>
+                    </a:outerShdw>
+                  </a:effectLst>
+                  <a:latin typeface="Gill Sans" charset="0"/>
+                  <a:ea typeface="宋体"/>
+                  <a:sym typeface="Gill Sans" charset="0"/>
+                </a:endParaRPr>
+              </a:p>
+            </p:txBody>
+          </p:sp>
+          <p:sp>
+            <p:nvSpPr>
+              <p:cNvPr id="21" name="AutoShape 114">
+                <a:extLst>
+                  <a:ext uri="{FF2B5EF4-FFF2-40B4-BE49-F238E27FC236}">
+                    <a16:creationId xmlns:a16="http://schemas.microsoft.com/office/drawing/2014/main" xmlns="" id="{C7427E8C-4C72-4C41-A4D8-8C831C0A6335}"/>
+                  </a:ext>
+                </a:extLst>
+              </p:cNvPr>
+              <p:cNvSpPr>
+                <a:spLocks/>
+              </p:cNvSpPr>
+              <p:nvPr/>
+            </p:nvSpPr>
+            <p:spPr bwMode="auto">
+              <a:xfrm>
+                <a:off x="2584843" y="2919841"/>
+                <a:ext cx="73061" cy="73061"/>
+              </a:xfrm>
+              <a:custGeom>
+                <a:avLst/>
+                <a:gdLst>
+                  <a:gd name="T0" fmla="*/ 10800 w 21600"/>
+                  <a:gd name="T1" fmla="*/ 10800 h 21600"/>
+                  <a:gd name="T2" fmla="*/ 10800 w 21600"/>
+                  <a:gd name="T3" fmla="*/ 10800 h 21600"/>
+                  <a:gd name="T4" fmla="*/ 10800 w 21600"/>
+                  <a:gd name="T5" fmla="*/ 10800 h 21600"/>
+                  <a:gd name="T6" fmla="*/ 10800 w 21600"/>
+                  <a:gd name="T7" fmla="*/ 10800 h 21600"/>
+                </a:gdLst>
+                <a:ahLst/>
+                <a:cxnLst>
+                  <a:cxn ang="0">
+                    <a:pos x="T0" y="T1"/>
+                  </a:cxn>
+                  <a:cxn ang="0">
+                    <a:pos x="T2" y="T3"/>
+                  </a:cxn>
+                  <a:cxn ang="0">
+                    <a:pos x="T4" y="T5"/>
+                  </a:cxn>
+                  <a:cxn ang="0">
+                    <a:pos x="T6" y="T7"/>
+                  </a:cxn>
+                </a:cxnLst>
+                <a:rect l="0" t="0" r="r" b="b"/>
+                <a:pathLst>
+                  <a:path w="21600" h="21600">
+                    <a:moveTo>
+                      <a:pt x="19938" y="0"/>
+                    </a:moveTo>
+                    <a:cubicBezTo>
+                      <a:pt x="8943" y="0"/>
+                      <a:pt x="0" y="8942"/>
+                      <a:pt x="0" y="19938"/>
+                    </a:cubicBezTo>
+                    <a:cubicBezTo>
+                      <a:pt x="0" y="20855"/>
+                      <a:pt x="743" y="21600"/>
+                      <a:pt x="1661" y="21600"/>
+                    </a:cubicBezTo>
+                    <a:cubicBezTo>
+                      <a:pt x="2579" y="21600"/>
+                      <a:pt x="3323" y="20855"/>
+                      <a:pt x="3323" y="19938"/>
+                    </a:cubicBezTo>
+                    <a:cubicBezTo>
+                      <a:pt x="3323" y="10777"/>
+                      <a:pt x="10777" y="3323"/>
+                      <a:pt x="19938" y="3323"/>
+                    </a:cubicBezTo>
+                    <a:cubicBezTo>
+                      <a:pt x="20856" y="3323"/>
+                      <a:pt x="21600" y="2578"/>
+                      <a:pt x="21600" y="1661"/>
+                    </a:cubicBezTo>
+                    <a:cubicBezTo>
+                      <a:pt x="21600" y="744"/>
+                      <a:pt x="20856" y="0"/>
+                      <a:pt x="19938" y="0"/>
+                    </a:cubicBezTo>
+                  </a:path>
+                </a:pathLst>
+              </a:custGeom>
+              <a:grpFill/>
+              <a:ln>
+                <a:noFill/>
+              </a:ln>
+              <a:effectLst/>
+              <a:extLst/>
+            </p:spPr>
+            <p:txBody>
+              <a:bodyPr lIns="19050" tIns="19050" rIns="19050" bIns="19050" anchor="ctr"/>
+              <a:lstStyle/>
+              <a:p>
+                <a:pPr algn="ctr" defTabSz="228600" fontAlgn="base" hangingPunct="0">
+                  <a:spcBef>
+                    <a:spcPct val="0"/>
+                  </a:spcBef>
+                  <a:spcAft>
+                    <a:spcPct val="0"/>
+                  </a:spcAft>
+                  <a:defRPr/>
+                </a:pPr>
+                <a:endParaRPr lang="en-US" sz="1500" kern="0">
+                  <a:solidFill>
+                    <a:srgbClr val="FFFFFF"/>
+                  </a:solidFill>
+                  <a:effectLst>
+                    <a:outerShdw blurRad="38100" dist="38100" dir="2700000" algn="tl">
+                      <a:srgbClr val="000000"/>
+                    </a:outerShdw>
+                  </a:effectLst>
+                  <a:latin typeface="Gill Sans" charset="0"/>
+                  <a:ea typeface="宋体"/>
+                  <a:sym typeface="Gill Sans" charset="0"/>
+                </a:endParaRPr>
+              </a:p>
+            </p:txBody>
+          </p:sp>
+        </p:grpSp>
+        <p:sp>
+          <p:nvSpPr>
+            <p:cNvPr id="19" name="TextBox 18"/>
+            <p:cNvSpPr txBox="1"/>
+            <p:nvPr/>
+          </p:nvSpPr>
+          <p:spPr>
+            <a:xfrm>
+              <a:off x="7731626" y="6334698"/>
+              <a:ext cx="4247374" cy="1961589"/>
+            </a:xfrm>
+            <a:prstGeom prst="rect">
+              <a:avLst/>
+            </a:prstGeom>
+            <a:noFill/>
+          </p:spPr>
+          <p:txBody>
+            <a:bodyPr wrap="square" rtlCol="0">
+              <a:spAutoFit/>
+            </a:bodyPr>
+            <a:lstStyle/>
+            <a:p>
+              <a:r>
+                <a:rPr lang="zh-CN" altLang="en-US" dirty="0"/>
+                <a:t>跑步</a:t>
+              </a:r>
+              <a:r>
+                <a:rPr lang="zh-CN" altLang="en-US" dirty="0" smtClean="0"/>
+                <a:t>机电机转速跟随</a:t>
+              </a:r>
+              <a:endParaRPr lang="en-US" altLang="zh-CN" dirty="0" smtClean="0"/>
+            </a:p>
+            <a:p>
+              <a:endParaRPr lang="en-US" altLang="zh-CN" dirty="0"/>
+            </a:p>
+            <a:p>
+              <a:r>
+                <a:rPr lang="zh-CN" altLang="en-US" dirty="0"/>
+                <a:t>果蝇优化</a:t>
+              </a:r>
+              <a:r>
+                <a:rPr lang="zh-CN" altLang="en-US" dirty="0" smtClean="0"/>
+                <a:t>算法优化</a:t>
+              </a:r>
+              <a:r>
+                <a:rPr lang="en-US" altLang="zh-CN" dirty="0" smtClean="0"/>
+                <a:t>PID</a:t>
+              </a:r>
+              <a:r>
+                <a:rPr lang="zh-CN" altLang="en-US" dirty="0" smtClean="0"/>
+                <a:t>参数</a:t>
+              </a:r>
+              <a:endParaRPr lang="en-US" altLang="zh-CN" dirty="0" smtClean="0"/>
+            </a:p>
+            <a:p>
+              <a:endParaRPr lang="en-US" altLang="zh-CN" dirty="0"/>
+            </a:p>
+            <a:p>
+              <a:endParaRPr lang="en-US" altLang="zh-CN" dirty="0" smtClean="0"/>
+            </a:p>
+          </p:txBody>
+        </p:sp>
+      </p:grpSp>
     </p:spTree>
     <p:extLst>
       <p:ext uri="{BB962C8B-B14F-4D97-AF65-F5344CB8AC3E}">
-        <p14:creationId xmlns:p14="http://schemas.microsoft.com/office/powerpoint/2010/main" val="3956479002"/>
+        <p14:creationId xmlns:p14="http://schemas.microsoft.com/office/powerpoint/2010/main" val="1187514749"/>
       </p:ext>
     </p:extLst>
   </p:cSld>
@@ -4542,6 +5650,13 @@
       <p:transition advTm="0"/>
     </mc:Fallback>
   </mc:AlternateContent>
+  <p:timing>
+    <p:tnLst>
+      <p:par>
+        <p:cTn id="1" dur="indefinite" restart="never" nodeType="tmRoot"/>
+      </p:par>
+    </p:tnLst>
+  </p:timing>
 </p:sld>
 </file>
 
@@ -4828,6 +5943,13 @@
       <p:transition advTm="0"/>
     </mc:Fallback>
   </mc:AlternateContent>
+  <p:timing>
+    <p:tnLst>
+      <p:par>
+        <p:cTn id="1" dur="indefinite" restart="never" nodeType="tmRoot"/>
+      </p:par>
+    </p:tnLst>
+  </p:timing>
 </p:sld>
 </file>
 
@@ -5180,7 +6302,7 @@
         <p:spPr>
           <a:xfrm>
             <a:off x="2252911" y="2198231"/>
-            <a:ext cx="10081120" cy="553998"/>
+            <a:ext cx="10081120" cy="1538883"/>
           </a:xfrm>
           <a:prstGeom prst="rect">
             <a:avLst/>
@@ -5194,35 +6316,29 @@
           <a:lstStyle/>
           <a:p>
             <a:r>
-              <a:rPr lang="zh-CN" altLang="en-US" sz="3000" dirty="0">
+              <a:rPr lang="zh-CN" altLang="zh-CN" sz="3000" kern="100" dirty="0">
                 <a:solidFill>
                   <a:schemeClr val="accent6"/>
                 </a:solidFill>
                 <a:latin typeface="微软雅黑" panose="020B0503020204020204" pitchFamily="34" charset="-122"/>
                 <a:ea typeface="微软雅黑" panose="020B0503020204020204" pitchFamily="34" charset="-122"/>
+                <a:cs typeface="Calibri" panose="020F0502020204030204" pitchFamily="34" charset="0"/>
               </a:rPr>
-              <a:t>建立计及控制策略的并网</a:t>
-            </a:r>
-            <a:r>
-              <a:rPr lang="en-US" altLang="zh-CN" sz="3000" dirty="0">
-                <a:solidFill>
-                  <a:schemeClr val="accent6"/>
-                </a:solidFill>
-                <a:latin typeface="微软雅黑" panose="020B0503020204020204" pitchFamily="34" charset="-122"/>
-                <a:ea typeface="微软雅黑" panose="020B0503020204020204" pitchFamily="34" charset="-122"/>
-              </a:rPr>
-              <a:t>IBDG</a:t>
-            </a:r>
-            <a:r>
-              <a:rPr lang="zh-CN" altLang="en-US" sz="3000" dirty="0">
-                <a:solidFill>
-                  <a:schemeClr val="accent6"/>
-                </a:solidFill>
-                <a:latin typeface="微软雅黑" panose="020B0503020204020204" pitchFamily="34" charset="-122"/>
-                <a:ea typeface="微软雅黑" panose="020B0503020204020204" pitchFamily="34" charset="-122"/>
-              </a:rPr>
-              <a:t>等值模型</a:t>
-            </a:r>
+              <a:t>针对表面肌电信号，选取合适的预处理方案。</a:t>
+            </a:r>
+          </a:p>
+          <a:p>
+            <a:pPr lvl="0"/>
+            <a:endParaRPr lang="zh-CN" altLang="zh-CN" sz="3200" dirty="0" smtClean="0"/>
+          </a:p>
+          <a:p>
+            <a:endParaRPr lang="zh-CN" altLang="en-US" sz="3000" dirty="0">
+              <a:solidFill>
+                <a:schemeClr val="accent6"/>
+              </a:solidFill>
+              <a:latin typeface="微软雅黑" panose="020B0503020204020204" pitchFamily="34" charset="-122"/>
+              <a:ea typeface="微软雅黑" panose="020B0503020204020204" pitchFamily="34" charset="-122"/>
+            </a:endParaRPr>
           </a:p>
         </p:txBody>
       </p:sp>
@@ -5254,6 +6370,17 @@
           <a:lstStyle/>
           <a:p>
             <a:r>
+              <a:rPr lang="zh-CN" altLang="en-US" sz="3000" kern="100" dirty="0" smtClean="0">
+                <a:solidFill>
+                  <a:schemeClr val="accent6"/>
+                </a:solidFill>
+                <a:latin typeface="微软雅黑" panose="020B0503020204020204" pitchFamily="34" charset="-122"/>
+                <a:ea typeface="微软雅黑" panose="020B0503020204020204" pitchFamily="34" charset="-122"/>
+                <a:cs typeface="Calibri" panose="020F0502020204030204" pitchFamily="34" charset="0"/>
+              </a:rPr>
+              <a:t>针对</a:t>
+            </a:r>
+            <a:r>
               <a:rPr lang="zh-CN" altLang="en-US" sz="3000" kern="100" dirty="0">
                 <a:solidFill>
                   <a:schemeClr val="accent6"/>
@@ -5262,14 +6389,15 @@
                 <a:ea typeface="微软雅黑" panose="020B0503020204020204" pitchFamily="34" charset="-122"/>
                 <a:cs typeface="Calibri" panose="020F0502020204030204" pitchFamily="34" charset="0"/>
               </a:rPr>
-              <a:t>提取正序阻抗构造差动保护判据。</a:t>
-            </a:r>
-            <a:endParaRPr lang="zh-CN" altLang="en-US" sz="3000" dirty="0">
+              <a:t>跑步机调速系统，选择合适的多元数据融合模型。</a:t>
+            </a:r>
+            <a:endParaRPr lang="zh-CN" altLang="en-US" sz="3000" kern="100" dirty="0">
               <a:solidFill>
                 <a:schemeClr val="accent6"/>
               </a:solidFill>
               <a:latin typeface="微软雅黑" panose="020B0503020204020204" pitchFamily="34" charset="-122"/>
               <a:ea typeface="微软雅黑" panose="020B0503020204020204" pitchFamily="34" charset="-122"/>
+              <a:cs typeface="Calibri" panose="020F0502020204030204" pitchFamily="34" charset="0"/>
             </a:endParaRPr>
           </a:p>
         </p:txBody>
@@ -5440,6 +6568,17 @@
           <a:lstStyle/>
           <a:p>
             <a:r>
+              <a:rPr lang="zh-CN" altLang="en-US" sz="3000" kern="100" dirty="0" smtClean="0">
+                <a:solidFill>
+                  <a:schemeClr val="accent6"/>
+                </a:solidFill>
+                <a:latin typeface="微软雅黑" panose="020B0503020204020204" pitchFamily="34" charset="-122"/>
+                <a:ea typeface="微软雅黑" panose="020B0503020204020204" pitchFamily="34" charset="-122"/>
+                <a:cs typeface="Calibri" panose="020F0502020204030204" pitchFamily="34" charset="0"/>
+              </a:rPr>
+              <a:t>疲劳</a:t>
+            </a:r>
+            <a:r>
               <a:rPr lang="zh-CN" altLang="en-US" sz="3000" kern="100" dirty="0">
                 <a:solidFill>
                   <a:schemeClr val="accent6"/>
@@ -5448,7 +6587,7 @@
                 <a:ea typeface="微软雅黑" panose="020B0503020204020204" pitchFamily="34" charset="-122"/>
                 <a:cs typeface="Calibri" panose="020F0502020204030204" pitchFamily="34" charset="0"/>
               </a:rPr>
-              <a:t>为配电网分区，配置不同保护。</a:t>
+              <a:t>度和跑步机转速与坡度之间的映射关系模型。</a:t>
             </a:r>
             <a:endParaRPr lang="zh-CN" altLang="en-US" sz="3000" dirty="0">
               <a:solidFill>
@@ -5478,6 +6617,13 @@
       <p:transition advTm="0"/>
     </mc:Fallback>
   </mc:AlternateContent>
+  <p:timing>
+    <p:tnLst>
+      <p:par>
+        <p:cTn id="1" dur="indefinite" restart="never" nodeType="tmRoot"/>
+      </p:par>
+    </p:tnLst>
+  </p:timing>
 </p:sld>
 </file>
 
@@ -5676,8 +6822,35 @@
                 <a:latin typeface="微软雅黑" panose="020B0503020204020204" pitchFamily="34" charset="-122"/>
                 <a:ea typeface="微软雅黑" panose="020B0503020204020204" pitchFamily="34" charset="-122"/>
               </a:rPr>
-              <a:t>汇报人：张茜</a:t>
-            </a:r>
+              <a:t>汇报人</a:t>
+            </a:r>
+            <a:r>
+              <a:rPr lang="zh-CN" altLang="en-US" sz="2531" dirty="0" smtClean="0">
+                <a:solidFill>
+                  <a:srgbClr val="0E2234"/>
+                </a:solidFill>
+                <a:latin typeface="微软雅黑" panose="020B0503020204020204" pitchFamily="34" charset="-122"/>
+                <a:ea typeface="微软雅黑" panose="020B0503020204020204" pitchFamily="34" charset="-122"/>
+              </a:rPr>
+              <a:t>：</a:t>
+            </a:r>
+            <a:r>
+              <a:rPr lang="zh-CN" altLang="en-US" sz="2531" dirty="0">
+                <a:solidFill>
+                  <a:srgbClr val="0E2234"/>
+                </a:solidFill>
+                <a:latin typeface="微软雅黑" panose="020B0503020204020204" pitchFamily="34" charset="-122"/>
+                <a:ea typeface="微软雅黑" panose="020B0503020204020204" pitchFamily="34" charset="-122"/>
+              </a:rPr>
+              <a:t>李智威</a:t>
+            </a:r>
+            <a:endParaRPr lang="zh-CN" altLang="en-US" sz="2531" dirty="0">
+              <a:solidFill>
+                <a:srgbClr val="0E2234"/>
+              </a:solidFill>
+              <a:latin typeface="微软雅黑" panose="020B0503020204020204" pitchFamily="34" charset="-122"/>
+              <a:ea typeface="微软雅黑" panose="020B0503020204020204" pitchFamily="34" charset="-122"/>
+            </a:endParaRPr>
           </a:p>
         </p:txBody>
       </p:sp>
@@ -6940,10 +8113,10 @@
         </p:nvGrpSpPr>
         <p:grpSpPr>
           <a:xfrm>
-            <a:off x="5061223" y="2536205"/>
-            <a:ext cx="6128091" cy="1077218"/>
+            <a:off x="5061223" y="2536203"/>
+            <a:ext cx="6128091" cy="584775"/>
             <a:chOff x="5735630" y="2690217"/>
-            <a:chExt cx="4158278" cy="1077350"/>
+            <a:chExt cx="4158278" cy="584847"/>
           </a:xfrm>
         </p:grpSpPr>
         <p:sp>
@@ -6955,7 +8128,7 @@
           <p:spPr>
             <a:xfrm>
               <a:off x="7006036" y="2690217"/>
-              <a:ext cx="2887872" cy="1077350"/>
+              <a:ext cx="2887872" cy="584847"/>
             </a:xfrm>
             <a:prstGeom prst="rect">
               <a:avLst/>
@@ -6976,8 +8149,25 @@
                   <a:latin typeface="微软雅黑" panose="020B0503020204020204" pitchFamily="34" charset="-122"/>
                   <a:ea typeface="微软雅黑" panose="020B0503020204020204" pitchFamily="34" charset="-122"/>
                 </a:rPr>
-                <a:t>国内外研究现状及存在的问题</a:t>
+                <a:t>国内外研究</a:t>
               </a:r>
+              <a:r>
+                <a:rPr lang="zh-CN" altLang="en-US" sz="3200" dirty="0" smtClean="0">
+                  <a:solidFill>
+                    <a:srgbClr val="17375E"/>
+                  </a:solidFill>
+                  <a:latin typeface="微软雅黑" panose="020B0503020204020204" pitchFamily="34" charset="-122"/>
+                  <a:ea typeface="微软雅黑" panose="020B0503020204020204" pitchFamily="34" charset="-122"/>
+                </a:rPr>
+                <a:t>现状</a:t>
+              </a:r>
+              <a:endParaRPr lang="zh-CN" altLang="en-US" sz="3200" dirty="0">
+                <a:solidFill>
+                  <a:srgbClr val="17375E"/>
+                </a:solidFill>
+                <a:latin typeface="微软雅黑" panose="020B0503020204020204" pitchFamily="34" charset="-122"/>
+                <a:ea typeface="微软雅黑" panose="020B0503020204020204" pitchFamily="34" charset="-122"/>
+              </a:endParaRPr>
             </a:p>
           </p:txBody>
         </p:sp>
@@ -7473,6 +8663,13 @@
       <p:transition advTm="0"/>
     </mc:Fallback>
   </mc:AlternateContent>
+  <p:timing>
+    <p:tnLst>
+      <p:par>
+        <p:cTn id="1" dur="indefinite" restart="never" nodeType="tmRoot"/>
+      </p:par>
+    </p:tnLst>
+  </p:timing>
 </p:sld>
 </file>
 
@@ -7759,6 +8956,13 @@
       <p:transition advTm="0"/>
     </mc:Fallback>
   </mc:AlternateContent>
+  <p:timing>
+    <p:tnLst>
+      <p:par>
+        <p:cTn id="1" dur="indefinite" restart="never" nodeType="tmRoot"/>
+      </p:par>
+    </p:tnLst>
+  </p:timing>
 </p:sld>
 </file>
 
@@ -8188,7 +9392,7 @@
                 <a:latin typeface="微软雅黑" panose="020B0503020204020204" pitchFamily="34" charset="-122"/>
                 <a:ea typeface="微软雅黑" panose="020B0503020204020204" pitchFamily="34" charset="-122"/>
               </a:rPr>
-              <a:t>传统跑步机无法满足人们健身需求</a:t>
+              <a:t>传统跑步机需要自己给定速度，无法满足人们健身需求。</a:t>
             </a:r>
             <a:endParaRPr lang="zh-CN" altLang="en-US" sz="2600" dirty="0">
               <a:solidFill>
@@ -8260,7 +9464,7 @@
                 <a:latin typeface="微软雅黑" panose="020B0503020204020204" pitchFamily="34" charset="-122"/>
                 <a:ea typeface="微软雅黑" panose="020B0503020204020204" pitchFamily="34" charset="-122"/>
               </a:rPr>
-              <a:t>，目前大部分跑步机仅仅显示人体状态信息，不能反馈到跑步机控制方面。同时，一些对跑步机速度控制方法都是针对心率进行跟踪。</a:t>
+              <a:t>，目前大部分跑步机仅仅显示人体状态信息，不能反馈到跑步机控制方面。同时，一些对跑步机速度控制方法都是针对心率进行强度给定。</a:t>
             </a:r>
             <a:endParaRPr lang="zh-CN" altLang="en-US" sz="2600" dirty="0">
               <a:latin typeface="微软雅黑" panose="020B0503020204020204" pitchFamily="34" charset="-122"/>
@@ -8360,6 +9564,13 @@
       <p:transition advTm="0"/>
     </mc:Fallback>
   </mc:AlternateContent>
+  <p:timing>
+    <p:tnLst>
+      <p:par>
+        <p:cTn id="1" dur="indefinite" restart="never" nodeType="tmRoot"/>
+      </p:par>
+    </p:tnLst>
+  </p:timing>
 </p:sld>
 </file>
 
@@ -8623,8 +9834,25 @@
                 <a:latin typeface="微软雅黑" panose="020B0503020204020204" pitchFamily="34" charset="-122"/>
                 <a:ea typeface="微软雅黑" panose="020B0503020204020204" pitchFamily="34" charset="-122"/>
               </a:rPr>
-              <a:t>国内外研究现状及存在的问题</a:t>
-            </a:r>
+              <a:t>国内外研究</a:t>
+            </a:r>
+            <a:r>
+              <a:rPr lang="zh-CN" altLang="en-US" sz="6600" b="1" dirty="0" smtClean="0">
+                <a:solidFill>
+                  <a:schemeClr val="accent4"/>
+                </a:solidFill>
+                <a:latin typeface="微软雅黑" panose="020B0503020204020204" pitchFamily="34" charset="-122"/>
+                <a:ea typeface="微软雅黑" panose="020B0503020204020204" pitchFamily="34" charset="-122"/>
+              </a:rPr>
+              <a:t>现状</a:t>
+            </a:r>
+            <a:endParaRPr lang="zh-CN" altLang="en-US" sz="6600" b="1" dirty="0">
+              <a:solidFill>
+                <a:schemeClr val="accent4"/>
+              </a:solidFill>
+              <a:latin typeface="微软雅黑" panose="020B0503020204020204" pitchFamily="34" charset="-122"/>
+              <a:ea typeface="微软雅黑" panose="020B0503020204020204" pitchFamily="34" charset="-122"/>
+            </a:endParaRPr>
           </a:p>
         </p:txBody>
       </p:sp>
@@ -8646,6 +9874,13 @@
       <p:transition advTm="0"/>
     </mc:Fallback>
   </mc:AlternateContent>
+  <p:timing>
+    <p:tnLst>
+      <p:par>
+        <p:cTn id="1" dur="indefinite" restart="never" nodeType="tmRoot"/>
+      </p:par>
+    </p:tnLst>
+  </p:timing>
 </p:sld>
 </file>
 
@@ -8746,84 +9981,6 @@
       </p:sp>
       <p:sp>
         <p:nvSpPr>
-          <p:cNvPr id="112" name="Oval 111"/>
-          <p:cNvSpPr>
-            <a:spLocks noChangeAspect="1"/>
-          </p:cNvSpPr>
-          <p:nvPr/>
-        </p:nvSpPr>
-        <p:spPr>
-          <a:xfrm>
-            <a:off x="810203" y="3397753"/>
-            <a:ext cx="578612" cy="578612"/>
-          </a:xfrm>
-          <a:prstGeom prst="ellipse">
-            <a:avLst/>
-          </a:prstGeom>
-          <a:solidFill>
-            <a:schemeClr val="accent4"/>
-          </a:solidFill>
-          <a:ln w="38100">
-            <a:noFill/>
-          </a:ln>
-        </p:spPr>
-        <p:style>
-          <a:lnRef idx="2">
-            <a:schemeClr val="accent1">
-              <a:shade val="50000"/>
-            </a:schemeClr>
-          </a:lnRef>
-          <a:fillRef idx="1">
-            <a:schemeClr val="accent1"/>
-          </a:fillRef>
-          <a:effectRef idx="0">
-            <a:schemeClr val="accent1"/>
-          </a:effectRef>
-          <a:fontRef idx="minor">
-            <a:schemeClr val="lt1"/>
-          </a:fontRef>
-        </p:style>
-        <p:txBody>
-          <a:bodyPr lIns="0" tIns="0" rIns="0" bIns="0" rtlCol="0" anchor="ctr"/>
-          <a:lstStyle/>
-          <a:p>
-            <a:pPr algn="ctr">
-              <a:lnSpc>
-                <a:spcPct val="120000"/>
-              </a:lnSpc>
-              <a:spcBef>
-                <a:spcPts val="0"/>
-              </a:spcBef>
-              <a:spcAft>
-                <a:spcPts val="0"/>
-              </a:spcAft>
-            </a:pPr>
-            <a:r>
-              <a:rPr lang="en-AU" dirty="0">
-                <a:solidFill>
-                  <a:schemeClr val="bg1"/>
-                </a:solidFill>
-                <a:latin typeface="Arial" panose="020B0604020202020204" pitchFamily="34" charset="0"/>
-                <a:ea typeface="微软雅黑" panose="020B0503020204020204" pitchFamily="34" charset="-122"/>
-                <a:cs typeface="+mn-ea"/>
-                <a:sym typeface="Arial" panose="020B0604020202020204" pitchFamily="34" charset="0"/>
-              </a:rPr>
-              <a:t>2</a:t>
-            </a:r>
-            <a:endParaRPr lang="en-US" dirty="0">
-              <a:solidFill>
-                <a:schemeClr val="bg1"/>
-              </a:solidFill>
-              <a:latin typeface="Arial" panose="020B0604020202020204" pitchFamily="34" charset="0"/>
-              <a:ea typeface="微软雅黑" panose="020B0503020204020204" pitchFamily="34" charset="-122"/>
-              <a:cs typeface="+mn-ea"/>
-              <a:sym typeface="Arial" panose="020B0604020202020204" pitchFamily="34" charset="0"/>
-            </a:endParaRPr>
-          </a:p>
-        </p:txBody>
-      </p:sp>
-      <p:sp>
-        <p:nvSpPr>
           <p:cNvPr id="45" name="标题 4"/>
           <p:cNvSpPr txBox="1">
             <a:spLocks/>
@@ -9012,54 +10169,14 @@
           <a:lstStyle/>
           <a:p>
             <a:r>
-              <a:rPr lang="zh-CN" altLang="zh-CN" sz="3000" dirty="0">
+              <a:rPr lang="zh-CN" altLang="en-US" sz="3000" dirty="0">
                 <a:solidFill>
                   <a:schemeClr val="accent6"/>
                 </a:solidFill>
                 <a:latin typeface="微软雅黑" panose="020B0503020204020204" pitchFamily="34" charset="-122"/>
                 <a:ea typeface="微软雅黑" panose="020B0503020204020204" pitchFamily="34" charset="-122"/>
               </a:rPr>
-              <a:t>从</a:t>
-            </a:r>
-            <a:r>
-              <a:rPr lang="en-US" altLang="zh-CN" sz="3000" dirty="0">
-                <a:solidFill>
-                  <a:schemeClr val="accent6"/>
-                </a:solidFill>
-                <a:latin typeface="微软雅黑" panose="020B0503020204020204" pitchFamily="34" charset="-122"/>
-                <a:ea typeface="微软雅黑" panose="020B0503020204020204" pitchFamily="34" charset="-122"/>
-              </a:rPr>
-              <a:t>DG</a:t>
-            </a:r>
-            <a:r>
-              <a:rPr lang="zh-CN" altLang="zh-CN" sz="3000" dirty="0">
-                <a:solidFill>
-                  <a:schemeClr val="accent6"/>
-                </a:solidFill>
-                <a:latin typeface="微软雅黑" panose="020B0503020204020204" pitchFamily="34" charset="-122"/>
-                <a:ea typeface="微软雅黑" panose="020B0503020204020204" pitchFamily="34" charset="-122"/>
-              </a:rPr>
-              <a:t>本身出发，降低</a:t>
-            </a:r>
-            <a:r>
-              <a:rPr lang="en-US" altLang="zh-CN" sz="3000" dirty="0">
-                <a:solidFill>
-                  <a:schemeClr val="accent6"/>
-                </a:solidFill>
-                <a:latin typeface="微软雅黑" panose="020B0503020204020204" pitchFamily="34" charset="-122"/>
-                <a:ea typeface="微软雅黑" panose="020B0503020204020204" pitchFamily="34" charset="-122"/>
-              </a:rPr>
-              <a:t>DG</a:t>
-            </a:r>
-            <a:r>
-              <a:rPr lang="zh-CN" altLang="zh-CN" sz="3000" dirty="0">
-                <a:solidFill>
-                  <a:schemeClr val="accent6"/>
-                </a:solidFill>
-                <a:latin typeface="微软雅黑" panose="020B0503020204020204" pitchFamily="34" charset="-122"/>
-                <a:ea typeface="微软雅黑" panose="020B0503020204020204" pitchFamily="34" charset="-122"/>
-              </a:rPr>
-              <a:t>接入后对配网侧保护的影响</a:t>
+              <a:t>以方便使用者主观调整强度为目标</a:t>
             </a:r>
             <a:endParaRPr lang="zh-CN" altLang="en-US" sz="3000" dirty="0">
               <a:solidFill>
@@ -9071,131 +10188,40 @@
           </a:p>
         </p:txBody>
       </p:sp>
-      <p:sp>
-        <p:nvSpPr>
-          <p:cNvPr id="6" name="矩形 5">
-            <a:extLst>
-              <a:ext uri="{FF2B5EF4-FFF2-40B4-BE49-F238E27FC236}">
-                <a16:creationId xmlns="" xmlns:a16="http://schemas.microsoft.com/office/drawing/2014/main" id="{FAD700A3-65B5-4A1C-9CB7-0A588A4BD0FC}"/>
-              </a:ext>
-            </a:extLst>
-          </p:cNvPr>
-          <p:cNvSpPr/>
-          <p:nvPr/>
-        </p:nvSpPr>
-        <p:spPr>
-          <a:xfrm>
-            <a:off x="1858397" y="3422367"/>
-            <a:ext cx="10206369" cy="553998"/>
-          </a:xfrm>
-          <a:prstGeom prst="rect">
-            <a:avLst/>
-          </a:prstGeom>
-        </p:spPr>
-        <p:txBody>
-          <a:bodyPr wrap="square">
-            <a:spAutoFit/>
-          </a:bodyPr>
-          <a:lstStyle/>
-          <a:p>
-            <a:r>
-              <a:rPr lang="zh-CN" altLang="en-US" sz="3000" kern="100" dirty="0">
-                <a:solidFill>
-                  <a:schemeClr val="accent6"/>
-                </a:solidFill>
-                <a:latin typeface="微软雅黑" panose="020B0503020204020204" pitchFamily="34" charset="-122"/>
-                <a:ea typeface="微软雅黑" panose="020B0503020204020204" pitchFamily="34" charset="-122"/>
-                <a:cs typeface="Calibri" panose="020F0502020204030204" pitchFamily="34" charset="0"/>
-              </a:rPr>
-              <a:t>从</a:t>
-            </a:r>
-            <a:r>
-              <a:rPr lang="zh-CN" altLang="zh-CN" sz="3000" kern="100" dirty="0">
-                <a:solidFill>
-                  <a:schemeClr val="accent6"/>
-                </a:solidFill>
-                <a:latin typeface="微软雅黑" panose="020B0503020204020204" pitchFamily="34" charset="-122"/>
-                <a:ea typeface="微软雅黑" panose="020B0503020204020204" pitchFamily="34" charset="-122"/>
-                <a:cs typeface="Calibri" panose="020F0502020204030204" pitchFamily="34" charset="0"/>
-              </a:rPr>
-              <a:t>改进保护原理的角度，提高保护对</a:t>
-            </a:r>
-            <a:r>
-              <a:rPr lang="en-US" altLang="zh-CN" sz="3000" kern="100" dirty="0">
-                <a:solidFill>
-                  <a:schemeClr val="accent6"/>
-                </a:solidFill>
-                <a:latin typeface="微软雅黑" panose="020B0503020204020204" pitchFamily="34" charset="-122"/>
-                <a:ea typeface="微软雅黑" panose="020B0503020204020204" pitchFamily="34" charset="-122"/>
-              </a:rPr>
-              <a:t>DG</a:t>
-            </a:r>
-            <a:r>
-              <a:rPr lang="zh-CN" altLang="zh-CN" sz="3000" kern="100" dirty="0">
-                <a:solidFill>
-                  <a:schemeClr val="accent6"/>
-                </a:solidFill>
-                <a:latin typeface="微软雅黑" panose="020B0503020204020204" pitchFamily="34" charset="-122"/>
-                <a:ea typeface="微软雅黑" panose="020B0503020204020204" pitchFamily="34" charset="-122"/>
-                <a:cs typeface="Calibri" panose="020F0502020204030204" pitchFamily="34" charset="0"/>
-              </a:rPr>
-              <a:t>接入的接纳性</a:t>
-            </a:r>
-            <a:endParaRPr lang="zh-CN" altLang="en-US" sz="3000" dirty="0">
-              <a:solidFill>
-                <a:schemeClr val="accent6"/>
-              </a:solidFill>
-              <a:latin typeface="微软雅黑" panose="020B0503020204020204" pitchFamily="34" charset="-122"/>
-              <a:ea typeface="微软雅黑" panose="020B0503020204020204" pitchFamily="34" charset="-122"/>
-            </a:endParaRPr>
-          </a:p>
-        </p:txBody>
-      </p:sp>
       <p:grpSp>
         <p:nvGrpSpPr>
-          <p:cNvPr id="51" name="Group 42">
-            <a:extLst>
-              <a:ext uri="{FF2B5EF4-FFF2-40B4-BE49-F238E27FC236}">
-                <a16:creationId xmlns="" xmlns:a16="http://schemas.microsoft.com/office/drawing/2014/main" id="{F825B299-F9D9-4667-A44E-29A085CBE3AB}"/>
-              </a:ext>
-            </a:extLst>
-          </p:cNvPr>
+          <p:cNvPr id="2" name="组合 1"/>
           <p:cNvGrpSpPr/>
           <p:nvPr/>
         </p:nvGrpSpPr>
         <p:grpSpPr>
           <a:xfrm>
-            <a:off x="1028775" y="3963789"/>
-            <a:ext cx="1152128" cy="876672"/>
-            <a:chOff x="1930011" y="3277303"/>
-            <a:chExt cx="2993376" cy="2280771"/>
+            <a:off x="810203" y="4624437"/>
+            <a:ext cx="11254563" cy="578612"/>
+            <a:chOff x="810203" y="3397753"/>
+            <a:chExt cx="11254563" cy="578612"/>
           </a:xfrm>
-          <a:solidFill>
-            <a:schemeClr val="accent1"/>
-          </a:solidFill>
         </p:grpSpPr>
         <p:sp>
           <p:nvSpPr>
-            <p:cNvPr id="52" name="Oval 26">
-              <a:extLst>
-                <a:ext uri="{FF2B5EF4-FFF2-40B4-BE49-F238E27FC236}">
-                  <a16:creationId xmlns="" xmlns:a16="http://schemas.microsoft.com/office/drawing/2014/main" id="{6ACFA849-A1FC-4550-BC0B-9FAC7B72C8B5}"/>
-                </a:ext>
-              </a:extLst>
-            </p:cNvPr>
-            <p:cNvSpPr/>
+            <p:cNvPr id="112" name="Oval 111"/>
+            <p:cNvSpPr>
+              <a:spLocks noChangeAspect="1"/>
+            </p:cNvSpPr>
             <p:nvPr/>
           </p:nvSpPr>
           <p:spPr>
             <a:xfrm>
-              <a:off x="1930011" y="4248541"/>
-              <a:ext cx="1584726" cy="1309533"/>
+              <a:off x="810203" y="3397753"/>
+              <a:ext cx="578612" cy="578612"/>
             </a:xfrm>
             <a:prstGeom prst="ellipse">
               <a:avLst/>
             </a:prstGeom>
-            <a:grpFill/>
-            <a:ln>
+            <a:solidFill>
+              <a:schemeClr val="accent4"/>
+            </a:solidFill>
+            <a:ln w="38100">
               <a:noFill/>
             </a:ln>
           </p:spPr>
@@ -9216,164 +10242,50 @@
             </a:fontRef>
           </p:style>
           <p:txBody>
-            <a:bodyPr rtlCol="0" anchor="ctr"/>
+            <a:bodyPr lIns="0" tIns="0" rIns="0" bIns="0" rtlCol="0" anchor="ctr"/>
             <a:lstStyle/>
             <a:p>
-              <a:pPr algn="ctr"/>
+              <a:pPr algn="ctr">
+                <a:lnSpc>
+                  <a:spcPct val="120000"/>
+                </a:lnSpc>
+                <a:spcBef>
+                  <a:spcPts val="0"/>
+                </a:spcBef>
+                <a:spcAft>
+                  <a:spcPts val="0"/>
+                </a:spcAft>
+              </a:pPr>
               <a:r>
-                <a:rPr lang="en-US" altLang="zh-CN" sz="1600" dirty="0">
-                  <a:latin typeface="微软雅黑" panose="020B0503020204020204" pitchFamily="34" charset="-122"/>
+                <a:rPr lang="en-AU" dirty="0">
+                  <a:solidFill>
+                    <a:schemeClr val="bg1"/>
+                  </a:solidFill>
+                  <a:latin typeface="Arial" panose="020B0604020202020204" pitchFamily="34" charset="0"/>
                   <a:ea typeface="微软雅黑" panose="020B0503020204020204" pitchFamily="34" charset="-122"/>
-                  <a:cs typeface="Arial" panose="020B0604020202020204" pitchFamily="34" charset="0"/>
-                  <a:sym typeface="+mn-lt"/>
+                  <a:cs typeface="+mn-ea"/>
+                  <a:sym typeface="Arial" panose="020B0604020202020204" pitchFamily="34" charset="0"/>
                 </a:rPr>
-                <a:t>01</a:t>
+                <a:t>2</a:t>
               </a:r>
-              <a:endParaRPr lang="en-AU" sz="1600" dirty="0">
-                <a:latin typeface="微软雅黑" panose="020B0503020204020204" pitchFamily="34" charset="-122"/>
+              <a:endParaRPr lang="en-US" dirty="0">
+                <a:solidFill>
+                  <a:schemeClr val="bg1"/>
+                </a:solidFill>
+                <a:latin typeface="Arial" panose="020B0604020202020204" pitchFamily="34" charset="0"/>
                 <a:ea typeface="微软雅黑" panose="020B0503020204020204" pitchFamily="34" charset="-122"/>
-                <a:cs typeface="Arial" panose="020B0604020202020204" pitchFamily="34" charset="0"/>
-                <a:sym typeface="+mn-lt"/>
+                <a:cs typeface="+mn-ea"/>
+                <a:sym typeface="Arial" panose="020B0604020202020204" pitchFamily="34" charset="0"/>
               </a:endParaRPr>
             </a:p>
           </p:txBody>
         </p:sp>
         <p:sp>
           <p:nvSpPr>
-            <p:cNvPr id="53" name="Freeform 6">
+            <p:cNvPr id="6" name="矩形 5">
               <a:extLst>
                 <a:ext uri="{FF2B5EF4-FFF2-40B4-BE49-F238E27FC236}">
-                  <a16:creationId xmlns="" xmlns:a16="http://schemas.microsoft.com/office/drawing/2014/main" id="{9B9F7864-AE2D-4257-AF5B-A5E6E75A3AC7}"/>
-                </a:ext>
-              </a:extLst>
-            </p:cNvPr>
-            <p:cNvSpPr>
-              <a:spLocks/>
-            </p:cNvSpPr>
-            <p:nvPr/>
-          </p:nvSpPr>
-          <p:spPr bwMode="auto">
-            <a:xfrm>
-              <a:off x="4874627" y="3277303"/>
-              <a:ext cx="48760" cy="100230"/>
-            </a:xfrm>
-            <a:custGeom>
-              <a:avLst/>
-              <a:gdLst>
-                <a:gd name="T0" fmla="*/ 18 w 18"/>
-                <a:gd name="T1" fmla="*/ 37 h 37"/>
-                <a:gd name="T2" fmla="*/ 18 w 18"/>
-                <a:gd name="T3" fmla="*/ 0 h 37"/>
-                <a:gd name="T4" fmla="*/ 0 w 18"/>
-                <a:gd name="T5" fmla="*/ 0 h 37"/>
-                <a:gd name="T6" fmla="*/ 0 w 18"/>
-                <a:gd name="T7" fmla="*/ 21 h 37"/>
-                <a:gd name="T8" fmla="*/ 18 w 18"/>
-                <a:gd name="T9" fmla="*/ 37 h 37"/>
-              </a:gdLst>
-              <a:ahLst/>
-              <a:cxnLst>
-                <a:cxn ang="0">
-                  <a:pos x="T0" y="T1"/>
-                </a:cxn>
-                <a:cxn ang="0">
-                  <a:pos x="T2" y="T3"/>
-                </a:cxn>
-                <a:cxn ang="0">
-                  <a:pos x="T4" y="T5"/>
-                </a:cxn>
-                <a:cxn ang="0">
-                  <a:pos x="T6" y="T7"/>
-                </a:cxn>
-                <a:cxn ang="0">
-                  <a:pos x="T8" y="T9"/>
-                </a:cxn>
-              </a:cxnLst>
-              <a:rect l="0" t="0" r="r" b="b"/>
-              <a:pathLst>
-                <a:path w="18" h="37">
-                  <a:moveTo>
-                    <a:pt x="18" y="37"/>
-                  </a:moveTo>
-                  <a:lnTo>
-                    <a:pt x="18" y="0"/>
-                  </a:lnTo>
-                  <a:lnTo>
-                    <a:pt x="0" y="0"/>
-                  </a:lnTo>
-                  <a:lnTo>
-                    <a:pt x="0" y="21"/>
-                  </a:lnTo>
-                  <a:lnTo>
-                    <a:pt x="18" y="37"/>
-                  </a:lnTo>
-                  <a:close/>
-                </a:path>
-              </a:pathLst>
-            </a:custGeom>
-            <a:grpFill/>
-            <a:ln>
-              <a:noFill/>
-            </a:ln>
-            <a:extLst>
-              <a:ext uri="{91240B29-F687-4F45-9708-019B960494DF}">
-                <a14:hiddenLine xmlns:a14="http://schemas.microsoft.com/office/drawing/2010/main" w="9525">
-                  <a:solidFill>
-                    <a:srgbClr val="000000"/>
-                  </a:solidFill>
-                  <a:round/>
-                  <a:headEnd/>
-                  <a:tailEnd/>
-                </a14:hiddenLine>
-              </a:ext>
-            </a:extLst>
-          </p:spPr>
-          <p:txBody>
-            <a:bodyPr vert="horz" wrap="square" lIns="128548" tIns="64274" rIns="128548" bIns="64274" numCol="1" anchor="t" anchorCtr="0" compatLnSpc="1">
-              <a:prstTxWarp prst="textNoShape">
-                <a:avLst/>
-              </a:prstTxWarp>
-            </a:bodyPr>
-            <a:lstStyle/>
-            <a:p>
-              <a:endParaRPr lang="en-US" sz="4400">
-                <a:latin typeface="Arial" panose="020B0604020202020204" pitchFamily="34" charset="0"/>
-                <a:cs typeface="Arial" panose="020B0604020202020204" pitchFamily="34" charset="0"/>
-                <a:sym typeface="+mn-lt"/>
-              </a:endParaRPr>
-            </a:p>
-          </p:txBody>
-        </p:sp>
-      </p:grpSp>
-      <p:grpSp>
-        <p:nvGrpSpPr>
-          <p:cNvPr id="55" name="Group 42">
-            <a:extLst>
-              <a:ext uri="{FF2B5EF4-FFF2-40B4-BE49-F238E27FC236}">
-                <a16:creationId xmlns="" xmlns:a16="http://schemas.microsoft.com/office/drawing/2014/main" id="{ECBE211A-D687-4EEB-85BA-6F2570A7BAB3}"/>
-              </a:ext>
-            </a:extLst>
-          </p:cNvPr>
-          <p:cNvGrpSpPr/>
-          <p:nvPr/>
-        </p:nvGrpSpPr>
-        <p:grpSpPr>
-          <a:xfrm>
-            <a:off x="1028775" y="4755877"/>
-            <a:ext cx="1152128" cy="876672"/>
-            <a:chOff x="1930011" y="3277303"/>
-            <a:chExt cx="2993376" cy="2280771"/>
-          </a:xfrm>
-          <a:solidFill>
-            <a:schemeClr val="accent1"/>
-          </a:solidFill>
-        </p:grpSpPr>
-        <p:sp>
-          <p:nvSpPr>
-            <p:cNvPr id="56" name="Oval 26">
-              <a:extLst>
-                <a:ext uri="{FF2B5EF4-FFF2-40B4-BE49-F238E27FC236}">
-                  <a16:creationId xmlns="" xmlns:a16="http://schemas.microsoft.com/office/drawing/2014/main" id="{D288511F-3B42-4FD1-8D82-3A43BE4543D7}"/>
+                  <a16:creationId xmlns="" xmlns:a16="http://schemas.microsoft.com/office/drawing/2014/main" id="{FAD700A3-65B5-4A1C-9CB7-0A588A4BD0FC}"/>
                 </a:ext>
               </a:extLst>
             </p:cNvPr>
@@ -9382,523 +10294,41 @@
           </p:nvSpPr>
           <p:spPr>
             <a:xfrm>
-              <a:off x="1930011" y="4248541"/>
-              <a:ext cx="1584726" cy="1309533"/>
+              <a:off x="1858397" y="3422367"/>
+              <a:ext cx="10206369" cy="553998"/>
             </a:xfrm>
-            <a:prstGeom prst="ellipse">
+            <a:prstGeom prst="rect">
               <a:avLst/>
             </a:prstGeom>
-            <a:grpFill/>
-            <a:ln>
-              <a:noFill/>
-            </a:ln>
-          </p:spPr>
-          <p:style>
-            <a:lnRef idx="2">
-              <a:schemeClr val="accent1">
-                <a:shade val="50000"/>
-              </a:schemeClr>
-            </a:lnRef>
-            <a:fillRef idx="1">
-              <a:schemeClr val="accent1"/>
-            </a:fillRef>
-            <a:effectRef idx="0">
-              <a:schemeClr val="accent1"/>
-            </a:effectRef>
-            <a:fontRef idx="minor">
-              <a:schemeClr val="lt1"/>
-            </a:fontRef>
-          </p:style>
-          <p:txBody>
-            <a:bodyPr rtlCol="0" anchor="ctr"/>
-            <a:lstStyle/>
-            <a:p>
-              <a:pPr algn="ctr"/>
-              <a:r>
-                <a:rPr lang="en-US" altLang="zh-CN" sz="1600" dirty="0">
-                  <a:latin typeface="微软雅黑" panose="020B0503020204020204" pitchFamily="34" charset="-122"/>
-                  <a:ea typeface="微软雅黑" panose="020B0503020204020204" pitchFamily="34" charset="-122"/>
-                  <a:cs typeface="Arial" panose="020B0604020202020204" pitchFamily="34" charset="0"/>
-                  <a:sym typeface="+mn-lt"/>
-                </a:rPr>
-                <a:t>02</a:t>
-              </a:r>
-              <a:endParaRPr lang="en-AU" sz="1600" dirty="0">
-                <a:latin typeface="微软雅黑" panose="020B0503020204020204" pitchFamily="34" charset="-122"/>
-                <a:ea typeface="微软雅黑" panose="020B0503020204020204" pitchFamily="34" charset="-122"/>
-                <a:cs typeface="Arial" panose="020B0604020202020204" pitchFamily="34" charset="0"/>
-                <a:sym typeface="+mn-lt"/>
-              </a:endParaRPr>
-            </a:p>
-          </p:txBody>
-        </p:sp>
-        <p:sp>
-          <p:nvSpPr>
-            <p:cNvPr id="57" name="Freeform 6">
-              <a:extLst>
-                <a:ext uri="{FF2B5EF4-FFF2-40B4-BE49-F238E27FC236}">
-                  <a16:creationId xmlns="" xmlns:a16="http://schemas.microsoft.com/office/drawing/2014/main" id="{FDE6A219-BEB9-4B93-8F24-B91C9BD85C63}"/>
-                </a:ext>
-              </a:extLst>
-            </p:cNvPr>
-            <p:cNvSpPr>
-              <a:spLocks/>
-            </p:cNvSpPr>
-            <p:nvPr/>
-          </p:nvSpPr>
-          <p:spPr bwMode="auto">
-            <a:xfrm>
-              <a:off x="4874627" y="3277303"/>
-              <a:ext cx="48760" cy="100230"/>
-            </a:xfrm>
-            <a:custGeom>
-              <a:avLst/>
-              <a:gdLst>
-                <a:gd name="T0" fmla="*/ 18 w 18"/>
-                <a:gd name="T1" fmla="*/ 37 h 37"/>
-                <a:gd name="T2" fmla="*/ 18 w 18"/>
-                <a:gd name="T3" fmla="*/ 0 h 37"/>
-                <a:gd name="T4" fmla="*/ 0 w 18"/>
-                <a:gd name="T5" fmla="*/ 0 h 37"/>
-                <a:gd name="T6" fmla="*/ 0 w 18"/>
-                <a:gd name="T7" fmla="*/ 21 h 37"/>
-                <a:gd name="T8" fmla="*/ 18 w 18"/>
-                <a:gd name="T9" fmla="*/ 37 h 37"/>
-              </a:gdLst>
-              <a:ahLst/>
-              <a:cxnLst>
-                <a:cxn ang="0">
-                  <a:pos x="T0" y="T1"/>
-                </a:cxn>
-                <a:cxn ang="0">
-                  <a:pos x="T2" y="T3"/>
-                </a:cxn>
-                <a:cxn ang="0">
-                  <a:pos x="T4" y="T5"/>
-                </a:cxn>
-                <a:cxn ang="0">
-                  <a:pos x="T6" y="T7"/>
-                </a:cxn>
-                <a:cxn ang="0">
-                  <a:pos x="T8" y="T9"/>
-                </a:cxn>
-              </a:cxnLst>
-              <a:rect l="0" t="0" r="r" b="b"/>
-              <a:pathLst>
-                <a:path w="18" h="37">
-                  <a:moveTo>
-                    <a:pt x="18" y="37"/>
-                  </a:moveTo>
-                  <a:lnTo>
-                    <a:pt x="18" y="0"/>
-                  </a:lnTo>
-                  <a:lnTo>
-                    <a:pt x="0" y="0"/>
-                  </a:lnTo>
-                  <a:lnTo>
-                    <a:pt x="0" y="21"/>
-                  </a:lnTo>
-                  <a:lnTo>
-                    <a:pt x="18" y="37"/>
-                  </a:lnTo>
-                  <a:close/>
-                </a:path>
-              </a:pathLst>
-            </a:custGeom>
-            <a:grpFill/>
-            <a:ln>
-              <a:noFill/>
-            </a:ln>
-            <a:extLst>
-              <a:ext uri="{91240B29-F687-4F45-9708-019B960494DF}">
-                <a14:hiddenLine xmlns:a14="http://schemas.microsoft.com/office/drawing/2010/main" w="9525">
-                  <a:solidFill>
-                    <a:srgbClr val="000000"/>
-                  </a:solidFill>
-                  <a:round/>
-                  <a:headEnd/>
-                  <a:tailEnd/>
-                </a14:hiddenLine>
-              </a:ext>
-            </a:extLst>
           </p:spPr>
           <p:txBody>
-            <a:bodyPr vert="horz" wrap="square" lIns="128548" tIns="64274" rIns="128548" bIns="64274" numCol="1" anchor="t" anchorCtr="0" compatLnSpc="1">
-              <a:prstTxWarp prst="textNoShape">
-                <a:avLst/>
-              </a:prstTxWarp>
+            <a:bodyPr wrap="square">
+              <a:spAutoFit/>
             </a:bodyPr>
             <a:lstStyle/>
             <a:p>
-              <a:endParaRPr lang="en-US" sz="4400">
-                <a:latin typeface="Arial" panose="020B0604020202020204" pitchFamily="34" charset="0"/>
-                <a:cs typeface="Arial" panose="020B0604020202020204" pitchFamily="34" charset="0"/>
-                <a:sym typeface="+mn-lt"/>
+              <a:r>
+                <a:rPr lang="zh-CN" altLang="en-US" sz="3000" kern="100" dirty="0">
+                  <a:solidFill>
+                    <a:schemeClr val="accent6"/>
+                  </a:solidFill>
+                  <a:latin typeface="微软雅黑" panose="020B0503020204020204" pitchFamily="34" charset="-122"/>
+                  <a:ea typeface="微软雅黑" panose="020B0503020204020204" pitchFamily="34" charset="-122"/>
+                  <a:cs typeface="Calibri" panose="020F0502020204030204" pitchFamily="34" charset="0"/>
+                </a:rPr>
+                <a:t>由系统给定目标强度</a:t>
+              </a:r>
+              <a:endParaRPr lang="zh-CN" altLang="en-US" sz="3000" dirty="0">
+                <a:solidFill>
+                  <a:schemeClr val="accent6"/>
+                </a:solidFill>
+                <a:latin typeface="微软雅黑" panose="020B0503020204020204" pitchFamily="34" charset="-122"/>
+                <a:ea typeface="微软雅黑" panose="020B0503020204020204" pitchFamily="34" charset="-122"/>
               </a:endParaRPr>
             </a:p>
           </p:txBody>
         </p:sp>
       </p:grpSp>
-      <p:grpSp>
-        <p:nvGrpSpPr>
-          <p:cNvPr id="58" name="Group 42">
-            <a:extLst>
-              <a:ext uri="{FF2B5EF4-FFF2-40B4-BE49-F238E27FC236}">
-                <a16:creationId xmlns="" xmlns:a16="http://schemas.microsoft.com/office/drawing/2014/main" id="{7C1BFDA5-B16E-4C93-9F1D-603EDDBDA9CA}"/>
-              </a:ext>
-            </a:extLst>
-          </p:cNvPr>
-          <p:cNvGrpSpPr/>
-          <p:nvPr/>
-        </p:nvGrpSpPr>
-        <p:grpSpPr>
-          <a:xfrm>
-            <a:off x="1028775" y="5475957"/>
-            <a:ext cx="1152128" cy="876672"/>
-            <a:chOff x="1930011" y="3277303"/>
-            <a:chExt cx="2993376" cy="2280771"/>
-          </a:xfrm>
-          <a:solidFill>
-            <a:schemeClr val="accent1"/>
-          </a:solidFill>
-        </p:grpSpPr>
-        <p:sp>
-          <p:nvSpPr>
-            <p:cNvPr id="59" name="Oval 26">
-              <a:extLst>
-                <a:ext uri="{FF2B5EF4-FFF2-40B4-BE49-F238E27FC236}">
-                  <a16:creationId xmlns="" xmlns:a16="http://schemas.microsoft.com/office/drawing/2014/main" id="{B9B9F951-7180-48E4-9E74-D23B14F83589}"/>
-                </a:ext>
-              </a:extLst>
-            </p:cNvPr>
-            <p:cNvSpPr/>
-            <p:nvPr/>
-          </p:nvSpPr>
-          <p:spPr>
-            <a:xfrm>
-              <a:off x="1930011" y="4248541"/>
-              <a:ext cx="1584726" cy="1309533"/>
-            </a:xfrm>
-            <a:prstGeom prst="ellipse">
-              <a:avLst/>
-            </a:prstGeom>
-            <a:grpFill/>
-            <a:ln>
-              <a:noFill/>
-            </a:ln>
-          </p:spPr>
-          <p:style>
-            <a:lnRef idx="2">
-              <a:schemeClr val="accent1">
-                <a:shade val="50000"/>
-              </a:schemeClr>
-            </a:lnRef>
-            <a:fillRef idx="1">
-              <a:schemeClr val="accent1"/>
-            </a:fillRef>
-            <a:effectRef idx="0">
-              <a:schemeClr val="accent1"/>
-            </a:effectRef>
-            <a:fontRef idx="minor">
-              <a:schemeClr val="lt1"/>
-            </a:fontRef>
-          </p:style>
-          <p:txBody>
-            <a:bodyPr rtlCol="0" anchor="ctr"/>
-            <a:lstStyle/>
-            <a:p>
-              <a:pPr algn="ctr"/>
-              <a:r>
-                <a:rPr lang="en-US" altLang="zh-CN" sz="1600" dirty="0">
-                  <a:latin typeface="微软雅黑" panose="020B0503020204020204" pitchFamily="34" charset="-122"/>
-                  <a:ea typeface="微软雅黑" panose="020B0503020204020204" pitchFamily="34" charset="-122"/>
-                  <a:cs typeface="Arial" panose="020B0604020202020204" pitchFamily="34" charset="0"/>
-                  <a:sym typeface="+mn-lt"/>
-                </a:rPr>
-                <a:t>03</a:t>
-              </a:r>
-              <a:endParaRPr lang="en-AU" sz="1600" dirty="0">
-                <a:latin typeface="微软雅黑" panose="020B0503020204020204" pitchFamily="34" charset="-122"/>
-                <a:ea typeface="微软雅黑" panose="020B0503020204020204" pitchFamily="34" charset="-122"/>
-                <a:cs typeface="Arial" panose="020B0604020202020204" pitchFamily="34" charset="0"/>
-                <a:sym typeface="+mn-lt"/>
-              </a:endParaRPr>
-            </a:p>
-          </p:txBody>
-        </p:sp>
-        <p:sp>
-          <p:nvSpPr>
-            <p:cNvPr id="64" name="Freeform 6">
-              <a:extLst>
-                <a:ext uri="{FF2B5EF4-FFF2-40B4-BE49-F238E27FC236}">
-                  <a16:creationId xmlns="" xmlns:a16="http://schemas.microsoft.com/office/drawing/2014/main" id="{685F2ED2-5AC8-4C42-A480-47F0DEE558DE}"/>
-                </a:ext>
-              </a:extLst>
-            </p:cNvPr>
-            <p:cNvSpPr>
-              <a:spLocks/>
-            </p:cNvSpPr>
-            <p:nvPr/>
-          </p:nvSpPr>
-          <p:spPr bwMode="auto">
-            <a:xfrm>
-              <a:off x="4874627" y="3277303"/>
-              <a:ext cx="48760" cy="100230"/>
-            </a:xfrm>
-            <a:custGeom>
-              <a:avLst/>
-              <a:gdLst>
-                <a:gd name="T0" fmla="*/ 18 w 18"/>
-                <a:gd name="T1" fmla="*/ 37 h 37"/>
-                <a:gd name="T2" fmla="*/ 18 w 18"/>
-                <a:gd name="T3" fmla="*/ 0 h 37"/>
-                <a:gd name="T4" fmla="*/ 0 w 18"/>
-                <a:gd name="T5" fmla="*/ 0 h 37"/>
-                <a:gd name="T6" fmla="*/ 0 w 18"/>
-                <a:gd name="T7" fmla="*/ 21 h 37"/>
-                <a:gd name="T8" fmla="*/ 18 w 18"/>
-                <a:gd name="T9" fmla="*/ 37 h 37"/>
-              </a:gdLst>
-              <a:ahLst/>
-              <a:cxnLst>
-                <a:cxn ang="0">
-                  <a:pos x="T0" y="T1"/>
-                </a:cxn>
-                <a:cxn ang="0">
-                  <a:pos x="T2" y="T3"/>
-                </a:cxn>
-                <a:cxn ang="0">
-                  <a:pos x="T4" y="T5"/>
-                </a:cxn>
-                <a:cxn ang="0">
-                  <a:pos x="T6" y="T7"/>
-                </a:cxn>
-                <a:cxn ang="0">
-                  <a:pos x="T8" y="T9"/>
-                </a:cxn>
-              </a:cxnLst>
-              <a:rect l="0" t="0" r="r" b="b"/>
-              <a:pathLst>
-                <a:path w="18" h="37">
-                  <a:moveTo>
-                    <a:pt x="18" y="37"/>
-                  </a:moveTo>
-                  <a:lnTo>
-                    <a:pt x="18" y="0"/>
-                  </a:lnTo>
-                  <a:lnTo>
-                    <a:pt x="0" y="0"/>
-                  </a:lnTo>
-                  <a:lnTo>
-                    <a:pt x="0" y="21"/>
-                  </a:lnTo>
-                  <a:lnTo>
-                    <a:pt x="18" y="37"/>
-                  </a:lnTo>
-                  <a:close/>
-                </a:path>
-              </a:pathLst>
-            </a:custGeom>
-            <a:grpFill/>
-            <a:ln>
-              <a:noFill/>
-            </a:ln>
-            <a:extLst>
-              <a:ext uri="{91240B29-F687-4F45-9708-019B960494DF}">
-                <a14:hiddenLine xmlns:a14="http://schemas.microsoft.com/office/drawing/2010/main" w="9525">
-                  <a:solidFill>
-                    <a:srgbClr val="000000"/>
-                  </a:solidFill>
-                  <a:round/>
-                  <a:headEnd/>
-                  <a:tailEnd/>
-                </a14:hiddenLine>
-              </a:ext>
-            </a:extLst>
-          </p:spPr>
-          <p:txBody>
-            <a:bodyPr vert="horz" wrap="square" lIns="128548" tIns="64274" rIns="128548" bIns="64274" numCol="1" anchor="t" anchorCtr="0" compatLnSpc="1">
-              <a:prstTxWarp prst="textNoShape">
-                <a:avLst/>
-              </a:prstTxWarp>
-            </a:bodyPr>
-            <a:lstStyle/>
-            <a:p>
-              <a:endParaRPr lang="en-US" sz="4400">
-                <a:latin typeface="Arial" panose="020B0604020202020204" pitchFamily="34" charset="0"/>
-                <a:cs typeface="Arial" panose="020B0604020202020204" pitchFamily="34" charset="0"/>
-                <a:sym typeface="+mn-lt"/>
-              </a:endParaRPr>
-            </a:p>
-          </p:txBody>
-        </p:sp>
-      </p:grpSp>
-      <p:sp>
-        <p:nvSpPr>
-          <p:cNvPr id="65" name="文本框 64">
-            <a:extLst>
-              <a:ext uri="{FF2B5EF4-FFF2-40B4-BE49-F238E27FC236}">
-                <a16:creationId xmlns="" xmlns:a16="http://schemas.microsoft.com/office/drawing/2014/main" id="{FB164F52-C955-46A7-8517-911E7BBBF3D6}"/>
-              </a:ext>
-            </a:extLst>
-          </p:cNvPr>
-          <p:cNvSpPr txBox="1"/>
-          <p:nvPr/>
-        </p:nvSpPr>
-        <p:spPr>
-          <a:xfrm>
-            <a:off x="2090128" y="4317241"/>
-            <a:ext cx="8496944" cy="523220"/>
-          </a:xfrm>
-          <a:prstGeom prst="rect">
-            <a:avLst/>
-          </a:prstGeom>
-          <a:noFill/>
-        </p:spPr>
-        <p:txBody>
-          <a:bodyPr wrap="square" rtlCol="0">
-            <a:spAutoFit/>
-          </a:bodyPr>
-          <a:lstStyle/>
-          <a:p>
-            <a:r>
-              <a:rPr lang="zh-CN" altLang="zh-CN" sz="2800" kern="100" dirty="0">
-                <a:solidFill>
-                  <a:schemeClr val="accent6">
-                    <a:lumMod val="90000"/>
-                    <a:lumOff val="10000"/>
-                  </a:schemeClr>
-                </a:solidFill>
-                <a:latin typeface="微软雅黑" panose="020B0503020204020204" pitchFamily="34" charset="-122"/>
-                <a:ea typeface="微软雅黑" panose="020B0503020204020204" pitchFamily="34" charset="-122"/>
-                <a:cs typeface="Calibri" panose="020F0502020204030204" pitchFamily="34" charset="0"/>
-              </a:rPr>
-              <a:t>基于传统电流保护的改进</a:t>
-            </a:r>
-            <a:endParaRPr lang="zh-CN" altLang="en-US" sz="2800" dirty="0">
-              <a:solidFill>
-                <a:schemeClr val="accent6">
-                  <a:lumMod val="90000"/>
-                  <a:lumOff val="10000"/>
-                </a:schemeClr>
-              </a:solidFill>
-              <a:latin typeface="微软雅黑" panose="020B0503020204020204" pitchFamily="34" charset="-122"/>
-              <a:ea typeface="微软雅黑" panose="020B0503020204020204" pitchFamily="34" charset="-122"/>
-            </a:endParaRPr>
-          </a:p>
-        </p:txBody>
-      </p:sp>
-      <p:sp>
-        <p:nvSpPr>
-          <p:cNvPr id="67" name="文本框 66">
-            <a:extLst>
-              <a:ext uri="{FF2B5EF4-FFF2-40B4-BE49-F238E27FC236}">
-                <a16:creationId xmlns="" xmlns:a16="http://schemas.microsoft.com/office/drawing/2014/main" id="{F4881F2E-E2C3-4DCC-A56D-756C85974F9C}"/>
-              </a:ext>
-            </a:extLst>
-          </p:cNvPr>
-          <p:cNvSpPr txBox="1"/>
-          <p:nvPr/>
-        </p:nvSpPr>
-        <p:spPr>
-          <a:xfrm>
-            <a:off x="2084423" y="5109329"/>
-            <a:ext cx="8496944" cy="523220"/>
-          </a:xfrm>
-          <a:prstGeom prst="rect">
-            <a:avLst/>
-          </a:prstGeom>
-          <a:noFill/>
-        </p:spPr>
-        <p:txBody>
-          <a:bodyPr wrap="square" rtlCol="0">
-            <a:spAutoFit/>
-          </a:bodyPr>
-          <a:lstStyle/>
-          <a:p>
-            <a:r>
-              <a:rPr lang="zh-CN" altLang="zh-CN" sz="2800" kern="100" dirty="0">
-                <a:solidFill>
-                  <a:schemeClr val="accent6">
-                    <a:lumMod val="90000"/>
-                    <a:lumOff val="10000"/>
-                  </a:schemeClr>
-                </a:solidFill>
-                <a:latin typeface="微软雅黑" panose="020B0503020204020204" pitchFamily="34" charset="-122"/>
-                <a:ea typeface="微软雅黑" panose="020B0503020204020204" pitchFamily="34" charset="-122"/>
-                <a:cs typeface="Calibri" panose="020F0502020204030204" pitchFamily="34" charset="0"/>
-              </a:rPr>
-              <a:t>引入输电网的保护原理（其中以纵联保护最为常见）</a:t>
-            </a:r>
-            <a:endParaRPr lang="zh-CN" altLang="en-US" sz="2800" dirty="0">
-              <a:solidFill>
-                <a:schemeClr val="accent6">
-                  <a:lumMod val="90000"/>
-                  <a:lumOff val="10000"/>
-                </a:schemeClr>
-              </a:solidFill>
-              <a:latin typeface="微软雅黑" panose="020B0503020204020204" pitchFamily="34" charset="-122"/>
-              <a:ea typeface="微软雅黑" panose="020B0503020204020204" pitchFamily="34" charset="-122"/>
-            </a:endParaRPr>
-          </a:p>
-        </p:txBody>
-      </p:sp>
-      <p:sp>
-        <p:nvSpPr>
-          <p:cNvPr id="9" name="矩形 8">
-            <a:extLst>
-              <a:ext uri="{FF2B5EF4-FFF2-40B4-BE49-F238E27FC236}">
-                <a16:creationId xmlns="" xmlns:a16="http://schemas.microsoft.com/office/drawing/2014/main" id="{1E412A8D-53CC-4D78-BD7B-1BA5616CA8AF}"/>
-              </a:ext>
-            </a:extLst>
-          </p:cNvPr>
-          <p:cNvSpPr/>
-          <p:nvPr/>
-        </p:nvSpPr>
-        <p:spPr>
-          <a:xfrm>
-            <a:off x="2090128" y="5829409"/>
-            <a:ext cx="4852610" cy="523220"/>
-          </a:xfrm>
-          <a:prstGeom prst="rect">
-            <a:avLst/>
-          </a:prstGeom>
-          <a:noFill/>
-        </p:spPr>
-        <p:txBody>
-          <a:bodyPr wrap="square" rtlCol="0">
-            <a:spAutoFit/>
-          </a:bodyPr>
-          <a:lstStyle/>
-          <a:p>
-            <a:r>
-              <a:rPr lang="zh-CN" altLang="zh-CN" sz="2800" kern="100" dirty="0">
-                <a:solidFill>
-                  <a:schemeClr val="accent6">
-                    <a:lumMod val="90000"/>
-                    <a:lumOff val="10000"/>
-                  </a:schemeClr>
-                </a:solidFill>
-                <a:latin typeface="微软雅黑" panose="020B0503020204020204" pitchFamily="34" charset="-122"/>
-                <a:ea typeface="微软雅黑" panose="020B0503020204020204" pitchFamily="34" charset="-122"/>
-                <a:cs typeface="Calibri" panose="020F0502020204030204" pitchFamily="34" charset="0"/>
-              </a:rPr>
-              <a:t>基于通信技术来实现广域保护</a:t>
-            </a:r>
-            <a:endParaRPr lang="zh-CN" altLang="en-US" sz="2800" kern="100" dirty="0">
-              <a:solidFill>
-                <a:schemeClr val="accent6">
-                  <a:lumMod val="90000"/>
-                  <a:lumOff val="10000"/>
-                </a:schemeClr>
-              </a:solidFill>
-              <a:latin typeface="微软雅黑" panose="020B0503020204020204" pitchFamily="34" charset="-122"/>
-              <a:ea typeface="微软雅黑" panose="020B0503020204020204" pitchFamily="34" charset="-122"/>
-              <a:cs typeface="Calibri" panose="020F0502020204030204" pitchFamily="34" charset="0"/>
-            </a:endParaRPr>
-          </a:p>
-        </p:txBody>
-      </p:sp>
       <p:sp>
         <p:nvSpPr>
           <p:cNvPr id="10" name="文本框 9">
@@ -9914,7 +10344,7 @@
         <p:spPr>
           <a:xfrm>
             <a:off x="884758" y="1098947"/>
-            <a:ext cx="11665297" cy="1077218"/>
+            <a:ext cx="11665297" cy="584775"/>
           </a:xfrm>
           <a:prstGeom prst="rect">
             <a:avLst/>
@@ -9928,7 +10358,7 @@
           <a:lstStyle/>
           <a:p>
             <a:r>
-              <a:rPr lang="zh-CN" altLang="zh-CN" sz="3200" dirty="0">
+              <a:rPr lang="zh-CN" altLang="en-US" sz="3200" dirty="0" smtClean="0">
                 <a:solidFill>
                   <a:schemeClr val="accent6">
                     <a:lumMod val="90000"/>
@@ -9939,50 +10369,165 @@
                 <a:ea typeface="微软雅黑" panose="020B0503020204020204" pitchFamily="34" charset="-122"/>
                 <a:cs typeface="+mn-ea"/>
               </a:rPr>
-              <a:t>现阶段对分布式电源接入配电网带来的继电保护的研究，大体可以分为</a:t>
-            </a:r>
-            <a:r>
-              <a:rPr lang="zh-CN" altLang="en-US" sz="3200" dirty="0">
-                <a:solidFill>
-                  <a:schemeClr val="accent6">
-                    <a:lumMod val="90000"/>
-                    <a:lumOff val="10000"/>
-                  </a:schemeClr>
-                </a:solidFill>
-                <a:latin typeface="微软雅黑" panose="020B0503020204020204" pitchFamily="34" charset="-122"/>
-                <a:ea typeface="微软雅黑" panose="020B0503020204020204" pitchFamily="34" charset="-122"/>
-                <a:cs typeface="+mn-ea"/>
-              </a:rPr>
-              <a:t>以下</a:t>
-            </a:r>
-            <a:r>
-              <a:rPr lang="zh-CN" altLang="zh-CN" sz="3200" dirty="0">
-                <a:solidFill>
-                  <a:schemeClr val="accent6">
-                    <a:lumMod val="90000"/>
-                    <a:lumOff val="10000"/>
-                  </a:schemeClr>
-                </a:solidFill>
-                <a:latin typeface="微软雅黑" panose="020B0503020204020204" pitchFamily="34" charset="-122"/>
-                <a:ea typeface="微软雅黑" panose="020B0503020204020204" pitchFamily="34" charset="-122"/>
-                <a:cs typeface="+mn-ea"/>
-              </a:rPr>
-              <a:t>两种</a:t>
-            </a:r>
-            <a:r>
-              <a:rPr lang="zh-CN" altLang="en-US" sz="3200" dirty="0">
-                <a:solidFill>
-                  <a:schemeClr val="accent6">
-                    <a:lumMod val="90000"/>
-                    <a:lumOff val="10000"/>
-                  </a:schemeClr>
-                </a:solidFill>
-                <a:latin typeface="微软雅黑" panose="020B0503020204020204" pitchFamily="34" charset="-122"/>
-                <a:ea typeface="微软雅黑" panose="020B0503020204020204" pitchFamily="34" charset="-122"/>
-                <a:cs typeface="+mn-ea"/>
-              </a:rPr>
-              <a:t>：</a:t>
-            </a:r>
+              <a:t>现阶段对跑步机调速优化分为两种：</a:t>
+            </a:r>
+            <a:endParaRPr lang="zh-CN" altLang="en-US" sz="3200" dirty="0">
+              <a:solidFill>
+                <a:schemeClr val="accent6">
+                  <a:lumMod val="90000"/>
+                  <a:lumOff val="10000"/>
+                </a:schemeClr>
+              </a:solidFill>
+              <a:latin typeface="微软雅黑" panose="020B0503020204020204" pitchFamily="34" charset="-122"/>
+              <a:ea typeface="微软雅黑" panose="020B0503020204020204" pitchFamily="34" charset="-122"/>
+              <a:cs typeface="+mn-ea"/>
+            </a:endParaRPr>
+          </a:p>
+        </p:txBody>
+      </p:sp>
+      <p:sp>
+        <p:nvSpPr>
+          <p:cNvPr id="3" name="TextBox 2"/>
+          <p:cNvSpPr txBox="1"/>
+          <p:nvPr/>
+        </p:nvSpPr>
+        <p:spPr>
+          <a:xfrm>
+            <a:off x="2036887" y="3256285"/>
+            <a:ext cx="7056784" cy="1477328"/>
+          </a:xfrm>
+          <a:prstGeom prst="rect">
+            <a:avLst/>
+          </a:prstGeom>
+          <a:noFill/>
+        </p:spPr>
+        <p:txBody>
+          <a:bodyPr wrap="square" rtlCol="0">
+            <a:spAutoFit/>
+          </a:bodyPr>
+          <a:lstStyle/>
+          <a:p>
+            <a:r>
+              <a:rPr lang="zh-CN" altLang="en-US" dirty="0" smtClean="0"/>
+              <a:t>图像法，通过摄像头评估人体姿态，调整跑步机速度</a:t>
+            </a:r>
+            <a:endParaRPr lang="en-US" altLang="zh-CN" dirty="0" smtClean="0"/>
+          </a:p>
+          <a:p>
+            <a:r>
+              <a:rPr lang="zh-CN" altLang="en-US" dirty="0"/>
+              <a:t>压力法，采集压力信号，预测人体运动</a:t>
+            </a:r>
+            <a:r>
+              <a:rPr lang="zh-CN" altLang="en-US" dirty="0" smtClean="0"/>
+              <a:t>规律</a:t>
+            </a:r>
+            <a:endParaRPr lang="en-US" altLang="zh-CN" dirty="0" smtClean="0"/>
+          </a:p>
+          <a:p>
+            <a:r>
+              <a:rPr lang="zh-CN" altLang="en-US" dirty="0"/>
+              <a:t>测距法，测量人体处于跑步机履带位置，动态调整转速</a:t>
+            </a:r>
+          </a:p>
+          <a:p>
+            <a:endParaRPr lang="zh-CN" altLang="en-US" dirty="0"/>
+          </a:p>
+          <a:p>
+            <a:endParaRPr lang="zh-CN" altLang="en-US" dirty="0"/>
+          </a:p>
+        </p:txBody>
+      </p:sp>
+      <p:sp>
+        <p:nvSpPr>
+          <p:cNvPr id="12" name="TextBox 11"/>
+          <p:cNvSpPr txBox="1"/>
+          <p:nvPr/>
+        </p:nvSpPr>
+        <p:spPr>
+          <a:xfrm>
+            <a:off x="2024948" y="5344517"/>
+            <a:ext cx="5184576" cy="1477328"/>
+          </a:xfrm>
+          <a:prstGeom prst="rect">
+            <a:avLst/>
+          </a:prstGeom>
+          <a:noFill/>
+        </p:spPr>
+        <p:txBody>
+          <a:bodyPr wrap="square" rtlCol="0">
+            <a:spAutoFit/>
+          </a:bodyPr>
+          <a:lstStyle/>
+          <a:p>
+            <a:r>
+              <a:rPr lang="zh-CN" altLang="en-US" dirty="0" smtClean="0"/>
+              <a:t>心率 通过心率波动判断运动强度，调节转速</a:t>
+            </a:r>
+            <a:endParaRPr lang="en-US" altLang="zh-CN" dirty="0" smtClean="0"/>
+          </a:p>
+          <a:p>
+            <a:r>
+              <a:rPr lang="zh-CN" altLang="en-US" dirty="0"/>
+              <a:t>呼吸 根据跑步者耗氧量评估运动</a:t>
+            </a:r>
+            <a:r>
+              <a:rPr lang="zh-CN" altLang="en-US" dirty="0" smtClean="0"/>
+              <a:t>强度</a:t>
+            </a:r>
+            <a:endParaRPr lang="en-US" altLang="zh-CN" dirty="0" smtClean="0"/>
+          </a:p>
+          <a:p>
+            <a:r>
+              <a:rPr lang="zh-CN" altLang="en-US" dirty="0"/>
+              <a:t>步频，加速度等</a:t>
+            </a:r>
+          </a:p>
+          <a:p>
+            <a:endParaRPr lang="zh-CN" altLang="en-US" dirty="0"/>
+          </a:p>
+          <a:p>
+            <a:endParaRPr lang="zh-CN" altLang="en-US" dirty="0"/>
+          </a:p>
+        </p:txBody>
+      </p:sp>
+      <p:sp>
+        <p:nvSpPr>
+          <p:cNvPr id="17" name="TextBox 16"/>
+          <p:cNvSpPr txBox="1"/>
+          <p:nvPr/>
+        </p:nvSpPr>
+        <p:spPr>
+          <a:xfrm>
+            <a:off x="8229575" y="4744352"/>
+            <a:ext cx="3024336" cy="1200329"/>
+          </a:xfrm>
+          <a:prstGeom prst="rect">
+            <a:avLst/>
+          </a:prstGeom>
+          <a:noFill/>
+        </p:spPr>
+        <p:txBody>
+          <a:bodyPr wrap="square" rtlCol="0">
+            <a:spAutoFit/>
+          </a:bodyPr>
+          <a:lstStyle/>
+          <a:p>
+            <a:r>
+              <a:rPr lang="zh-CN" altLang="en-US" dirty="0" smtClean="0"/>
+              <a:t>缺点：</a:t>
+            </a:r>
+            <a:endParaRPr lang="en-US" altLang="zh-CN" dirty="0" smtClean="0"/>
+          </a:p>
+          <a:p>
+            <a:r>
+              <a:rPr lang="zh-CN" altLang="en-US" dirty="0"/>
+              <a:t>只针对单一传感器，无法得到人体准确的运动状态</a:t>
+            </a:r>
+            <a:endParaRPr lang="en-US" altLang="zh-CN" dirty="0"/>
+          </a:p>
+          <a:p>
+            <a:endParaRPr lang="zh-CN" altLang="en-US" dirty="0"/>
           </a:p>
         </p:txBody>
       </p:sp>
@@ -10004,805 +10549,17 @@
       <p:transition advTm="0"/>
     </mc:Fallback>
   </mc:AlternateContent>
+  <p:timing>
+    <p:tnLst>
+      <p:par>
+        <p:cTn id="1" dur="indefinite" restart="never" nodeType="tmRoot"/>
+      </p:par>
+    </p:tnLst>
+  </p:timing>
 </p:sld>
 </file>
 
 <file path=ppt/slides/slide7.xml><?xml version="1.0" encoding="utf-8"?>
-<p:sld xmlns:a="http://schemas.openxmlformats.org/drawingml/2006/main" xmlns:r="http://schemas.openxmlformats.org/officeDocument/2006/relationships" xmlns:p="http://schemas.openxmlformats.org/presentationml/2006/main">
-  <p:cSld>
-    <p:spTree>
-      <p:nvGrpSpPr>
-        <p:cNvPr id="1" name=""/>
-        <p:cNvGrpSpPr/>
-        <p:nvPr/>
-      </p:nvGrpSpPr>
-      <p:grpSpPr>
-        <a:xfrm>
-          <a:off x="0" y="0"/>
-          <a:ext cx="0" cy="0"/>
-          <a:chOff x="0" y="0"/>
-          <a:chExt cx="0" cy="0"/>
-        </a:xfrm>
-      </p:grpSpPr>
-      <p:sp>
-        <p:nvSpPr>
-          <p:cNvPr id="109" name="Oval 108"/>
-          <p:cNvSpPr>
-            <a:spLocks noChangeAspect="1"/>
-          </p:cNvSpPr>
-          <p:nvPr/>
-        </p:nvSpPr>
-        <p:spPr>
-          <a:xfrm>
-            <a:off x="1170243" y="2317633"/>
-            <a:ext cx="578612" cy="578612"/>
-          </a:xfrm>
-          <a:prstGeom prst="ellipse">
-            <a:avLst/>
-          </a:prstGeom>
-          <a:solidFill>
-            <a:schemeClr val="accent4"/>
-          </a:solidFill>
-          <a:ln w="38100">
-            <a:noFill/>
-          </a:ln>
-        </p:spPr>
-        <p:style>
-          <a:lnRef idx="2">
-            <a:schemeClr val="accent1">
-              <a:shade val="50000"/>
-            </a:schemeClr>
-          </a:lnRef>
-          <a:fillRef idx="1">
-            <a:schemeClr val="accent1"/>
-          </a:fillRef>
-          <a:effectRef idx="0">
-            <a:schemeClr val="accent1"/>
-          </a:effectRef>
-          <a:fontRef idx="minor">
-            <a:schemeClr val="lt1"/>
-          </a:fontRef>
-        </p:style>
-        <p:txBody>
-          <a:bodyPr lIns="0" tIns="0" rIns="0" bIns="0" rtlCol="0" anchor="ctr"/>
-          <a:lstStyle/>
-          <a:p>
-            <a:pPr algn="ctr">
-              <a:lnSpc>
-                <a:spcPct val="120000"/>
-              </a:lnSpc>
-              <a:spcBef>
-                <a:spcPts val="0"/>
-              </a:spcBef>
-              <a:spcAft>
-                <a:spcPts val="0"/>
-              </a:spcAft>
-            </a:pPr>
-            <a:r>
-              <a:rPr lang="en-AU" dirty="0">
-                <a:solidFill>
-                  <a:schemeClr val="bg1"/>
-                </a:solidFill>
-                <a:latin typeface="Arial" panose="020B0604020202020204" pitchFamily="34" charset="0"/>
-                <a:ea typeface="微软雅黑" panose="020B0503020204020204" pitchFamily="34" charset="-122"/>
-                <a:cs typeface="+mn-ea"/>
-                <a:sym typeface="Arial" panose="020B0604020202020204" pitchFamily="34" charset="0"/>
-              </a:rPr>
-              <a:t>1</a:t>
-            </a:r>
-            <a:endParaRPr lang="en-US" dirty="0">
-              <a:solidFill>
-                <a:schemeClr val="bg1"/>
-              </a:solidFill>
-              <a:latin typeface="Arial" panose="020B0604020202020204" pitchFamily="34" charset="0"/>
-              <a:ea typeface="微软雅黑" panose="020B0503020204020204" pitchFamily="34" charset="-122"/>
-              <a:cs typeface="+mn-ea"/>
-              <a:sym typeface="Arial" panose="020B0604020202020204" pitchFamily="34" charset="0"/>
-            </a:endParaRPr>
-          </a:p>
-        </p:txBody>
-      </p:sp>
-      <p:sp>
-        <p:nvSpPr>
-          <p:cNvPr id="112" name="Oval 111"/>
-          <p:cNvSpPr>
-            <a:spLocks noChangeAspect="1"/>
-          </p:cNvSpPr>
-          <p:nvPr/>
-        </p:nvSpPr>
-        <p:spPr>
-          <a:xfrm>
-            <a:off x="1170243" y="3181729"/>
-            <a:ext cx="578612" cy="578612"/>
-          </a:xfrm>
-          <a:prstGeom prst="ellipse">
-            <a:avLst/>
-          </a:prstGeom>
-          <a:solidFill>
-            <a:schemeClr val="accent4"/>
-          </a:solidFill>
-          <a:ln w="38100">
-            <a:noFill/>
-          </a:ln>
-        </p:spPr>
-        <p:style>
-          <a:lnRef idx="2">
-            <a:schemeClr val="accent1">
-              <a:shade val="50000"/>
-            </a:schemeClr>
-          </a:lnRef>
-          <a:fillRef idx="1">
-            <a:schemeClr val="accent1"/>
-          </a:fillRef>
-          <a:effectRef idx="0">
-            <a:schemeClr val="accent1"/>
-          </a:effectRef>
-          <a:fontRef idx="minor">
-            <a:schemeClr val="lt1"/>
-          </a:fontRef>
-        </p:style>
-        <p:txBody>
-          <a:bodyPr lIns="0" tIns="0" rIns="0" bIns="0" rtlCol="0" anchor="ctr"/>
-          <a:lstStyle/>
-          <a:p>
-            <a:pPr algn="ctr">
-              <a:lnSpc>
-                <a:spcPct val="120000"/>
-              </a:lnSpc>
-              <a:spcBef>
-                <a:spcPts val="0"/>
-              </a:spcBef>
-              <a:spcAft>
-                <a:spcPts val="0"/>
-              </a:spcAft>
-            </a:pPr>
-            <a:r>
-              <a:rPr lang="en-AU" dirty="0">
-                <a:solidFill>
-                  <a:schemeClr val="bg1"/>
-                </a:solidFill>
-                <a:latin typeface="Arial" panose="020B0604020202020204" pitchFamily="34" charset="0"/>
-                <a:ea typeface="微软雅黑" panose="020B0503020204020204" pitchFamily="34" charset="-122"/>
-                <a:cs typeface="+mn-ea"/>
-                <a:sym typeface="Arial" panose="020B0604020202020204" pitchFamily="34" charset="0"/>
-              </a:rPr>
-              <a:t>2</a:t>
-            </a:r>
-            <a:endParaRPr lang="en-US" dirty="0">
-              <a:solidFill>
-                <a:schemeClr val="bg1"/>
-              </a:solidFill>
-              <a:latin typeface="Arial" panose="020B0604020202020204" pitchFamily="34" charset="0"/>
-              <a:ea typeface="微软雅黑" panose="020B0503020204020204" pitchFamily="34" charset="-122"/>
-              <a:cs typeface="+mn-ea"/>
-              <a:sym typeface="Arial" panose="020B0604020202020204" pitchFamily="34" charset="0"/>
-            </a:endParaRPr>
-          </a:p>
-        </p:txBody>
-      </p:sp>
-      <p:sp>
-        <p:nvSpPr>
-          <p:cNvPr id="45" name="标题 4"/>
-          <p:cNvSpPr txBox="1">
-            <a:spLocks/>
-          </p:cNvSpPr>
-          <p:nvPr/>
-        </p:nvSpPr>
-        <p:spPr>
-          <a:xfrm>
-            <a:off x="884758" y="235754"/>
-            <a:ext cx="6192689" cy="428243"/>
-          </a:xfrm>
-          <a:prstGeom prst="rect">
-            <a:avLst/>
-          </a:prstGeom>
-        </p:spPr>
-        <p:txBody>
-          <a:bodyPr vert="horz" lIns="96416" tIns="48208" rIns="96416" bIns="48208" rtlCol="0" anchor="ctr">
-            <a:noAutofit/>
-          </a:bodyPr>
-          <a:lstStyle>
-            <a:lvl1pPr algn="ctr" defTabSz="914400" rtl="0" eaLnBrk="1" latinLnBrk="0" hangingPunct="1">
-              <a:spcBef>
-                <a:spcPct val="0"/>
-              </a:spcBef>
-              <a:buNone/>
-              <a:defRPr sz="4400" kern="1200">
-                <a:solidFill>
-                  <a:schemeClr val="tx1"/>
-                </a:solidFill>
-                <a:latin typeface="+mj-lt"/>
-                <a:ea typeface="+mj-ea"/>
-                <a:cs typeface="+mj-cs"/>
-              </a:defRPr>
-            </a:lvl1pPr>
-          </a:lstStyle>
-          <a:p>
-            <a:pPr algn="l"/>
-            <a:r>
-              <a:rPr lang="zh-CN" altLang="en-US" sz="3600" dirty="0">
-                <a:solidFill>
-                  <a:schemeClr val="accent6">
-                    <a:lumMod val="90000"/>
-                    <a:lumOff val="10000"/>
-                  </a:schemeClr>
-                </a:solidFill>
-                <a:latin typeface="微软雅黑" panose="020B0503020204020204" pitchFamily="34" charset="-122"/>
-                <a:ea typeface="微软雅黑" panose="020B0503020204020204" pitchFamily="34" charset="-122"/>
-                <a:cs typeface="+mn-ea"/>
-                <a:sym typeface="+mn-lt"/>
-              </a:rPr>
-              <a:t>现阶段研究存在的问题</a:t>
-            </a:r>
-            <a:endParaRPr lang="en-US" altLang="zh-CN" sz="3600" dirty="0">
-              <a:solidFill>
-                <a:schemeClr val="accent6">
-                  <a:lumMod val="90000"/>
-                  <a:lumOff val="10000"/>
-                </a:schemeClr>
-              </a:solidFill>
-              <a:latin typeface="微软雅黑" panose="020B0503020204020204" pitchFamily="34" charset="-122"/>
-              <a:ea typeface="微软雅黑" panose="020B0503020204020204" pitchFamily="34" charset="-122"/>
-              <a:cs typeface="+mn-ea"/>
-              <a:sym typeface="+mn-lt"/>
-            </a:endParaRPr>
-          </a:p>
-        </p:txBody>
-      </p:sp>
-      <p:sp>
-        <p:nvSpPr>
-          <p:cNvPr id="7" name="矩形 6">
-            <a:extLst>
-              <a:ext uri="{FF2B5EF4-FFF2-40B4-BE49-F238E27FC236}">
-                <a16:creationId xmlns="" xmlns:a16="http://schemas.microsoft.com/office/drawing/2014/main" id="{679A3138-A048-4BE6-B5D0-73DE54F662CA}"/>
-              </a:ext>
-            </a:extLst>
-          </p:cNvPr>
-          <p:cNvSpPr/>
-          <p:nvPr/>
-        </p:nvSpPr>
-        <p:spPr>
-          <a:xfrm>
-            <a:off x="0" y="736005"/>
-            <a:ext cx="12694071" cy="59047"/>
-          </a:xfrm>
-          <a:prstGeom prst="rect">
-            <a:avLst/>
-          </a:prstGeom>
-        </p:spPr>
-        <p:style>
-          <a:lnRef idx="2">
-            <a:schemeClr val="accent1">
-              <a:shade val="50000"/>
-            </a:schemeClr>
-          </a:lnRef>
-          <a:fillRef idx="1">
-            <a:schemeClr val="accent1"/>
-          </a:fillRef>
-          <a:effectRef idx="0">
-            <a:schemeClr val="accent1"/>
-          </a:effectRef>
-          <a:fontRef idx="minor">
-            <a:schemeClr val="lt1"/>
-          </a:fontRef>
-        </p:style>
-        <p:txBody>
-          <a:bodyPr rtlCol="0" anchor="ctr"/>
-          <a:lstStyle/>
-          <a:p>
-            <a:pPr algn="ctr"/>
-            <a:endParaRPr lang="zh-CN" altLang="en-US"/>
-          </a:p>
-        </p:txBody>
-      </p:sp>
-      <p:sp>
-        <p:nvSpPr>
-          <p:cNvPr id="4" name="矩形 3">
-            <a:extLst>
-              <a:ext uri="{FF2B5EF4-FFF2-40B4-BE49-F238E27FC236}">
-                <a16:creationId xmlns="" xmlns:a16="http://schemas.microsoft.com/office/drawing/2014/main" id="{5F600B10-DFEC-4912-B550-CD5AF45FF609}"/>
-              </a:ext>
-            </a:extLst>
-          </p:cNvPr>
-          <p:cNvSpPr/>
-          <p:nvPr/>
-        </p:nvSpPr>
-        <p:spPr>
-          <a:xfrm>
-            <a:off x="380703" y="-1"/>
-            <a:ext cx="72008" cy="1024037"/>
-          </a:xfrm>
-          <a:prstGeom prst="rect">
-            <a:avLst/>
-          </a:prstGeom>
-        </p:spPr>
-        <p:style>
-          <a:lnRef idx="2">
-            <a:schemeClr val="dk1">
-              <a:shade val="50000"/>
-            </a:schemeClr>
-          </a:lnRef>
-          <a:fillRef idx="1">
-            <a:schemeClr val="dk1"/>
-          </a:fillRef>
-          <a:effectRef idx="0">
-            <a:schemeClr val="dk1"/>
-          </a:effectRef>
-          <a:fontRef idx="minor">
-            <a:schemeClr val="lt1"/>
-          </a:fontRef>
-        </p:style>
-        <p:txBody>
-          <a:bodyPr rtlCol="0" anchor="ctr"/>
-          <a:lstStyle/>
-          <a:p>
-            <a:pPr algn="ctr"/>
-            <a:endParaRPr lang="zh-CN" altLang="en-US"/>
-          </a:p>
-        </p:txBody>
-      </p:sp>
-      <p:sp>
-        <p:nvSpPr>
-          <p:cNvPr id="5" name="文本框 4">
-            <a:extLst>
-              <a:ext uri="{FF2B5EF4-FFF2-40B4-BE49-F238E27FC236}">
-                <a16:creationId xmlns="" xmlns:a16="http://schemas.microsoft.com/office/drawing/2014/main" id="{DCDB714C-71F7-4AF9-A31D-C9D625B5469A}"/>
-              </a:ext>
-            </a:extLst>
-          </p:cNvPr>
-          <p:cNvSpPr txBox="1"/>
-          <p:nvPr/>
-        </p:nvSpPr>
-        <p:spPr>
-          <a:xfrm>
-            <a:off x="2252911" y="2342247"/>
-            <a:ext cx="10081120" cy="553998"/>
-          </a:xfrm>
-          <a:prstGeom prst="rect">
-            <a:avLst/>
-          </a:prstGeom>
-          <a:noFill/>
-        </p:spPr>
-        <p:txBody>
-          <a:bodyPr wrap="square" rtlCol="0">
-            <a:spAutoFit/>
-          </a:bodyPr>
-          <a:lstStyle/>
-          <a:p>
-            <a:r>
-              <a:rPr lang="zh-CN" altLang="en-US" sz="3000" dirty="0">
-                <a:solidFill>
-                  <a:schemeClr val="accent6"/>
-                </a:solidFill>
-                <a:latin typeface="微软雅黑" panose="020B0503020204020204" pitchFamily="34" charset="-122"/>
-                <a:ea typeface="微软雅黑" panose="020B0503020204020204" pitchFamily="34" charset="-122"/>
-              </a:rPr>
-              <a:t>未考虑多个</a:t>
-            </a:r>
-            <a:r>
-              <a:rPr lang="en-US" altLang="zh-CN" sz="3000" dirty="0">
-                <a:solidFill>
-                  <a:schemeClr val="accent6"/>
-                </a:solidFill>
-                <a:latin typeface="微软雅黑" panose="020B0503020204020204" pitchFamily="34" charset="-122"/>
-                <a:ea typeface="微软雅黑" panose="020B0503020204020204" pitchFamily="34" charset="-122"/>
-              </a:rPr>
-              <a:t>DG</a:t>
-            </a:r>
-            <a:r>
-              <a:rPr lang="zh-CN" altLang="en-US" sz="3000" dirty="0">
-                <a:solidFill>
-                  <a:schemeClr val="accent6"/>
-                </a:solidFill>
-                <a:latin typeface="微软雅黑" panose="020B0503020204020204" pitchFamily="34" charset="-122"/>
-                <a:ea typeface="微软雅黑" panose="020B0503020204020204" pitchFamily="34" charset="-122"/>
-              </a:rPr>
-              <a:t>接入配电网的情况</a:t>
-            </a:r>
-          </a:p>
-        </p:txBody>
-      </p:sp>
-      <p:sp>
-        <p:nvSpPr>
-          <p:cNvPr id="6" name="矩形 5">
-            <a:extLst>
-              <a:ext uri="{FF2B5EF4-FFF2-40B4-BE49-F238E27FC236}">
-                <a16:creationId xmlns="" xmlns:a16="http://schemas.microsoft.com/office/drawing/2014/main" id="{FAD700A3-65B5-4A1C-9CB7-0A588A4BD0FC}"/>
-              </a:ext>
-            </a:extLst>
-          </p:cNvPr>
-          <p:cNvSpPr/>
-          <p:nvPr/>
-        </p:nvSpPr>
-        <p:spPr>
-          <a:xfrm>
-            <a:off x="2271678" y="4120381"/>
-            <a:ext cx="10206369" cy="553998"/>
-          </a:xfrm>
-          <a:prstGeom prst="rect">
-            <a:avLst/>
-          </a:prstGeom>
-        </p:spPr>
-        <p:txBody>
-          <a:bodyPr wrap="square">
-            <a:spAutoFit/>
-          </a:bodyPr>
-          <a:lstStyle/>
-          <a:p>
-            <a:r>
-              <a:rPr lang="zh-CN" altLang="en-US" sz="3000" kern="100" dirty="0">
-                <a:solidFill>
-                  <a:schemeClr val="accent6"/>
-                </a:solidFill>
-                <a:latin typeface="微软雅黑" panose="020B0503020204020204" pitchFamily="34" charset="-122"/>
-                <a:ea typeface="微软雅黑" panose="020B0503020204020204" pitchFamily="34" charset="-122"/>
-                <a:cs typeface="Calibri" panose="020F0502020204030204" pitchFamily="34" charset="0"/>
-              </a:rPr>
-              <a:t>未计及</a:t>
-            </a:r>
-            <a:r>
-              <a:rPr lang="en-US" altLang="zh-CN" sz="3000" kern="100" dirty="0">
-                <a:solidFill>
-                  <a:schemeClr val="accent6"/>
-                </a:solidFill>
-                <a:latin typeface="微软雅黑" panose="020B0503020204020204" pitchFamily="34" charset="-122"/>
-                <a:ea typeface="微软雅黑" panose="020B0503020204020204" pitchFamily="34" charset="-122"/>
-                <a:cs typeface="Calibri" panose="020F0502020204030204" pitchFamily="34" charset="0"/>
-              </a:rPr>
-              <a:t>IIDG</a:t>
-            </a:r>
-            <a:r>
-              <a:rPr lang="zh-CN" altLang="en-US" sz="3000" kern="100" dirty="0">
-                <a:solidFill>
-                  <a:schemeClr val="accent6"/>
-                </a:solidFill>
-                <a:latin typeface="微软雅黑" panose="020B0503020204020204" pitchFamily="34" charset="-122"/>
-                <a:ea typeface="微软雅黑" panose="020B0503020204020204" pitchFamily="34" charset="-122"/>
-                <a:cs typeface="Calibri" panose="020F0502020204030204" pitchFamily="34" charset="0"/>
-              </a:rPr>
-              <a:t>控制策略，以及低电压穿越要求</a:t>
-            </a:r>
-            <a:endParaRPr lang="zh-CN" altLang="en-US" sz="3000" dirty="0">
-              <a:solidFill>
-                <a:schemeClr val="accent6"/>
-              </a:solidFill>
-              <a:latin typeface="微软雅黑" panose="020B0503020204020204" pitchFamily="34" charset="-122"/>
-              <a:ea typeface="微软雅黑" panose="020B0503020204020204" pitchFamily="34" charset="-122"/>
-            </a:endParaRPr>
-          </a:p>
-        </p:txBody>
-      </p:sp>
-      <p:sp>
-        <p:nvSpPr>
-          <p:cNvPr id="10" name="文本框 9">
-            <a:extLst>
-              <a:ext uri="{FF2B5EF4-FFF2-40B4-BE49-F238E27FC236}">
-                <a16:creationId xmlns="" xmlns:a16="http://schemas.microsoft.com/office/drawing/2014/main" id="{0613BB98-5DF4-4BB2-8C01-21CF36CD9441}"/>
-              </a:ext>
-            </a:extLst>
-          </p:cNvPr>
-          <p:cNvSpPr txBox="1"/>
-          <p:nvPr/>
-        </p:nvSpPr>
-        <p:spPr>
-          <a:xfrm>
-            <a:off x="1244798" y="1231350"/>
-            <a:ext cx="11665297" cy="584775"/>
-          </a:xfrm>
-          <a:prstGeom prst="rect">
-            <a:avLst/>
-          </a:prstGeom>
-          <a:noFill/>
-        </p:spPr>
-        <p:txBody>
-          <a:bodyPr wrap="square" rtlCol="0">
-            <a:spAutoFit/>
-          </a:bodyPr>
-          <a:lstStyle/>
-          <a:p>
-            <a:r>
-              <a:rPr lang="zh-CN" altLang="en-US" sz="3200" dirty="0">
-                <a:solidFill>
-                  <a:schemeClr val="accent6">
-                    <a:lumMod val="90000"/>
-                    <a:lumOff val="10000"/>
-                  </a:schemeClr>
-                </a:solidFill>
-                <a:latin typeface="微软雅黑" panose="020B0503020204020204" pitchFamily="34" charset="-122"/>
-                <a:ea typeface="微软雅黑" panose="020B0503020204020204" pitchFamily="34" charset="-122"/>
-                <a:cs typeface="+mn-ea"/>
-              </a:rPr>
-              <a:t>存在的主要问题：</a:t>
-            </a:r>
-          </a:p>
-        </p:txBody>
-      </p:sp>
-      <p:sp>
-        <p:nvSpPr>
-          <p:cNvPr id="22" name="Oval 108">
-            <a:extLst>
-              <a:ext uri="{FF2B5EF4-FFF2-40B4-BE49-F238E27FC236}">
-                <a16:creationId xmlns="" xmlns:a16="http://schemas.microsoft.com/office/drawing/2014/main" id="{DB3E7D43-79EF-4199-9180-499BE3667CDE}"/>
-              </a:ext>
-            </a:extLst>
-          </p:cNvPr>
-          <p:cNvSpPr>
-            <a:spLocks noChangeAspect="1"/>
-          </p:cNvSpPr>
-          <p:nvPr/>
-        </p:nvSpPr>
-        <p:spPr>
-          <a:xfrm>
-            <a:off x="1170243" y="4120381"/>
-            <a:ext cx="578612" cy="578612"/>
-          </a:xfrm>
-          <a:prstGeom prst="ellipse">
-            <a:avLst/>
-          </a:prstGeom>
-          <a:solidFill>
-            <a:schemeClr val="accent4"/>
-          </a:solidFill>
-          <a:ln w="38100">
-            <a:noFill/>
-          </a:ln>
-        </p:spPr>
-        <p:style>
-          <a:lnRef idx="2">
-            <a:schemeClr val="accent1">
-              <a:shade val="50000"/>
-            </a:schemeClr>
-          </a:lnRef>
-          <a:fillRef idx="1">
-            <a:schemeClr val="accent1"/>
-          </a:fillRef>
-          <a:effectRef idx="0">
-            <a:schemeClr val="accent1"/>
-          </a:effectRef>
-          <a:fontRef idx="minor">
-            <a:schemeClr val="lt1"/>
-          </a:fontRef>
-        </p:style>
-        <p:txBody>
-          <a:bodyPr lIns="0" tIns="0" rIns="0" bIns="0" rtlCol="0" anchor="ctr"/>
-          <a:lstStyle/>
-          <a:p>
-            <a:pPr algn="ctr">
-              <a:lnSpc>
-                <a:spcPct val="120000"/>
-              </a:lnSpc>
-              <a:spcBef>
-                <a:spcPts val="0"/>
-              </a:spcBef>
-              <a:spcAft>
-                <a:spcPts val="0"/>
-              </a:spcAft>
-            </a:pPr>
-            <a:r>
-              <a:rPr lang="en-US" altLang="zh-CN" dirty="0">
-                <a:solidFill>
-                  <a:schemeClr val="bg1"/>
-                </a:solidFill>
-                <a:latin typeface="Arial" panose="020B0604020202020204" pitchFamily="34" charset="0"/>
-                <a:ea typeface="微软雅黑" panose="020B0503020204020204" pitchFamily="34" charset="-122"/>
-                <a:cs typeface="+mn-ea"/>
-                <a:sym typeface="Arial" panose="020B0604020202020204" pitchFamily="34" charset="0"/>
-              </a:rPr>
-              <a:t>3</a:t>
-            </a:r>
-            <a:endParaRPr lang="en-US" dirty="0">
-              <a:solidFill>
-                <a:schemeClr val="bg1"/>
-              </a:solidFill>
-              <a:latin typeface="Arial" panose="020B0604020202020204" pitchFamily="34" charset="0"/>
-              <a:ea typeface="微软雅黑" panose="020B0503020204020204" pitchFamily="34" charset="-122"/>
-              <a:cs typeface="+mn-ea"/>
-              <a:sym typeface="Arial" panose="020B0604020202020204" pitchFamily="34" charset="0"/>
-            </a:endParaRPr>
-          </a:p>
-        </p:txBody>
-      </p:sp>
-      <p:sp>
-        <p:nvSpPr>
-          <p:cNvPr id="23" name="Oval 108">
-            <a:extLst>
-              <a:ext uri="{FF2B5EF4-FFF2-40B4-BE49-F238E27FC236}">
-                <a16:creationId xmlns="" xmlns:a16="http://schemas.microsoft.com/office/drawing/2014/main" id="{51EA73B5-B150-4C52-A3A8-BF7BC09A4288}"/>
-              </a:ext>
-            </a:extLst>
-          </p:cNvPr>
-          <p:cNvSpPr>
-            <a:spLocks noChangeAspect="1"/>
-          </p:cNvSpPr>
-          <p:nvPr/>
-        </p:nvSpPr>
-        <p:spPr>
-          <a:xfrm>
-            <a:off x="1170243" y="5056485"/>
-            <a:ext cx="578612" cy="578612"/>
-          </a:xfrm>
-          <a:prstGeom prst="ellipse">
-            <a:avLst/>
-          </a:prstGeom>
-          <a:solidFill>
-            <a:schemeClr val="accent4"/>
-          </a:solidFill>
-          <a:ln w="38100">
-            <a:noFill/>
-          </a:ln>
-        </p:spPr>
-        <p:style>
-          <a:lnRef idx="2">
-            <a:schemeClr val="accent1">
-              <a:shade val="50000"/>
-            </a:schemeClr>
-          </a:lnRef>
-          <a:fillRef idx="1">
-            <a:schemeClr val="accent1"/>
-          </a:fillRef>
-          <a:effectRef idx="0">
-            <a:schemeClr val="accent1"/>
-          </a:effectRef>
-          <a:fontRef idx="minor">
-            <a:schemeClr val="lt1"/>
-          </a:fontRef>
-        </p:style>
-        <p:txBody>
-          <a:bodyPr lIns="0" tIns="0" rIns="0" bIns="0" rtlCol="0" anchor="ctr"/>
-          <a:lstStyle/>
-          <a:p>
-            <a:pPr algn="ctr">
-              <a:lnSpc>
-                <a:spcPct val="120000"/>
-              </a:lnSpc>
-              <a:spcBef>
-                <a:spcPts val="0"/>
-              </a:spcBef>
-              <a:spcAft>
-                <a:spcPts val="0"/>
-              </a:spcAft>
-            </a:pPr>
-            <a:r>
-              <a:rPr lang="en-US" altLang="zh-CN" dirty="0">
-                <a:solidFill>
-                  <a:schemeClr val="bg1"/>
-                </a:solidFill>
-                <a:latin typeface="Arial" panose="020B0604020202020204" pitchFamily="34" charset="0"/>
-                <a:ea typeface="微软雅黑" panose="020B0503020204020204" pitchFamily="34" charset="-122"/>
-                <a:cs typeface="+mn-ea"/>
-                <a:sym typeface="Arial" panose="020B0604020202020204" pitchFamily="34" charset="0"/>
-              </a:rPr>
-              <a:t>4</a:t>
-            </a:r>
-            <a:endParaRPr lang="en-US" dirty="0">
-              <a:solidFill>
-                <a:schemeClr val="bg1"/>
-              </a:solidFill>
-              <a:latin typeface="Arial" panose="020B0604020202020204" pitchFamily="34" charset="0"/>
-              <a:ea typeface="微软雅黑" panose="020B0503020204020204" pitchFamily="34" charset="-122"/>
-              <a:cs typeface="+mn-ea"/>
-              <a:sym typeface="Arial" panose="020B0604020202020204" pitchFamily="34" charset="0"/>
-            </a:endParaRPr>
-          </a:p>
-        </p:txBody>
-      </p:sp>
-      <p:sp>
-        <p:nvSpPr>
-          <p:cNvPr id="24" name="矩形 23">
-            <a:extLst>
-              <a:ext uri="{FF2B5EF4-FFF2-40B4-BE49-F238E27FC236}">
-                <a16:creationId xmlns="" xmlns:a16="http://schemas.microsoft.com/office/drawing/2014/main" id="{380D3F60-D5C4-453C-BA69-7D1DD2734111}"/>
-              </a:ext>
-            </a:extLst>
-          </p:cNvPr>
-          <p:cNvSpPr/>
-          <p:nvPr/>
-        </p:nvSpPr>
-        <p:spPr>
-          <a:xfrm>
-            <a:off x="2271678" y="3184277"/>
-            <a:ext cx="10206369" cy="553998"/>
-          </a:xfrm>
-          <a:prstGeom prst="rect">
-            <a:avLst/>
-          </a:prstGeom>
-        </p:spPr>
-        <p:txBody>
-          <a:bodyPr wrap="square">
-            <a:spAutoFit/>
-          </a:bodyPr>
-          <a:lstStyle/>
-          <a:p>
-            <a:r>
-              <a:rPr lang="zh-CN" altLang="en-US" sz="3000" kern="100" dirty="0">
-                <a:solidFill>
-                  <a:schemeClr val="accent6"/>
-                </a:solidFill>
-                <a:latin typeface="微软雅黑" panose="020B0503020204020204" pitchFamily="34" charset="-122"/>
-                <a:ea typeface="微软雅黑" panose="020B0503020204020204" pitchFamily="34" charset="-122"/>
-                <a:cs typeface="Calibri" panose="020F0502020204030204" pitchFamily="34" charset="0"/>
-              </a:rPr>
-              <a:t>在线自适应整定，需频繁修改保护整定值</a:t>
-            </a:r>
-            <a:endParaRPr lang="zh-CN" altLang="en-US" sz="3000" dirty="0">
-              <a:solidFill>
-                <a:schemeClr val="accent6"/>
-              </a:solidFill>
-              <a:latin typeface="微软雅黑" panose="020B0503020204020204" pitchFamily="34" charset="-122"/>
-              <a:ea typeface="微软雅黑" panose="020B0503020204020204" pitchFamily="34" charset="-122"/>
-            </a:endParaRPr>
-          </a:p>
-        </p:txBody>
-      </p:sp>
-      <p:sp>
-        <p:nvSpPr>
-          <p:cNvPr id="25" name="矩形 24">
-            <a:extLst>
-              <a:ext uri="{FF2B5EF4-FFF2-40B4-BE49-F238E27FC236}">
-                <a16:creationId xmlns="" xmlns:a16="http://schemas.microsoft.com/office/drawing/2014/main" id="{5F32022F-E31B-41CD-B360-7FE7BD34131F}"/>
-              </a:ext>
-            </a:extLst>
-          </p:cNvPr>
-          <p:cNvSpPr/>
-          <p:nvPr/>
-        </p:nvSpPr>
-        <p:spPr>
-          <a:xfrm>
-            <a:off x="2271678" y="5056485"/>
-            <a:ext cx="10206369" cy="553998"/>
-          </a:xfrm>
-          <a:prstGeom prst="rect">
-            <a:avLst/>
-          </a:prstGeom>
-        </p:spPr>
-        <p:txBody>
-          <a:bodyPr wrap="square">
-            <a:spAutoFit/>
-          </a:bodyPr>
-          <a:lstStyle/>
-          <a:p>
-            <a:r>
-              <a:rPr lang="zh-CN" altLang="en-US" sz="3000" kern="100" dirty="0">
-                <a:solidFill>
-                  <a:schemeClr val="accent6"/>
-                </a:solidFill>
-                <a:latin typeface="微软雅黑" panose="020B0503020204020204" pitchFamily="34" charset="-122"/>
-                <a:ea typeface="微软雅黑" panose="020B0503020204020204" pitchFamily="34" charset="-122"/>
-                <a:cs typeface="Calibri" panose="020F0502020204030204" pitchFamily="34" charset="0"/>
-              </a:rPr>
-              <a:t>依赖通信系统，对配网自动化水平要求高</a:t>
-            </a:r>
-            <a:endParaRPr lang="zh-CN" altLang="en-US" sz="3000" dirty="0">
-              <a:solidFill>
-                <a:schemeClr val="accent6"/>
-              </a:solidFill>
-              <a:latin typeface="微软雅黑" panose="020B0503020204020204" pitchFamily="34" charset="-122"/>
-              <a:ea typeface="微软雅黑" panose="020B0503020204020204" pitchFamily="34" charset="-122"/>
-            </a:endParaRPr>
-          </a:p>
-        </p:txBody>
-      </p:sp>
-    </p:spTree>
-    <p:extLst>
-      <p:ext uri="{BB962C8B-B14F-4D97-AF65-F5344CB8AC3E}">
-        <p14:creationId xmlns:p14="http://schemas.microsoft.com/office/powerpoint/2010/main" val="2637049981"/>
-      </p:ext>
-    </p:extLst>
-  </p:cSld>
-  <p:clrMapOvr>
-    <a:masterClrMapping/>
-  </p:clrMapOvr>
-  <mc:AlternateContent xmlns:mc="http://schemas.openxmlformats.org/markup-compatibility/2006" xmlns:p14="http://schemas.microsoft.com/office/powerpoint/2010/main">
-    <mc:Choice Requires="p14">
-      <p:transition p14:dur="0" advTm="0"/>
-    </mc:Choice>
-    <mc:Fallback xmlns="">
-      <p:transition advTm="0"/>
-    </mc:Fallback>
-  </mc:AlternateContent>
-</p:sld>
-</file>
-
-<file path=ppt/slides/slide8.xml><?xml version="1.0" encoding="utf-8"?>
 <p:sld xmlns:a="http://schemas.openxmlformats.org/drawingml/2006/main" xmlns:r="http://schemas.openxmlformats.org/officeDocument/2006/relationships" xmlns:p="http://schemas.openxmlformats.org/presentationml/2006/main">
   <p:cSld>
     <p:spTree>
@@ -11085,10 +10842,17 @@
       <p:transition advTm="0"/>
     </mc:Fallback>
   </mc:AlternateContent>
+  <p:timing>
+    <p:tnLst>
+      <p:par>
+        <p:cTn id="1" dur="indefinite" restart="never" nodeType="tmRoot"/>
+      </p:par>
+    </p:tnLst>
+  </p:timing>
 </p:sld>
 </file>
 
-<file path=ppt/slides/slide9.xml><?xml version="1.0" encoding="utf-8"?>
+<file path=ppt/slides/slide8.xml><?xml version="1.0" encoding="utf-8"?>
 <p:sld xmlns:a="http://schemas.openxmlformats.org/drawingml/2006/main" xmlns:r="http://schemas.openxmlformats.org/officeDocument/2006/relationships" xmlns:p="http://schemas.openxmlformats.org/presentationml/2006/main">
   <p:cSld>
     <p:spTree>
@@ -11145,7 +10909,7 @@
           <a:p>
             <a:pPr algn="l"/>
             <a:r>
-              <a:rPr lang="zh-CN" altLang="en-US" sz="3600" dirty="0">
+              <a:rPr lang="en-US" altLang="zh-CN" sz="3600" dirty="0" smtClean="0">
                 <a:solidFill>
                   <a:schemeClr val="accent6">
                     <a:lumMod val="90000"/>
@@ -11157,7 +10921,22 @@
                 <a:cs typeface="+mn-ea"/>
                 <a:sym typeface="+mn-lt"/>
               </a:rPr>
-              <a:t>本课题的主要研究内容</a:t>
+              <a:t>3.1 </a:t>
+            </a:r>
+            <a:r>
+              <a:rPr lang="zh-CN" altLang="en-US" sz="3600" dirty="0" smtClean="0">
+                <a:solidFill>
+                  <a:schemeClr val="accent6">
+                    <a:lumMod val="90000"/>
+                    <a:lumOff val="10000"/>
+                  </a:schemeClr>
+                </a:solidFill>
+                <a:latin typeface="微软雅黑" panose="020B0503020204020204" pitchFamily="34" charset="-122"/>
+                <a:ea typeface="微软雅黑" panose="020B0503020204020204" pitchFamily="34" charset="-122"/>
+                <a:cs typeface="+mn-ea"/>
+                <a:sym typeface="+mn-lt"/>
+              </a:rPr>
+              <a:t>多元数据采集</a:t>
             </a:r>
             <a:endParaRPr lang="en-US" altLang="zh-CN" sz="3600" dirty="0">
               <a:solidFill>
@@ -11266,45 +11045,9 @@
           </a:p>
         </p:txBody>
       </p:sp>
-      <p:pic>
-        <p:nvPicPr>
-          <p:cNvPr id="5" name="图片 4">
-            <a:extLst>
-              <a:ext uri="{FF2B5EF4-FFF2-40B4-BE49-F238E27FC236}">
-                <a16:creationId xmlns="" xmlns:a16="http://schemas.microsoft.com/office/drawing/2014/main" id="{BD16DE35-36FD-4C0B-96D8-6E095DE66B66}"/>
-              </a:ext>
-            </a:extLst>
-          </p:cNvPr>
-          <p:cNvPicPr>
-            <a:picLocks noChangeAspect="1"/>
-          </p:cNvPicPr>
-          <p:nvPr/>
-        </p:nvPicPr>
-        <p:blipFill>
-          <a:blip r:embed="rId3"/>
-          <a:stretch>
-            <a:fillRect/>
-          </a:stretch>
-        </p:blipFill>
-        <p:spPr>
-          <a:xfrm>
-            <a:off x="1748854" y="1096045"/>
-            <a:ext cx="7920881" cy="3312368"/>
-          </a:xfrm>
-          <a:prstGeom prst="rect">
-            <a:avLst/>
-          </a:prstGeom>
-        </p:spPr>
-      </p:pic>
-      <p:sp>
-        <p:nvSpPr>
-          <p:cNvPr id="6" name="Oval 108">
-            <a:extLst>
-              <a:ext uri="{FF2B5EF4-FFF2-40B4-BE49-F238E27FC236}">
-                <a16:creationId xmlns="" xmlns:a16="http://schemas.microsoft.com/office/drawing/2014/main" id="{B328E89A-A3EE-4401-9281-729704814BBE}"/>
-              </a:ext>
-            </a:extLst>
-          </p:cNvPr>
+      <p:sp>
+        <p:nvSpPr>
+          <p:cNvPr id="8" name="Oval 108"/>
           <p:cNvSpPr>
             <a:spLocks noChangeAspect="1"/>
           </p:cNvSpPr>
@@ -11312,7 +11055,7 @@
         </p:nvSpPr>
         <p:spPr>
           <a:xfrm>
-            <a:off x="1170243" y="4894466"/>
+            <a:off x="775729" y="1704173"/>
             <a:ext cx="578612" cy="578612"/>
           </a:xfrm>
           <a:prstGeom prst="ellipse">
@@ -11382,13 +11125,644 @@
       </p:sp>
       <p:sp>
         <p:nvSpPr>
-          <p:cNvPr id="8" name="Oval 111">
+          <p:cNvPr id="9" name="文本框 4">
             <a:extLst>
               <a:ext uri="{FF2B5EF4-FFF2-40B4-BE49-F238E27FC236}">
-                <a16:creationId xmlns="" xmlns:a16="http://schemas.microsoft.com/office/drawing/2014/main" id="{D461613E-3675-487A-AFD4-63499DD78711}"/>
+                <a16:creationId xmlns="" xmlns:a16="http://schemas.microsoft.com/office/drawing/2014/main" id="{DCDB714C-71F7-4AF9-A31D-C9D625B5469A}"/>
               </a:ext>
             </a:extLst>
           </p:cNvPr>
+          <p:cNvSpPr txBox="1"/>
+          <p:nvPr/>
+        </p:nvSpPr>
+        <p:spPr>
+          <a:xfrm>
+            <a:off x="1858397" y="1728787"/>
+            <a:ext cx="10081120" cy="553998"/>
+          </a:xfrm>
+          <a:prstGeom prst="rect">
+            <a:avLst/>
+          </a:prstGeom>
+          <a:noFill/>
+        </p:spPr>
+        <p:txBody>
+          <a:bodyPr wrap="square" rtlCol="0">
+            <a:spAutoFit/>
+          </a:bodyPr>
+          <a:lstStyle/>
+          <a:p>
+            <a:r>
+              <a:rPr lang="zh-CN" altLang="en-US" sz="3000" dirty="0" smtClean="0">
+                <a:solidFill>
+                  <a:schemeClr val="accent6"/>
+                </a:solidFill>
+                <a:latin typeface="微软雅黑" panose="020B0503020204020204" pitchFamily="34" charset="-122"/>
+                <a:ea typeface="微软雅黑" panose="020B0503020204020204" pitchFamily="34" charset="-122"/>
+              </a:rPr>
+              <a:t>人体状态信息及运动数据</a:t>
+            </a:r>
+            <a:endParaRPr lang="zh-CN" altLang="en-US" sz="3000" dirty="0">
+              <a:solidFill>
+                <a:schemeClr val="accent6"/>
+              </a:solidFill>
+              <a:latin typeface="微软雅黑" panose="020B0503020204020204" pitchFamily="34" charset="-122"/>
+              <a:ea typeface="微软雅黑" panose="020B0503020204020204" pitchFamily="34" charset="-122"/>
+            </a:endParaRPr>
+          </a:p>
+        </p:txBody>
+      </p:sp>
+      <p:grpSp>
+        <p:nvGrpSpPr>
+          <p:cNvPr id="10" name="组合 9"/>
+          <p:cNvGrpSpPr/>
+          <p:nvPr/>
+        </p:nvGrpSpPr>
+        <p:grpSpPr>
+          <a:xfrm>
+            <a:off x="775729" y="3866961"/>
+            <a:ext cx="11254563" cy="578612"/>
+            <a:chOff x="810203" y="3397753"/>
+            <a:chExt cx="11254563" cy="578612"/>
+          </a:xfrm>
+        </p:grpSpPr>
+        <p:sp>
+          <p:nvSpPr>
+            <p:cNvPr id="11" name="Oval 111"/>
+            <p:cNvSpPr>
+              <a:spLocks noChangeAspect="1"/>
+            </p:cNvSpPr>
+            <p:nvPr/>
+          </p:nvSpPr>
+          <p:spPr>
+            <a:xfrm>
+              <a:off x="810203" y="3397753"/>
+              <a:ext cx="578612" cy="578612"/>
+            </a:xfrm>
+            <a:prstGeom prst="ellipse">
+              <a:avLst/>
+            </a:prstGeom>
+            <a:solidFill>
+              <a:schemeClr val="accent4"/>
+            </a:solidFill>
+            <a:ln w="38100">
+              <a:noFill/>
+            </a:ln>
+          </p:spPr>
+          <p:style>
+            <a:lnRef idx="2">
+              <a:schemeClr val="accent1">
+                <a:shade val="50000"/>
+              </a:schemeClr>
+            </a:lnRef>
+            <a:fillRef idx="1">
+              <a:schemeClr val="accent1"/>
+            </a:fillRef>
+            <a:effectRef idx="0">
+              <a:schemeClr val="accent1"/>
+            </a:effectRef>
+            <a:fontRef idx="minor">
+              <a:schemeClr val="lt1"/>
+            </a:fontRef>
+          </p:style>
+          <p:txBody>
+            <a:bodyPr lIns="0" tIns="0" rIns="0" bIns="0" rtlCol="0" anchor="ctr"/>
+            <a:lstStyle/>
+            <a:p>
+              <a:pPr algn="ctr">
+                <a:lnSpc>
+                  <a:spcPct val="120000"/>
+                </a:lnSpc>
+                <a:spcBef>
+                  <a:spcPts val="0"/>
+                </a:spcBef>
+                <a:spcAft>
+                  <a:spcPts val="0"/>
+                </a:spcAft>
+              </a:pPr>
+              <a:r>
+                <a:rPr lang="en-AU" dirty="0">
+                  <a:solidFill>
+                    <a:schemeClr val="bg1"/>
+                  </a:solidFill>
+                  <a:latin typeface="Arial" panose="020B0604020202020204" pitchFamily="34" charset="0"/>
+                  <a:ea typeface="微软雅黑" panose="020B0503020204020204" pitchFamily="34" charset="-122"/>
+                  <a:cs typeface="+mn-ea"/>
+                  <a:sym typeface="Arial" panose="020B0604020202020204" pitchFamily="34" charset="0"/>
+                </a:rPr>
+                <a:t>2</a:t>
+              </a:r>
+              <a:endParaRPr lang="en-US" dirty="0">
+                <a:solidFill>
+                  <a:schemeClr val="bg1"/>
+                </a:solidFill>
+                <a:latin typeface="Arial" panose="020B0604020202020204" pitchFamily="34" charset="0"/>
+                <a:ea typeface="微软雅黑" panose="020B0503020204020204" pitchFamily="34" charset="-122"/>
+                <a:cs typeface="+mn-ea"/>
+                <a:sym typeface="Arial" panose="020B0604020202020204" pitchFamily="34" charset="0"/>
+              </a:endParaRPr>
+            </a:p>
+          </p:txBody>
+        </p:sp>
+        <p:sp>
+          <p:nvSpPr>
+            <p:cNvPr id="12" name="矩形 11">
+              <a:extLst>
+                <a:ext uri="{FF2B5EF4-FFF2-40B4-BE49-F238E27FC236}">
+                  <a16:creationId xmlns="" xmlns:a16="http://schemas.microsoft.com/office/drawing/2014/main" id="{FAD700A3-65B5-4A1C-9CB7-0A588A4BD0FC}"/>
+                </a:ext>
+              </a:extLst>
+            </p:cNvPr>
+            <p:cNvSpPr/>
+            <p:nvPr/>
+          </p:nvSpPr>
+          <p:spPr>
+            <a:xfrm>
+              <a:off x="1858397" y="3422367"/>
+              <a:ext cx="10206369" cy="553998"/>
+            </a:xfrm>
+            <a:prstGeom prst="rect">
+              <a:avLst/>
+            </a:prstGeom>
+          </p:spPr>
+          <p:txBody>
+            <a:bodyPr wrap="square">
+              <a:spAutoFit/>
+            </a:bodyPr>
+            <a:lstStyle/>
+            <a:p>
+              <a:r>
+                <a:rPr lang="zh-CN" altLang="en-US" sz="3000" kern="100" dirty="0">
+                  <a:solidFill>
+                    <a:schemeClr val="accent6"/>
+                  </a:solidFill>
+                  <a:latin typeface="微软雅黑" panose="020B0503020204020204" pitchFamily="34" charset="-122"/>
+                  <a:ea typeface="微软雅黑" panose="020B0503020204020204" pitchFamily="34" charset="-122"/>
+                  <a:cs typeface="Calibri" panose="020F0502020204030204" pitchFamily="34" charset="0"/>
+                </a:rPr>
+                <a:t>跑步</a:t>
+              </a:r>
+              <a:r>
+                <a:rPr lang="zh-CN" altLang="en-US" sz="3000" kern="100" dirty="0" smtClean="0">
+                  <a:solidFill>
+                    <a:schemeClr val="accent6"/>
+                  </a:solidFill>
+                  <a:latin typeface="微软雅黑" panose="020B0503020204020204" pitchFamily="34" charset="-122"/>
+                  <a:ea typeface="微软雅黑" panose="020B0503020204020204" pitchFamily="34" charset="-122"/>
+                  <a:cs typeface="Calibri" panose="020F0502020204030204" pitchFamily="34" charset="0"/>
+                </a:rPr>
+                <a:t>机电机运行状态</a:t>
+              </a:r>
+              <a:endParaRPr lang="zh-CN" altLang="en-US" sz="3000" dirty="0">
+                <a:solidFill>
+                  <a:schemeClr val="accent6"/>
+                </a:solidFill>
+                <a:latin typeface="微软雅黑" panose="020B0503020204020204" pitchFamily="34" charset="-122"/>
+                <a:ea typeface="微软雅黑" panose="020B0503020204020204" pitchFamily="34" charset="-122"/>
+              </a:endParaRPr>
+            </a:p>
+          </p:txBody>
+        </p:sp>
+      </p:grpSp>
+      <p:sp>
+        <p:nvSpPr>
+          <p:cNvPr id="14" name="TextBox 13"/>
+          <p:cNvSpPr txBox="1"/>
+          <p:nvPr/>
+        </p:nvSpPr>
+        <p:spPr>
+          <a:xfrm>
+            <a:off x="1990473" y="4587041"/>
+            <a:ext cx="7535245" cy="923330"/>
+          </a:xfrm>
+          <a:prstGeom prst="rect">
+            <a:avLst/>
+          </a:prstGeom>
+          <a:noFill/>
+        </p:spPr>
+        <p:txBody>
+          <a:bodyPr wrap="square" rtlCol="0">
+            <a:spAutoFit/>
+          </a:bodyPr>
+          <a:lstStyle/>
+          <a:p>
+            <a:r>
+              <a:rPr lang="zh-CN" altLang="en-US" dirty="0">
+                <a:latin typeface="黑体" pitchFamily="49" charset="-122"/>
+                <a:ea typeface="黑体" pitchFamily="49" charset="-122"/>
+              </a:rPr>
+              <a:t>主要为其速度信号和电流信号，具体需要针对电机型号进行采集方案拟定。同时为了检测电机状态，需要采集电机温度，震动等信号。</a:t>
+            </a:r>
+            <a:endParaRPr lang="en-US" altLang="zh-CN" dirty="0" smtClean="0">
+              <a:latin typeface="黑体" pitchFamily="49" charset="-122"/>
+              <a:ea typeface="黑体" pitchFamily="49" charset="-122"/>
+            </a:endParaRPr>
+          </a:p>
+          <a:p>
+            <a:endParaRPr lang="zh-CN" altLang="en-US" dirty="0">
+              <a:latin typeface="黑体" pitchFamily="49" charset="-122"/>
+              <a:ea typeface="黑体" pitchFamily="49" charset="-122"/>
+            </a:endParaRPr>
+          </a:p>
+        </p:txBody>
+      </p:sp>
+      <p:sp>
+        <p:nvSpPr>
+          <p:cNvPr id="16" name="TextBox 15"/>
+          <p:cNvSpPr txBox="1"/>
+          <p:nvPr/>
+        </p:nvSpPr>
+        <p:spPr>
+          <a:xfrm>
+            <a:off x="1960039" y="2392189"/>
+            <a:ext cx="5184576" cy="646331"/>
+          </a:xfrm>
+          <a:prstGeom prst="rect">
+            <a:avLst/>
+          </a:prstGeom>
+          <a:noFill/>
+        </p:spPr>
+        <p:txBody>
+          <a:bodyPr wrap="square" rtlCol="0">
+            <a:spAutoFit/>
+          </a:bodyPr>
+          <a:lstStyle/>
+          <a:p>
+            <a:r>
+              <a:rPr lang="zh-CN" altLang="zh-CN" dirty="0">
+                <a:latin typeface="黑体" pitchFamily="49" charset="-122"/>
+                <a:ea typeface="黑体" pitchFamily="49" charset="-122"/>
+              </a:rPr>
+              <a:t>心率、表面肌电信号、年龄、体重、</a:t>
+            </a:r>
+            <a:r>
+              <a:rPr lang="zh-CN" altLang="zh-CN" dirty="0" smtClean="0">
+                <a:latin typeface="黑体" pitchFamily="49" charset="-122"/>
+                <a:ea typeface="黑体" pitchFamily="49" charset="-122"/>
+              </a:rPr>
+              <a:t>身高</a:t>
+            </a:r>
+            <a:r>
+              <a:rPr lang="zh-CN" altLang="en-US" dirty="0" smtClean="0">
+                <a:latin typeface="黑体" pitchFamily="49" charset="-122"/>
+                <a:ea typeface="黑体" pitchFamily="49" charset="-122"/>
+              </a:rPr>
+              <a:t>等</a:t>
+            </a:r>
+            <a:r>
+              <a:rPr lang="en-US" altLang="zh-CN" dirty="0" smtClean="0">
+                <a:latin typeface="黑体" pitchFamily="49" charset="-122"/>
+                <a:ea typeface="黑体" pitchFamily="49" charset="-122"/>
+              </a:rPr>
+              <a:t>		</a:t>
+            </a:r>
+            <a:r>
+              <a:rPr lang="zh-CN" altLang="en-US" dirty="0" smtClean="0">
+                <a:latin typeface="黑体" pitchFamily="49" charset="-122"/>
+                <a:ea typeface="黑体" pitchFamily="49" charset="-122"/>
+              </a:rPr>
+              <a:t>对采集传感器数据进行预处理</a:t>
+            </a:r>
+            <a:endParaRPr lang="zh-CN" altLang="en-US" dirty="0">
+              <a:latin typeface="黑体" pitchFamily="49" charset="-122"/>
+              <a:ea typeface="黑体" pitchFamily="49" charset="-122"/>
+            </a:endParaRPr>
+          </a:p>
+        </p:txBody>
+      </p:sp>
+      <p:sp>
+        <p:nvSpPr>
+          <p:cNvPr id="6" name="TextBox 5"/>
+          <p:cNvSpPr txBox="1"/>
+          <p:nvPr/>
+        </p:nvSpPr>
+        <p:spPr>
+          <a:xfrm>
+            <a:off x="1960039" y="2393930"/>
+            <a:ext cx="7197740" cy="1477328"/>
+          </a:xfrm>
+          <a:prstGeom prst="rect">
+            <a:avLst/>
+          </a:prstGeom>
+          <a:noFill/>
+        </p:spPr>
+        <p:txBody>
+          <a:bodyPr wrap="square" rtlCol="0">
+            <a:spAutoFit/>
+          </a:bodyPr>
+          <a:lstStyle/>
+          <a:p>
+            <a:endParaRPr lang="en-US" altLang="zh-CN" b="1" dirty="0" smtClean="0"/>
+          </a:p>
+          <a:p>
+            <a:endParaRPr lang="en-US" altLang="zh-CN" dirty="0" smtClean="0"/>
+          </a:p>
+          <a:p>
+            <a:r>
+              <a:rPr lang="en-US" altLang="zh-CN" dirty="0" smtClean="0"/>
+              <a:t>	</a:t>
+            </a:r>
+            <a:r>
+              <a:rPr lang="zh-CN" altLang="zh-CN" dirty="0" smtClean="0">
+                <a:latin typeface="黑体" pitchFamily="49" charset="-122"/>
+                <a:ea typeface="黑体" pitchFamily="49" charset="-122"/>
+              </a:rPr>
+              <a:t>对</a:t>
+            </a:r>
+            <a:r>
+              <a:rPr lang="zh-CN" altLang="zh-CN" dirty="0">
+                <a:latin typeface="黑体" pitchFamily="49" charset="-122"/>
+                <a:ea typeface="黑体" pitchFamily="49" charset="-122"/>
+              </a:rPr>
+              <a:t>肌电信号进行信号预处理和</a:t>
+            </a:r>
+            <a:r>
+              <a:rPr lang="zh-CN" altLang="zh-CN" dirty="0" smtClean="0">
+                <a:latin typeface="黑体" pitchFamily="49" charset="-122"/>
+                <a:ea typeface="黑体" pitchFamily="49" charset="-122"/>
+              </a:rPr>
+              <a:t>分析</a:t>
+            </a:r>
+            <a:endParaRPr lang="en-US" altLang="zh-CN" dirty="0" smtClean="0">
+              <a:latin typeface="黑体" pitchFamily="49" charset="-122"/>
+              <a:ea typeface="黑体" pitchFamily="49" charset="-122"/>
+            </a:endParaRPr>
+          </a:p>
+          <a:p>
+            <a:r>
+              <a:rPr lang="en-US" altLang="zh-CN" dirty="0">
+                <a:latin typeface="黑体" pitchFamily="49" charset="-122"/>
+                <a:ea typeface="黑体" pitchFamily="49" charset="-122"/>
+              </a:rPr>
+              <a:t>	</a:t>
+            </a:r>
+            <a:r>
+              <a:rPr lang="en-US" altLang="zh-CN" dirty="0" smtClean="0">
+                <a:latin typeface="黑体" pitchFamily="49" charset="-122"/>
+                <a:ea typeface="黑体" pitchFamily="49" charset="-122"/>
+              </a:rPr>
+              <a:t>	-</a:t>
+            </a:r>
+            <a:r>
+              <a:rPr lang="zh-CN" altLang="zh-CN" dirty="0"/>
+              <a:t>基于</a:t>
+            </a:r>
+            <a:r>
+              <a:rPr lang="en-US" altLang="zh-CN" dirty="0"/>
+              <a:t>FIR</a:t>
+            </a:r>
+            <a:r>
+              <a:rPr lang="zh-CN" altLang="zh-CN" dirty="0"/>
+              <a:t>滤波器进行</a:t>
+            </a:r>
+            <a:r>
+              <a:rPr lang="zh-CN" altLang="zh-CN" dirty="0" smtClean="0"/>
+              <a:t>预处理</a:t>
+            </a:r>
+            <a:endParaRPr lang="en-US" altLang="zh-CN" dirty="0" smtClean="0"/>
+          </a:p>
+          <a:p>
+            <a:r>
+              <a:rPr lang="en-US" altLang="zh-CN" dirty="0" smtClean="0">
+                <a:latin typeface="黑体" pitchFamily="49" charset="-122"/>
+                <a:ea typeface="黑体" pitchFamily="49" charset="-122"/>
+              </a:rPr>
+              <a:t>		-</a:t>
+            </a:r>
+            <a:r>
+              <a:rPr lang="zh-CN" altLang="zh-CN" dirty="0"/>
+              <a:t>小波变换提取时频域信息</a:t>
+            </a:r>
+            <a:endParaRPr lang="zh-CN" altLang="en-US" dirty="0">
+              <a:latin typeface="黑体" pitchFamily="49" charset="-122"/>
+              <a:ea typeface="黑体" pitchFamily="49" charset="-122"/>
+            </a:endParaRPr>
+          </a:p>
+        </p:txBody>
+      </p:sp>
+    </p:spTree>
+    <p:extLst>
+      <p:ext uri="{BB962C8B-B14F-4D97-AF65-F5344CB8AC3E}">
+        <p14:creationId xmlns:p14="http://schemas.microsoft.com/office/powerpoint/2010/main" val="1410903886"/>
+      </p:ext>
+    </p:extLst>
+  </p:cSld>
+  <p:clrMapOvr>
+    <a:masterClrMapping/>
+  </p:clrMapOvr>
+  <mc:AlternateContent xmlns:mc="http://schemas.openxmlformats.org/markup-compatibility/2006">
+    <mc:Choice xmlns:p14="http://schemas.microsoft.com/office/powerpoint/2010/main" Requires="p14">
+      <p:transition p14:dur="10" advTm="0"/>
+    </mc:Choice>
+    <mc:Fallback>
+      <p:transition advTm="0"/>
+    </mc:Fallback>
+  </mc:AlternateContent>
+  <p:timing>
+    <p:tnLst>
+      <p:par>
+        <p:cTn id="1" dur="indefinite" restart="never" nodeType="tmRoot"/>
+      </p:par>
+    </p:tnLst>
+  </p:timing>
+</p:sld>
+</file>
+
+<file path=ppt/slides/slide9.xml><?xml version="1.0" encoding="utf-8"?>
+<p:sld xmlns:a="http://schemas.openxmlformats.org/drawingml/2006/main" xmlns:r="http://schemas.openxmlformats.org/officeDocument/2006/relationships" xmlns:p="http://schemas.openxmlformats.org/presentationml/2006/main">
+  <p:cSld>
+    <p:spTree>
+      <p:nvGrpSpPr>
+        <p:cNvPr id="1" name=""/>
+        <p:cNvGrpSpPr/>
+        <p:nvPr/>
+      </p:nvGrpSpPr>
+      <p:grpSpPr>
+        <a:xfrm>
+          <a:off x="0" y="0"/>
+          <a:ext cx="0" cy="0"/>
+          <a:chOff x="0" y="0"/>
+          <a:chExt cx="0" cy="0"/>
+        </a:xfrm>
+      </p:grpSpPr>
+      <p:sp>
+        <p:nvSpPr>
+          <p:cNvPr id="45" name="标题 4"/>
+          <p:cNvSpPr txBox="1">
+            <a:spLocks/>
+          </p:cNvSpPr>
+          <p:nvPr/>
+        </p:nvSpPr>
+        <p:spPr>
+          <a:xfrm>
+            <a:off x="884758" y="235754"/>
+            <a:ext cx="6192689" cy="428243"/>
+          </a:xfrm>
+          <a:prstGeom prst="rect">
+            <a:avLst/>
+          </a:prstGeom>
+        </p:spPr>
+        <p:txBody>
+          <a:bodyPr vert="horz" lIns="96416" tIns="48208" rIns="96416" bIns="48208" rtlCol="0" anchor="ctr">
+            <a:noAutofit/>
+          </a:bodyPr>
+          <a:lstStyle>
+            <a:lvl1pPr algn="ctr" defTabSz="914400" rtl="0" eaLnBrk="1" latinLnBrk="0" hangingPunct="1">
+              <a:spcBef>
+                <a:spcPct val="0"/>
+              </a:spcBef>
+              <a:buNone/>
+              <a:defRPr sz="4400" kern="1200">
+                <a:solidFill>
+                  <a:schemeClr val="tx1"/>
+                </a:solidFill>
+                <a:latin typeface="+mj-lt"/>
+                <a:ea typeface="+mj-ea"/>
+                <a:cs typeface="+mj-cs"/>
+              </a:defRPr>
+            </a:lvl1pPr>
+          </a:lstStyle>
+          <a:p>
+            <a:pPr algn="l"/>
+            <a:r>
+              <a:rPr lang="en-US" altLang="zh-CN" sz="3600" dirty="0" smtClean="0">
+                <a:solidFill>
+                  <a:schemeClr val="accent6">
+                    <a:lumMod val="90000"/>
+                    <a:lumOff val="10000"/>
+                  </a:schemeClr>
+                </a:solidFill>
+                <a:latin typeface="微软雅黑" panose="020B0503020204020204" pitchFamily="34" charset="-122"/>
+                <a:ea typeface="微软雅黑" panose="020B0503020204020204" pitchFamily="34" charset="-122"/>
+                <a:cs typeface="+mn-ea"/>
+                <a:sym typeface="+mn-lt"/>
+              </a:rPr>
+              <a:t>3.2 </a:t>
+            </a:r>
+            <a:r>
+              <a:rPr lang="zh-CN" altLang="en-US" sz="3600" dirty="0" smtClean="0">
+                <a:solidFill>
+                  <a:schemeClr val="accent6">
+                    <a:lumMod val="90000"/>
+                    <a:lumOff val="10000"/>
+                  </a:schemeClr>
+                </a:solidFill>
+                <a:latin typeface="微软雅黑" panose="020B0503020204020204" pitchFamily="34" charset="-122"/>
+                <a:ea typeface="微软雅黑" panose="020B0503020204020204" pitchFamily="34" charset="-122"/>
+                <a:cs typeface="+mn-ea"/>
+                <a:sym typeface="+mn-lt"/>
+              </a:rPr>
+              <a:t>多元数据融合</a:t>
+            </a:r>
+            <a:endParaRPr lang="en-US" altLang="zh-CN" sz="3600" dirty="0">
+              <a:solidFill>
+                <a:schemeClr val="accent6">
+                  <a:lumMod val="90000"/>
+                  <a:lumOff val="10000"/>
+                </a:schemeClr>
+              </a:solidFill>
+              <a:latin typeface="微软雅黑" panose="020B0503020204020204" pitchFamily="34" charset="-122"/>
+              <a:ea typeface="微软雅黑" panose="020B0503020204020204" pitchFamily="34" charset="-122"/>
+              <a:cs typeface="+mn-ea"/>
+              <a:sym typeface="+mn-lt"/>
+            </a:endParaRPr>
+          </a:p>
+        </p:txBody>
+      </p:sp>
+      <p:sp>
+        <p:nvSpPr>
+          <p:cNvPr id="7" name="矩形 6">
+            <a:extLst>
+              <a:ext uri="{FF2B5EF4-FFF2-40B4-BE49-F238E27FC236}">
+                <a16:creationId xmlns="" xmlns:a16="http://schemas.microsoft.com/office/drawing/2014/main" id="{679A3138-A048-4BE6-B5D0-73DE54F662CA}"/>
+              </a:ext>
+            </a:extLst>
+          </p:cNvPr>
+          <p:cNvSpPr/>
+          <p:nvPr/>
+        </p:nvSpPr>
+        <p:spPr>
+          <a:xfrm>
+            <a:off x="0" y="736005"/>
+            <a:ext cx="12694071" cy="59047"/>
+          </a:xfrm>
+          <a:prstGeom prst="rect">
+            <a:avLst/>
+          </a:prstGeom>
+        </p:spPr>
+        <p:style>
+          <a:lnRef idx="2">
+            <a:schemeClr val="accent1">
+              <a:shade val="50000"/>
+            </a:schemeClr>
+          </a:lnRef>
+          <a:fillRef idx="1">
+            <a:schemeClr val="accent1"/>
+          </a:fillRef>
+          <a:effectRef idx="0">
+            <a:schemeClr val="accent1"/>
+          </a:effectRef>
+          <a:fontRef idx="minor">
+            <a:schemeClr val="lt1"/>
+          </a:fontRef>
+        </p:style>
+        <p:txBody>
+          <a:bodyPr rtlCol="0" anchor="ctr"/>
+          <a:lstStyle/>
+          <a:p>
+            <a:pPr algn="ctr"/>
+            <a:endParaRPr lang="zh-CN" altLang="en-US"/>
+          </a:p>
+        </p:txBody>
+      </p:sp>
+      <p:sp>
+        <p:nvSpPr>
+          <p:cNvPr id="4" name="矩形 3">
+            <a:extLst>
+              <a:ext uri="{FF2B5EF4-FFF2-40B4-BE49-F238E27FC236}">
+                <a16:creationId xmlns="" xmlns:a16="http://schemas.microsoft.com/office/drawing/2014/main" id="{5F600B10-DFEC-4912-B550-CD5AF45FF609}"/>
+              </a:ext>
+            </a:extLst>
+          </p:cNvPr>
+          <p:cNvSpPr/>
+          <p:nvPr/>
+        </p:nvSpPr>
+        <p:spPr>
+          <a:xfrm>
+            <a:off x="380703" y="-1"/>
+            <a:ext cx="72008" cy="1024037"/>
+          </a:xfrm>
+          <a:prstGeom prst="rect">
+            <a:avLst/>
+          </a:prstGeom>
+        </p:spPr>
+        <p:style>
+          <a:lnRef idx="2">
+            <a:schemeClr val="dk1">
+              <a:shade val="50000"/>
+            </a:schemeClr>
+          </a:lnRef>
+          <a:fillRef idx="1">
+            <a:schemeClr val="dk1"/>
+          </a:fillRef>
+          <a:effectRef idx="0">
+            <a:schemeClr val="dk1"/>
+          </a:effectRef>
+          <a:fontRef idx="minor">
+            <a:schemeClr val="lt1"/>
+          </a:fontRef>
+        </p:style>
+        <p:txBody>
+          <a:bodyPr rtlCol="0" anchor="ctr"/>
+          <a:lstStyle/>
+          <a:p>
+            <a:pPr algn="ctr"/>
+            <a:endParaRPr lang="zh-CN" altLang="en-US"/>
+          </a:p>
+        </p:txBody>
+      </p:sp>
+      <p:sp>
+        <p:nvSpPr>
+          <p:cNvPr id="8" name="Oval 108"/>
           <p:cNvSpPr>
             <a:spLocks noChangeAspect="1"/>
           </p:cNvSpPr>
@@ -11396,7 +11770,7 @@
         </p:nvSpPr>
         <p:spPr>
           <a:xfrm>
-            <a:off x="1170243" y="5974586"/>
+            <a:off x="775729" y="1704173"/>
             <a:ext cx="578612" cy="578612"/>
           </a:xfrm>
           <a:prstGeom prst="ellipse">
@@ -11440,18 +11814,6 @@
                 <a:spcPts val="0"/>
               </a:spcAft>
             </a:pPr>
-            <a:r>
-              <a:rPr lang="en-AU" sz="1600" dirty="0">
-                <a:solidFill>
-                  <a:schemeClr val="bg1"/>
-                </a:solidFill>
-                <a:latin typeface="Arial" panose="020B0604020202020204" pitchFamily="34" charset="0"/>
-                <a:ea typeface="微软雅黑" panose="020B0503020204020204" pitchFamily="34" charset="-122"/>
-                <a:cs typeface="+mn-ea"/>
-                <a:sym typeface="Arial" panose="020B0604020202020204" pitchFamily="34" charset="0"/>
-              </a:rPr>
-              <a:t>2</a:t>
-            </a:r>
             <a:endParaRPr lang="en-US" sz="1600" dirty="0">
               <a:solidFill>
                 <a:schemeClr val="bg1"/>
@@ -11466,10 +11828,10 @@
       </p:sp>
       <p:sp>
         <p:nvSpPr>
-          <p:cNvPr id="9" name="文本框 8">
+          <p:cNvPr id="9" name="文本框 4">
             <a:extLst>
               <a:ext uri="{FF2B5EF4-FFF2-40B4-BE49-F238E27FC236}">
-                <a16:creationId xmlns="" xmlns:a16="http://schemas.microsoft.com/office/drawing/2014/main" id="{35712DC6-202A-437C-9325-B6BB9189567A}"/>
+                <a16:creationId xmlns="" xmlns:a16="http://schemas.microsoft.com/office/drawing/2014/main" id="{DCDB714C-71F7-4AF9-A31D-C9D625B5469A}"/>
               </a:ext>
             </a:extLst>
           </p:cNvPr>
@@ -11478,8 +11840,8 @@
         </p:nvSpPr>
         <p:spPr>
           <a:xfrm>
-            <a:off x="2252911" y="4822458"/>
-            <a:ext cx="10081120" cy="830997"/>
+            <a:off x="1858397" y="1728787"/>
+            <a:ext cx="10081120" cy="553998"/>
           </a:xfrm>
           <a:prstGeom prst="rect">
             <a:avLst/>
@@ -11493,119 +11855,16 @@
           <a:lstStyle/>
           <a:p>
             <a:r>
-              <a:rPr lang="zh-CN" altLang="en-US" sz="2400" dirty="0">
+              <a:rPr lang="zh-CN" altLang="en-US" sz="3000" dirty="0" smtClean="0">
                 <a:solidFill>
                   <a:schemeClr val="accent6"/>
                 </a:solidFill>
                 <a:latin typeface="微软雅黑" panose="020B0503020204020204" pitchFamily="34" charset="-122"/>
                 <a:ea typeface="微软雅黑" panose="020B0503020204020204" pitchFamily="34" charset="-122"/>
               </a:rPr>
-              <a:t>分析并网条件下的</a:t>
-            </a:r>
-            <a:r>
-              <a:rPr lang="en-US" altLang="zh-CN" sz="2400" dirty="0">
-                <a:solidFill>
-                  <a:schemeClr val="accent6"/>
-                </a:solidFill>
-                <a:latin typeface="微软雅黑" panose="020B0503020204020204" pitchFamily="34" charset="-122"/>
-                <a:ea typeface="微软雅黑" panose="020B0503020204020204" pitchFamily="34" charset="-122"/>
-              </a:rPr>
-              <a:t>IIDG</a:t>
-            </a:r>
-            <a:r>
-              <a:rPr lang="zh-CN" altLang="en-US" sz="2400" dirty="0">
-                <a:solidFill>
-                  <a:schemeClr val="accent6"/>
-                </a:solidFill>
-                <a:latin typeface="微软雅黑" panose="020B0503020204020204" pitchFamily="34" charset="-122"/>
-                <a:ea typeface="微软雅黑" panose="020B0503020204020204" pitchFamily="34" charset="-122"/>
-              </a:rPr>
-              <a:t>在计及</a:t>
-            </a:r>
-            <a:r>
-              <a:rPr lang="en-US" altLang="zh-CN" sz="2400" dirty="0">
-                <a:solidFill>
-                  <a:schemeClr val="accent6"/>
-                </a:solidFill>
-                <a:latin typeface="微软雅黑" panose="020B0503020204020204" pitchFamily="34" charset="-122"/>
-                <a:ea typeface="微软雅黑" panose="020B0503020204020204" pitchFamily="34" charset="-122"/>
-              </a:rPr>
-              <a:t>PQ</a:t>
-            </a:r>
-            <a:r>
-              <a:rPr lang="zh-CN" altLang="en-US" sz="2400" dirty="0">
-                <a:solidFill>
-                  <a:schemeClr val="accent6"/>
-                </a:solidFill>
-                <a:latin typeface="微软雅黑" panose="020B0503020204020204" pitchFamily="34" charset="-122"/>
-                <a:ea typeface="微软雅黑" panose="020B0503020204020204" pitchFamily="34" charset="-122"/>
-              </a:rPr>
-              <a:t>控制时的故障电流输出特性，进而建立等值模型</a:t>
-            </a:r>
-          </a:p>
-        </p:txBody>
-      </p:sp>
-      <p:sp>
-        <p:nvSpPr>
-          <p:cNvPr id="10" name="矩形 9">
-            <a:extLst>
-              <a:ext uri="{FF2B5EF4-FFF2-40B4-BE49-F238E27FC236}">
-                <a16:creationId xmlns="" xmlns:a16="http://schemas.microsoft.com/office/drawing/2014/main" id="{F62B4CD9-024A-4919-82B7-DA85CCF7970C}"/>
-              </a:ext>
-            </a:extLst>
-          </p:cNvPr>
-          <p:cNvSpPr/>
-          <p:nvPr/>
-        </p:nvSpPr>
-        <p:spPr>
-          <a:xfrm>
-            <a:off x="2271678" y="5902578"/>
-            <a:ext cx="10206369" cy="830997"/>
-          </a:xfrm>
-          <a:prstGeom prst="rect">
-            <a:avLst/>
-          </a:prstGeom>
-        </p:spPr>
-        <p:txBody>
-          <a:bodyPr wrap="square">
-            <a:spAutoFit/>
-          </a:bodyPr>
-          <a:lstStyle/>
-          <a:p>
-            <a:r>
-              <a:rPr lang="zh-CN" altLang="en-US" sz="2400" kern="100" dirty="0">
-                <a:solidFill>
-                  <a:schemeClr val="accent6"/>
-                </a:solidFill>
-                <a:latin typeface="微软雅黑" panose="020B0503020204020204" pitchFamily="34" charset="-122"/>
-                <a:ea typeface="微软雅黑" panose="020B0503020204020204" pitchFamily="34" charset="-122"/>
-                <a:cs typeface="Calibri" panose="020F0502020204030204" pitchFamily="34" charset="0"/>
-              </a:rPr>
-              <a:t>通过分析多个</a:t>
-            </a:r>
-            <a:r>
-              <a:rPr lang="en-US" altLang="zh-CN" sz="2400" kern="100" dirty="0">
-                <a:solidFill>
-                  <a:schemeClr val="accent6"/>
-                </a:solidFill>
-                <a:latin typeface="微软雅黑" panose="020B0503020204020204" pitchFamily="34" charset="-122"/>
-                <a:ea typeface="微软雅黑" panose="020B0503020204020204" pitchFamily="34" charset="-122"/>
-                <a:cs typeface="Calibri" panose="020F0502020204030204" pitchFamily="34" charset="0"/>
-              </a:rPr>
-              <a:t>IIDG</a:t>
-            </a:r>
-            <a:r>
-              <a:rPr lang="zh-CN" altLang="en-US" sz="2400" kern="100" dirty="0">
-                <a:solidFill>
-                  <a:schemeClr val="accent6"/>
-                </a:solidFill>
-                <a:latin typeface="微软雅黑" panose="020B0503020204020204" pitchFamily="34" charset="-122"/>
-                <a:ea typeface="微软雅黑" panose="020B0503020204020204" pitchFamily="34" charset="-122"/>
-                <a:cs typeface="Calibri" panose="020F0502020204030204" pitchFamily="34" charset="0"/>
-              </a:rPr>
-              <a:t>接入配电网对电流保护的不同影响，将配电网划分为两种区域，拟为不同区域配置不同的保护。</a:t>
-            </a:r>
-            <a:endParaRPr lang="zh-CN" altLang="en-US" sz="2400" dirty="0">
+              <a:t>运动疲劳度评估</a:t>
+            </a:r>
+            <a:endParaRPr lang="zh-CN" altLang="en-US" sz="3000" dirty="0">
               <a:solidFill>
                 <a:schemeClr val="accent6"/>
               </a:solidFill>
@@ -11615,24 +11874,122 @@
           </a:p>
         </p:txBody>
       </p:sp>
+      <p:sp>
+        <p:nvSpPr>
+          <p:cNvPr id="16" name="TextBox 15"/>
+          <p:cNvSpPr txBox="1"/>
+          <p:nvPr/>
+        </p:nvSpPr>
+        <p:spPr>
+          <a:xfrm>
+            <a:off x="1960039" y="2392189"/>
+            <a:ext cx="7349656" cy="369332"/>
+          </a:xfrm>
+          <a:prstGeom prst="rect">
+            <a:avLst/>
+          </a:prstGeom>
+          <a:noFill/>
+        </p:spPr>
+        <p:txBody>
+          <a:bodyPr wrap="square" rtlCol="0">
+            <a:spAutoFit/>
+          </a:bodyPr>
+          <a:lstStyle/>
+          <a:p>
+            <a:r>
+              <a:rPr lang="zh-CN" altLang="zh-CN" dirty="0"/>
+              <a:t>对运动中人体状态数据进行合理数据融合，得到一个合理的疲劳度</a:t>
+            </a:r>
+            <a:r>
+              <a:rPr lang="zh-CN" altLang="zh-CN" dirty="0" smtClean="0"/>
+              <a:t>评估</a:t>
+            </a:r>
+            <a:endParaRPr lang="en-US" altLang="zh-CN" dirty="0" smtClean="0"/>
+          </a:p>
+        </p:txBody>
+      </p:sp>
+      <p:graphicFrame>
+        <p:nvGraphicFramePr>
+          <p:cNvPr id="2" name="对象 1"/>
+          <p:cNvGraphicFramePr>
+            <a:graphicFrameLocks noChangeAspect="1"/>
+          </p:cNvGraphicFramePr>
+          <p:nvPr>
+            <p:extLst>
+              <p:ext uri="{D42A27DB-BD31-4B8C-83A1-F6EECF244321}">
+                <p14:modId xmlns:p14="http://schemas.microsoft.com/office/powerpoint/2010/main" val="2499099279"/>
+              </p:ext>
+            </p:extLst>
+          </p:nvPr>
+        </p:nvGraphicFramePr>
+        <p:xfrm>
+          <a:off x="1931439" y="3112269"/>
+          <a:ext cx="6185752" cy="2880320"/>
+        </p:xfrm>
+        <a:graphic>
+          <a:graphicData uri="http://schemas.openxmlformats.org/presentationml/2006/ole">
+            <mc:AlternateContent xmlns:mc="http://schemas.openxmlformats.org/markup-compatibility/2006">
+              <mc:Choice xmlns:v="urn:schemas-microsoft-com:vml" Requires="v">
+                <p:oleObj spid="_x0000_s3078" name="Visio" r:id="rId4" imgW="4319477" imgH="2010737" progId="Visio.Drawing.11">
+                  <p:embed/>
+                </p:oleObj>
+              </mc:Choice>
+              <mc:Fallback>
+                <p:oleObj name="Visio" r:id="rId4" imgW="4319477" imgH="2010737" progId="Visio.Drawing.11">
+                  <p:embed/>
+                  <p:pic>
+                    <p:nvPicPr>
+                      <p:cNvPr id="0" name=""/>
+                      <p:cNvPicPr/>
+                      <p:nvPr/>
+                    </p:nvPicPr>
+                    <p:blipFill>
+                      <a:blip r:embed="rId5"/>
+                      <a:stretch>
+                        <a:fillRect/>
+                      </a:stretch>
+                    </p:blipFill>
+                    <p:spPr>
+                      <a:xfrm>
+                        <a:off x="1931439" y="3112269"/>
+                        <a:ext cx="6185752" cy="2880320"/>
+                      </a:xfrm>
+                      <a:prstGeom prst="rect">
+                        <a:avLst/>
+                      </a:prstGeom>
+                    </p:spPr>
+                  </p:pic>
+                </p:oleObj>
+              </mc:Fallback>
+            </mc:AlternateContent>
+          </a:graphicData>
+        </a:graphic>
+      </p:graphicFrame>
     </p:spTree>
     <p:extLst>
       <p:ext uri="{BB962C8B-B14F-4D97-AF65-F5344CB8AC3E}">
-        <p14:creationId xmlns:p14="http://schemas.microsoft.com/office/powerpoint/2010/main" val="1624636801"/>
+        <p14:creationId xmlns:p14="http://schemas.microsoft.com/office/powerpoint/2010/main" val="24421820"/>
       </p:ext>
     </p:extLst>
   </p:cSld>
   <p:clrMapOvr>
     <a:masterClrMapping/>
   </p:clrMapOvr>
-  <mc:AlternateContent xmlns:mc="http://schemas.openxmlformats.org/markup-compatibility/2006" xmlns:p14="http://schemas.microsoft.com/office/powerpoint/2010/main">
-    <mc:Choice Requires="p14">
-      <p:transition p14:dur="0" advTm="0"/>
+  <mc:AlternateContent xmlns:mc="http://schemas.openxmlformats.org/markup-compatibility/2006">
+    <mc:Choice xmlns:p14="http://schemas.microsoft.com/office/powerpoint/2010/main" Requires="p14">
+      <p:transition p14:dur="10" advTm="0"/>
     </mc:Choice>
-    <mc:Fallback xmlns="">
+    <mc:Fallback>
       <p:transition advTm="0"/>
     </mc:Fallback>
   </mc:AlternateContent>
+  <p:timing>
+    <p:tnLst>
+      <p:par>
+        <p:cTn id="1" dur="indefinite" restart="never" nodeType="tmRoot"/>
+      </p:par>
+    </p:tnLst>
+  </p:timing>
 </p:sld>
 </file>
 
